--- a/Reports/2015_05_update.pptx
+++ b/Reports/2015_05_update.pptx
@@ -6,11 +6,17 @@
     <p:sldMasterId id="2147483660" r:id="rId2"/>
   </p:sldMasterIdLst>
   <p:notesMasterIdLst>
-    <p:notesMasterId r:id="rId5"/>
+    <p:notesMasterId r:id="rId11"/>
   </p:notesMasterIdLst>
   <p:sldIdLst>
     <p:sldId id="256" r:id="rId3"/>
-    <p:sldId id="257" r:id="rId4"/>
+    <p:sldId id="262" r:id="rId4"/>
+    <p:sldId id="260" r:id="rId5"/>
+    <p:sldId id="264" r:id="rId6"/>
+    <p:sldId id="258" r:id="rId7"/>
+    <p:sldId id="259" r:id="rId8"/>
+    <p:sldId id="263" r:id="rId9"/>
+    <p:sldId id="261" r:id="rId10"/>
   </p:sldIdLst>
   <p:sldSz cx="9144000" cy="6858000" type="screen4x3"/>
   <p:notesSz cx="6858000" cy="9144000"/>
@@ -112,6 +118,252 @@
 </p:presentation>
 </file>
 
+<file path=ppt/charts/chart1.xml><?xml version="1.0" encoding="utf-8"?>
+<c:chartSpace xmlns:c="http://schemas.openxmlformats.org/drawingml/2006/chart" xmlns:a="http://schemas.openxmlformats.org/drawingml/2006/main" xmlns:r="http://schemas.openxmlformats.org/officeDocument/2006/relationships">
+  <c:date1904 val="0"/>
+  <c:lang val="en-US"/>
+  <c:roundedCorners val="0"/>
+  <mc:AlternateContent xmlns:mc="http://schemas.openxmlformats.org/markup-compatibility/2006">
+    <mc:Choice xmlns:c14="http://schemas.microsoft.com/office/drawing/2007/8/2/chart" Requires="c14">
+      <c14:style val="102"/>
+    </mc:Choice>
+    <mc:Fallback>
+      <c:style val="2"/>
+    </mc:Fallback>
+  </mc:AlternateContent>
+  <c:chart>
+    <c:autoTitleDeleted val="0"/>
+    <c:plotArea>
+      <c:layout/>
+      <c:barChart>
+        <c:barDir val="col"/>
+        <c:grouping val="clustered"/>
+        <c:varyColors val="0"/>
+        <c:ser>
+          <c:idx val="0"/>
+          <c:order val="0"/>
+          <c:tx>
+            <c:strRef>
+              <c:f>'Growth Yield'!$A$3</c:f>
+              <c:strCache>
+                <c:ptCount val="1"/>
+                <c:pt idx="0">
+                  <c:v>Predicted</c:v>
+                </c:pt>
+              </c:strCache>
+            </c:strRef>
+          </c:tx>
+          <c:invertIfNegative val="0"/>
+          <c:cat>
+            <c:strRef>
+              <c:f>'Growth Yield'!$B$2:$C$2</c:f>
+              <c:strCache>
+                <c:ptCount val="2"/>
+                <c:pt idx="0">
+                  <c:v>Hydrogen</c:v>
+                </c:pt>
+                <c:pt idx="1">
+                  <c:v>Formate</c:v>
+                </c:pt>
+              </c:strCache>
+            </c:strRef>
+          </c:cat>
+          <c:val>
+            <c:numRef>
+              <c:f>'Growth Yield'!$B$3:$C$3</c:f>
+              <c:numCache>
+                <c:formatCode>General</c:formatCode>
+                <c:ptCount val="2"/>
+                <c:pt idx="0">
+                  <c:v>3.89</c:v>
+                </c:pt>
+                <c:pt idx="1">
+                  <c:v>3.89</c:v>
+                </c:pt>
+              </c:numCache>
+            </c:numRef>
+          </c:val>
+        </c:ser>
+        <c:ser>
+          <c:idx val="1"/>
+          <c:order val="1"/>
+          <c:tx>
+            <c:strRef>
+              <c:f>'Growth Yield'!$A$4</c:f>
+              <c:strCache>
+                <c:ptCount val="1"/>
+                <c:pt idx="0">
+                  <c:v>Experimental</c:v>
+                </c:pt>
+              </c:strCache>
+            </c:strRef>
+          </c:tx>
+          <c:invertIfNegative val="0"/>
+          <c:errBars>
+            <c:errBarType val="both"/>
+            <c:errValType val="cust"/>
+            <c:noEndCap val="0"/>
+            <c:plus>
+              <c:numRef>
+                <c:f>'Growth Yield'!$B$5:$C$5</c:f>
+                <c:numCache>
+                  <c:formatCode>General</c:formatCode>
+                  <c:ptCount val="2"/>
+                  <c:pt idx="0">
+                    <c:v>0.57999999999999996</c:v>
+                  </c:pt>
+                  <c:pt idx="1">
+                    <c:v>0.28999999999999998</c:v>
+                  </c:pt>
+                </c:numCache>
+              </c:numRef>
+            </c:plus>
+            <c:minus>
+              <c:numRef>
+                <c:f>'Growth Yield'!$B$5:$C$5</c:f>
+                <c:numCache>
+                  <c:formatCode>General</c:formatCode>
+                  <c:ptCount val="2"/>
+                  <c:pt idx="0">
+                    <c:v>0.57999999999999996</c:v>
+                  </c:pt>
+                  <c:pt idx="1">
+                    <c:v>0.28999999999999998</c:v>
+                  </c:pt>
+                </c:numCache>
+              </c:numRef>
+            </c:minus>
+          </c:errBars>
+          <c:cat>
+            <c:strRef>
+              <c:f>'Growth Yield'!$B$2:$C$2</c:f>
+              <c:strCache>
+                <c:ptCount val="2"/>
+                <c:pt idx="0">
+                  <c:v>Hydrogen</c:v>
+                </c:pt>
+                <c:pt idx="1">
+                  <c:v>Formate</c:v>
+                </c:pt>
+              </c:strCache>
+            </c:strRef>
+          </c:cat>
+          <c:val>
+            <c:numRef>
+              <c:f>'Growth Yield'!$B$4:$C$4</c:f>
+              <c:numCache>
+                <c:formatCode>General</c:formatCode>
+                <c:ptCount val="2"/>
+                <c:pt idx="0">
+                  <c:v>2.86</c:v>
+                </c:pt>
+                <c:pt idx="1">
+                  <c:v>2.31</c:v>
+                </c:pt>
+              </c:numCache>
+            </c:numRef>
+          </c:val>
+        </c:ser>
+        <c:dLbls>
+          <c:showLegendKey val="0"/>
+          <c:showVal val="0"/>
+          <c:showCatName val="0"/>
+          <c:showSerName val="0"/>
+          <c:showPercent val="0"/>
+          <c:showBubbleSize val="0"/>
+        </c:dLbls>
+        <c:gapWidth val="150"/>
+        <c:axId val="34874496"/>
+        <c:axId val="40231680"/>
+      </c:barChart>
+      <c:catAx>
+        <c:axId val="34874496"/>
+        <c:scaling>
+          <c:orientation val="minMax"/>
+        </c:scaling>
+        <c:delete val="0"/>
+        <c:axPos val="b"/>
+        <c:majorTickMark val="out"/>
+        <c:minorTickMark val="none"/>
+        <c:tickLblPos val="nextTo"/>
+        <c:txPr>
+          <a:bodyPr/>
+          <a:lstStyle/>
+          <a:p>
+            <a:pPr>
+              <a:defRPr sz="1400"/>
+            </a:pPr>
+            <a:endParaRPr lang="en-US"/>
+          </a:p>
+        </c:txPr>
+        <c:crossAx val="40231680"/>
+        <c:crosses val="autoZero"/>
+        <c:auto val="1"/>
+        <c:lblAlgn val="ctr"/>
+        <c:lblOffset val="100"/>
+        <c:noMultiLvlLbl val="0"/>
+      </c:catAx>
+      <c:valAx>
+        <c:axId val="40231680"/>
+        <c:scaling>
+          <c:orientation val="minMax"/>
+        </c:scaling>
+        <c:delete val="0"/>
+        <c:axPos val="l"/>
+        <c:majorGridlines/>
+        <c:numFmt formatCode="General" sourceLinked="1"/>
+        <c:majorTickMark val="out"/>
+        <c:minorTickMark val="none"/>
+        <c:tickLblPos val="nextTo"/>
+        <c:txPr>
+          <a:bodyPr/>
+          <a:lstStyle/>
+          <a:p>
+            <a:pPr>
+              <a:defRPr sz="1400"/>
+            </a:pPr>
+            <a:endParaRPr lang="en-US"/>
+          </a:p>
+        </c:txPr>
+        <c:crossAx val="34874496"/>
+        <c:crosses val="autoZero"/>
+        <c:crossBetween val="between"/>
+      </c:valAx>
+    </c:plotArea>
+    <c:legend>
+      <c:legendPos val="r"/>
+      <c:layout>
+        <c:manualLayout>
+          <c:xMode val="edge"/>
+          <c:yMode val="edge"/>
+          <c:x val="0.84187675453611777"/>
+          <c:y val="0.11353708151836886"/>
+          <c:w val="0.15441949104188063"/>
+          <c:h val="0.2047950862368019"/>
+        </c:manualLayout>
+      </c:layout>
+      <c:overlay val="0"/>
+      <c:txPr>
+        <a:bodyPr/>
+        <a:lstStyle/>
+        <a:p>
+          <a:pPr>
+            <a:defRPr sz="1400"/>
+          </a:pPr>
+          <a:endParaRPr lang="en-US"/>
+        </a:p>
+      </c:txPr>
+    </c:legend>
+    <c:plotVisOnly val="1"/>
+    <c:dispBlanksAs val="gap"/>
+    <c:showDLblsOverMax val="0"/>
+  </c:chart>
+  <c:externalData r:id="rId1">
+    <c:autoUpdate val="0"/>
+  </c:externalData>
+</c:chartSpace>
+</file>
+
 <file path=ppt/notesMasters/notesMaster1.xml><?xml version="1.0" encoding="utf-8"?>
 <p:notesMaster xmlns:a="http://schemas.openxmlformats.org/drawingml/2006/main" xmlns:r="http://schemas.openxmlformats.org/officeDocument/2006/relationships" xmlns:p="http://schemas.openxmlformats.org/presentationml/2006/main">
   <p:cSld>
@@ -194,7 +446,7 @@
           <a:p>
             <a:fld id="{60F7E2D9-3D4C-4AC5-8F57-03EE4E14F836}" type="datetimeFigureOut">
               <a:rPr lang="en-US" smtClean="0"/>
-              <a:t>5/25/2015</a:t>
+              <a:t>5/27/2015</a:t>
             </a:fld>
             <a:endParaRPr lang="en-US"/>
           </a:p>
@@ -506,6 +758,530 @@
           <a:bodyPr/>
           <a:lstStyle/>
           <a:p>
+            <a:r>
+              <a:rPr lang="en-US" dirty="0" smtClean="0"/>
+              <a:t>Model adjustment specifics</a:t>
+            </a:r>
+            <a:r>
+              <a:rPr lang="en-US" baseline="0" dirty="0" smtClean="0"/>
+              <a:t> are basically what I sent in my email:</a:t>
+            </a:r>
+          </a:p>
+          <a:p>
+            <a:endParaRPr lang="en-US" baseline="0" dirty="0" smtClean="0"/>
+          </a:p>
+          <a:p>
+            <a:r>
+              <a:rPr lang="en-US" sz="1200" b="0" i="0" kern="1200" dirty="0" smtClean="0">
+                <a:solidFill>
+                  <a:schemeClr val="tx1"/>
+                </a:solidFill>
+                <a:effectLst/>
+                <a:latin typeface="+mn-lt"/>
+                <a:ea typeface="+mn-ea"/>
+                <a:cs typeface="+mn-cs"/>
+              </a:rPr>
+              <a:t>-Added lots of transporter genes from </a:t>
+            </a:r>
+            <a:r>
+              <a:rPr lang="en-US" sz="1200" b="0" i="0" kern="1200" dirty="0" err="1" smtClean="0">
+                <a:solidFill>
+                  <a:schemeClr val="tx1"/>
+                </a:solidFill>
+                <a:effectLst/>
+                <a:latin typeface="+mn-lt"/>
+                <a:ea typeface="+mn-ea"/>
+                <a:cs typeface="+mn-cs"/>
+              </a:rPr>
+              <a:t>TransportDB</a:t>
+            </a:r>
+            <a:endParaRPr lang="en-US" sz="1200" b="0" i="0" kern="1200" dirty="0" smtClean="0">
+              <a:solidFill>
+                <a:schemeClr val="tx1"/>
+              </a:solidFill>
+              <a:effectLst/>
+              <a:latin typeface="+mn-lt"/>
+              <a:ea typeface="+mn-ea"/>
+              <a:cs typeface="+mn-cs"/>
+            </a:endParaRPr>
+          </a:p>
+          <a:p>
+            <a:endParaRPr lang="en-US" sz="1200" b="0" i="0" kern="1200" dirty="0" smtClean="0">
+              <a:solidFill>
+                <a:schemeClr val="tx1"/>
+              </a:solidFill>
+              <a:effectLst/>
+              <a:latin typeface="+mn-lt"/>
+              <a:ea typeface="+mn-ea"/>
+              <a:cs typeface="+mn-cs"/>
+            </a:endParaRPr>
+          </a:p>
+          <a:p>
+            <a:r>
+              <a:rPr lang="en-US" sz="1200" b="0" i="0" kern="1200" dirty="0" smtClean="0">
+                <a:solidFill>
+                  <a:schemeClr val="tx1"/>
+                </a:solidFill>
+                <a:effectLst/>
+                <a:latin typeface="+mn-lt"/>
+                <a:ea typeface="+mn-ea"/>
+                <a:cs typeface="+mn-cs"/>
+              </a:rPr>
+              <a:t>-Removed all dead end reactions that lack genes</a:t>
+            </a:r>
+          </a:p>
+          <a:p>
+            <a:endParaRPr lang="en-US" sz="1200" b="0" i="0" kern="1200" dirty="0" smtClean="0">
+              <a:solidFill>
+                <a:schemeClr val="tx1"/>
+              </a:solidFill>
+              <a:effectLst/>
+              <a:latin typeface="+mn-lt"/>
+              <a:ea typeface="+mn-ea"/>
+              <a:cs typeface="+mn-cs"/>
+            </a:endParaRPr>
+          </a:p>
+          <a:p>
+            <a:r>
+              <a:rPr lang="en-US" sz="1200" b="0" i="0" kern="1200" dirty="0" smtClean="0">
+                <a:solidFill>
+                  <a:schemeClr val="tx1"/>
+                </a:solidFill>
+                <a:effectLst/>
+                <a:latin typeface="+mn-lt"/>
+                <a:ea typeface="+mn-ea"/>
+                <a:cs typeface="+mn-cs"/>
+              </a:rPr>
+              <a:t>-Added and subtracted, a handful of internal reactions to better reflect what we know to be true.</a:t>
+            </a:r>
+            <a:br>
+              <a:rPr lang="en-US" sz="1200" b="0" i="0" kern="1200" dirty="0" smtClean="0">
+                <a:solidFill>
+                  <a:schemeClr val="tx1"/>
+                </a:solidFill>
+                <a:effectLst/>
+                <a:latin typeface="+mn-lt"/>
+                <a:ea typeface="+mn-ea"/>
+                <a:cs typeface="+mn-cs"/>
+              </a:rPr>
+            </a:br>
+            <a:endParaRPr lang="en-US" sz="1200" b="0" i="0" kern="1200" dirty="0" smtClean="0">
+              <a:solidFill>
+                <a:schemeClr val="tx1"/>
+              </a:solidFill>
+              <a:effectLst/>
+              <a:latin typeface="+mn-lt"/>
+              <a:ea typeface="+mn-ea"/>
+              <a:cs typeface="+mn-cs"/>
+            </a:endParaRPr>
+          </a:p>
+          <a:p>
+            <a:r>
+              <a:rPr lang="en-US" sz="1200" b="0" i="0" kern="1200" dirty="0" smtClean="0">
+                <a:solidFill>
+                  <a:schemeClr val="tx1"/>
+                </a:solidFill>
+                <a:effectLst/>
+                <a:latin typeface="+mn-lt"/>
+                <a:ea typeface="+mn-ea"/>
+                <a:cs typeface="+mn-cs"/>
+              </a:rPr>
+              <a:t>-Changed bounds on some reactions to remove constraints we didn't have great justification for and added a couple of new ones, generally based on literature </a:t>
+            </a:r>
+          </a:p>
+          <a:p>
+            <a:endParaRPr lang="en-US" dirty="0"/>
+          </a:p>
+        </p:txBody>
+      </p:sp>
+      <p:sp>
+        <p:nvSpPr>
+          <p:cNvPr id="4" name="Slide Number Placeholder 3"/>
+          <p:cNvSpPr>
+            <a:spLocks noGrp="1"/>
+          </p:cNvSpPr>
+          <p:nvPr>
+            <p:ph type="sldNum" sz="quarter" idx="10"/>
+          </p:nvPr>
+        </p:nvSpPr>
+        <p:spPr/>
+        <p:txBody>
+          <a:bodyPr/>
+          <a:lstStyle/>
+          <a:p>
+            <a:fld id="{C5ABB8BA-40C2-4C65-AE18-FC66468AF136}" type="slidenum">
+              <a:rPr lang="en-US" smtClean="0"/>
+              <a:t>2</a:t>
+            </a:fld>
+            <a:endParaRPr lang="en-US"/>
+          </a:p>
+        </p:txBody>
+      </p:sp>
+    </p:spTree>
+    <p:extLst>
+      <p:ext uri="{BB962C8B-B14F-4D97-AF65-F5344CB8AC3E}">
+        <p14:creationId xmlns:p14="http://schemas.microsoft.com/office/powerpoint/2010/main" val="1531176309"/>
+      </p:ext>
+    </p:extLst>
+  </p:cSld>
+  <p:clrMapOvr>
+    <a:masterClrMapping/>
+  </p:clrMapOvr>
+</p:notes>
+</file>
+
+<file path=ppt/notesSlides/notesSlide2.xml><?xml version="1.0" encoding="utf-8"?>
+<p:notes xmlns:a="http://schemas.openxmlformats.org/drawingml/2006/main" xmlns:r="http://schemas.openxmlformats.org/officeDocument/2006/relationships" xmlns:p="http://schemas.openxmlformats.org/presentationml/2006/main">
+  <p:cSld>
+    <p:spTree>
+      <p:nvGrpSpPr>
+        <p:cNvPr id="1" name=""/>
+        <p:cNvGrpSpPr/>
+        <p:nvPr/>
+      </p:nvGrpSpPr>
+      <p:grpSpPr>
+        <a:xfrm>
+          <a:off x="0" y="0"/>
+          <a:ext cx="0" cy="0"/>
+          <a:chOff x="0" y="0"/>
+          <a:chExt cx="0" cy="0"/>
+        </a:xfrm>
+      </p:grpSpPr>
+      <p:sp>
+        <p:nvSpPr>
+          <p:cNvPr id="2" name="Slide Image Placeholder 1"/>
+          <p:cNvSpPr>
+            <a:spLocks noGrp="1" noRot="1" noChangeAspect="1"/>
+          </p:cNvSpPr>
+          <p:nvPr>
+            <p:ph type="sldImg"/>
+          </p:nvPr>
+        </p:nvSpPr>
+        <p:spPr/>
+      </p:sp>
+      <p:sp>
+        <p:nvSpPr>
+          <p:cNvPr id="3" name="Notes Placeholder 2"/>
+          <p:cNvSpPr>
+            <a:spLocks noGrp="1"/>
+          </p:cNvSpPr>
+          <p:nvPr>
+            <p:ph type="body" idx="1"/>
+          </p:nvPr>
+        </p:nvSpPr>
+        <p:spPr/>
+        <p:txBody>
+          <a:bodyPr/>
+          <a:lstStyle/>
+          <a:p>
+            <a:r>
+              <a:rPr lang="en-US" dirty="0" smtClean="0"/>
+              <a:t>We’ve added some more information, including a lot of genes from </a:t>
+            </a:r>
+            <a:r>
+              <a:rPr lang="en-US" dirty="0" err="1" smtClean="0"/>
+              <a:t>TransportDB</a:t>
+            </a:r>
+            <a:r>
+              <a:rPr lang="en-US" dirty="0" smtClean="0"/>
+              <a:t>.</a:t>
+            </a:r>
+            <a:r>
+              <a:rPr lang="en-US" baseline="0" dirty="0" smtClean="0"/>
+              <a:t> Our current model is over 1/3 larger than the original draft and all of those genes are things we added based on literature and experimental knowledge, not on annotation databases or </a:t>
+            </a:r>
+            <a:r>
+              <a:rPr lang="en-US" baseline="0" dirty="0" err="1" smtClean="0"/>
+              <a:t>gapfilling</a:t>
+            </a:r>
+            <a:r>
+              <a:rPr lang="en-US" baseline="0" dirty="0" smtClean="0"/>
+              <a:t>. We do have a good number of dead ends, but those aren’t necessarily a bad thing; all of them actually are gene-associated. Even though we may not know their full synthesis/consumption pathways, these metabolites are key to expanding our model and pointing to areas of metabolism where our knowledge is currently lacking. </a:t>
+            </a:r>
+            <a:endParaRPr lang="en-US" dirty="0"/>
+          </a:p>
+        </p:txBody>
+      </p:sp>
+      <p:sp>
+        <p:nvSpPr>
+          <p:cNvPr id="4" name="Slide Number Placeholder 3"/>
+          <p:cNvSpPr>
+            <a:spLocks noGrp="1"/>
+          </p:cNvSpPr>
+          <p:nvPr>
+            <p:ph type="sldNum" sz="quarter" idx="10"/>
+          </p:nvPr>
+        </p:nvSpPr>
+        <p:spPr/>
+        <p:txBody>
+          <a:bodyPr/>
+          <a:lstStyle/>
+          <a:p>
+            <a:fld id="{C5ABB8BA-40C2-4C65-AE18-FC66468AF136}" type="slidenum">
+              <a:rPr lang="en-US" smtClean="0"/>
+              <a:t>3</a:t>
+            </a:fld>
+            <a:endParaRPr lang="en-US"/>
+          </a:p>
+        </p:txBody>
+      </p:sp>
+    </p:spTree>
+    <p:extLst>
+      <p:ext uri="{BB962C8B-B14F-4D97-AF65-F5344CB8AC3E}">
+        <p14:creationId xmlns:p14="http://schemas.microsoft.com/office/powerpoint/2010/main" val="3802457713"/>
+      </p:ext>
+    </p:extLst>
+  </p:cSld>
+  <p:clrMapOvr>
+    <a:masterClrMapping/>
+  </p:clrMapOvr>
+</p:notes>
+</file>
+
+<file path=ppt/notesSlides/notesSlide3.xml><?xml version="1.0" encoding="utf-8"?>
+<p:notes xmlns:a="http://schemas.openxmlformats.org/drawingml/2006/main" xmlns:r="http://schemas.openxmlformats.org/officeDocument/2006/relationships" xmlns:p="http://schemas.openxmlformats.org/presentationml/2006/main">
+  <p:cSld>
+    <p:spTree>
+      <p:nvGrpSpPr>
+        <p:cNvPr id="1" name=""/>
+        <p:cNvGrpSpPr/>
+        <p:nvPr/>
+      </p:nvGrpSpPr>
+      <p:grpSpPr>
+        <a:xfrm>
+          <a:off x="0" y="0"/>
+          <a:ext cx="0" cy="0"/>
+          <a:chOff x="0" y="0"/>
+          <a:chExt cx="0" cy="0"/>
+        </a:xfrm>
+      </p:grpSpPr>
+      <p:sp>
+        <p:nvSpPr>
+          <p:cNvPr id="2" name="Slide Image Placeholder 1"/>
+          <p:cNvSpPr>
+            <a:spLocks noGrp="1" noRot="1" noChangeAspect="1"/>
+          </p:cNvSpPr>
+          <p:nvPr>
+            <p:ph type="sldImg"/>
+          </p:nvPr>
+        </p:nvSpPr>
+        <p:spPr/>
+      </p:sp>
+      <p:sp>
+        <p:nvSpPr>
+          <p:cNvPr id="3" name="Notes Placeholder 2"/>
+          <p:cNvSpPr>
+            <a:spLocks noGrp="1"/>
+          </p:cNvSpPr>
+          <p:nvPr>
+            <p:ph type="body" idx="1"/>
+          </p:nvPr>
+        </p:nvSpPr>
+        <p:spPr/>
+        <p:txBody>
+          <a:bodyPr/>
+          <a:lstStyle/>
+          <a:p>
+            <a:r>
+              <a:rPr lang="en-US" dirty="0" smtClean="0"/>
+              <a:t>We’re still moving toward our &lt;20% error goal here, and there’s some</a:t>
+            </a:r>
+            <a:r>
+              <a:rPr lang="en-US" baseline="0" dirty="0" smtClean="0"/>
+              <a:t> work to do here. The error I’m showing is compared to the measured value, but if you include the experimental error (error bars on the graph), then we’re within range for H2 (13% error) and not all that far away for formate (50%). We actually expect these experimental growth yields to change because we’re unsure of the data we were using for our dry cell weight measurements. We’re in the process of starting up a </a:t>
+            </a:r>
+            <a:r>
+              <a:rPr lang="en-US" baseline="0" dirty="0" err="1" smtClean="0"/>
+              <a:t>chemostat</a:t>
+            </a:r>
+            <a:r>
+              <a:rPr lang="en-US" baseline="0" dirty="0" smtClean="0"/>
+              <a:t> so that we can re-measure dry cell weight by filtration. We expect to get those numbers within the next few weeks, depending on how well the cells adapt and how quickly the filters dry. Early estimates based on a less precise experiment indicated that our dry weight measurements may be somewhat low, suggesting that our experimental values should in fact be closer to what our model is predicting. </a:t>
+            </a:r>
+            <a:endParaRPr lang="en-US" dirty="0"/>
+          </a:p>
+        </p:txBody>
+      </p:sp>
+      <p:sp>
+        <p:nvSpPr>
+          <p:cNvPr id="4" name="Slide Number Placeholder 3"/>
+          <p:cNvSpPr>
+            <a:spLocks noGrp="1"/>
+          </p:cNvSpPr>
+          <p:nvPr>
+            <p:ph type="sldNum" sz="quarter" idx="10"/>
+          </p:nvPr>
+        </p:nvSpPr>
+        <p:spPr/>
+        <p:txBody>
+          <a:bodyPr/>
+          <a:lstStyle/>
+          <a:p>
+            <a:fld id="{C5ABB8BA-40C2-4C65-AE18-FC66468AF136}" type="slidenum">
+              <a:rPr lang="en-US" smtClean="0"/>
+              <a:t>4</a:t>
+            </a:fld>
+            <a:endParaRPr lang="en-US"/>
+          </a:p>
+        </p:txBody>
+      </p:sp>
+    </p:spTree>
+    <p:extLst>
+      <p:ext uri="{BB962C8B-B14F-4D97-AF65-F5344CB8AC3E}">
+        <p14:creationId xmlns:p14="http://schemas.microsoft.com/office/powerpoint/2010/main" val="1092451957"/>
+      </p:ext>
+    </p:extLst>
+  </p:cSld>
+  <p:clrMapOvr>
+    <a:masterClrMapping/>
+  </p:clrMapOvr>
+</p:notes>
+</file>
+
+<file path=ppt/notesSlides/notesSlide4.xml><?xml version="1.0" encoding="utf-8"?>
+<p:notes xmlns:a="http://schemas.openxmlformats.org/drawingml/2006/main" xmlns:r="http://schemas.openxmlformats.org/officeDocument/2006/relationships" xmlns:p="http://schemas.openxmlformats.org/presentationml/2006/main">
+  <p:cSld>
+    <p:spTree>
+      <p:nvGrpSpPr>
+        <p:cNvPr id="1" name=""/>
+        <p:cNvGrpSpPr/>
+        <p:nvPr/>
+      </p:nvGrpSpPr>
+      <p:grpSpPr>
+        <a:xfrm>
+          <a:off x="0" y="0"/>
+          <a:ext cx="0" cy="0"/>
+          <a:chOff x="0" y="0"/>
+          <a:chExt cx="0" cy="0"/>
+        </a:xfrm>
+      </p:grpSpPr>
+      <p:sp>
+        <p:nvSpPr>
+          <p:cNvPr id="2" name="Slide Image Placeholder 1"/>
+          <p:cNvSpPr>
+            <a:spLocks noGrp="1" noRot="1" noChangeAspect="1"/>
+          </p:cNvSpPr>
+          <p:nvPr>
+            <p:ph type="sldImg"/>
+          </p:nvPr>
+        </p:nvSpPr>
+        <p:spPr/>
+      </p:sp>
+      <p:sp>
+        <p:nvSpPr>
+          <p:cNvPr id="3" name="Notes Placeholder 2"/>
+          <p:cNvSpPr>
+            <a:spLocks noGrp="1"/>
+          </p:cNvSpPr>
+          <p:nvPr>
+            <p:ph type="body" idx="1"/>
+          </p:nvPr>
+        </p:nvSpPr>
+        <p:spPr/>
+        <p:txBody>
+          <a:bodyPr/>
+          <a:lstStyle/>
+          <a:p>
+            <a:r>
+              <a:rPr lang="en-US" dirty="0" smtClean="0"/>
+              <a:t>As another part of our continued curation, we have started measuring </a:t>
+            </a:r>
+            <a:r>
+              <a:rPr lang="en-US" baseline="0" dirty="0" smtClean="0"/>
+              <a:t>gene knockouts to validate our model. Using 6 papers from the Leigh lab, we have simulated a panel of knockouts corresponding to 30 experimental gene knockouts, mostly including hydrogenases in central carbon metabolism. Our predictions of gene knockout lethality correlate strongly with the experimental data, indicating that our portrayal of central metabolism is consistent with what we would expect. The 3 cases where our predictions differ from experiments represent regulatory effects, where the GAPOR cycle is upregulated in our model by default. This is a limitation of using a strictly metabolic model, but it should not affect our ability to use our model to </a:t>
+            </a:r>
+            <a:r>
+              <a:rPr lang="en-US" baseline="0" dirty="0" err="1" smtClean="0"/>
+              <a:t>stoichiometrically</a:t>
+            </a:r>
+            <a:r>
+              <a:rPr lang="en-US" baseline="0" dirty="0" smtClean="0"/>
+              <a:t> guide our metabolic engineering efforts. </a:t>
+            </a:r>
+            <a:endParaRPr lang="en-US" dirty="0"/>
+          </a:p>
+        </p:txBody>
+      </p:sp>
+      <p:sp>
+        <p:nvSpPr>
+          <p:cNvPr id="4" name="Slide Number Placeholder 3"/>
+          <p:cNvSpPr>
+            <a:spLocks noGrp="1"/>
+          </p:cNvSpPr>
+          <p:nvPr>
+            <p:ph type="sldNum" sz="quarter" idx="10"/>
+          </p:nvPr>
+        </p:nvSpPr>
+        <p:spPr/>
+        <p:txBody>
+          <a:bodyPr/>
+          <a:lstStyle/>
+          <a:p>
+            <a:fld id="{C5ABB8BA-40C2-4C65-AE18-FC66468AF136}" type="slidenum">
+              <a:rPr lang="en-US" smtClean="0"/>
+              <a:t>5</a:t>
+            </a:fld>
+            <a:endParaRPr lang="en-US"/>
+          </a:p>
+        </p:txBody>
+      </p:sp>
+    </p:spTree>
+    <p:extLst>
+      <p:ext uri="{BB962C8B-B14F-4D97-AF65-F5344CB8AC3E}">
+        <p14:creationId xmlns:p14="http://schemas.microsoft.com/office/powerpoint/2010/main" val="723966053"/>
+      </p:ext>
+    </p:extLst>
+  </p:cSld>
+  <p:clrMapOvr>
+    <a:masterClrMapping/>
+  </p:clrMapOvr>
+</p:notes>
+</file>
+
+<file path=ppt/notesSlides/notesSlide5.xml><?xml version="1.0" encoding="utf-8"?>
+<p:notes xmlns:a="http://schemas.openxmlformats.org/drawingml/2006/main" xmlns:r="http://schemas.openxmlformats.org/officeDocument/2006/relationships" xmlns:p="http://schemas.openxmlformats.org/presentationml/2006/main">
+  <p:cSld>
+    <p:spTree>
+      <p:nvGrpSpPr>
+        <p:cNvPr id="1" name=""/>
+        <p:cNvGrpSpPr/>
+        <p:nvPr/>
+      </p:nvGrpSpPr>
+      <p:grpSpPr>
+        <a:xfrm>
+          <a:off x="0" y="0"/>
+          <a:ext cx="0" cy="0"/>
+          <a:chOff x="0" y="0"/>
+          <a:chExt cx="0" cy="0"/>
+        </a:xfrm>
+      </p:grpSpPr>
+      <p:sp>
+        <p:nvSpPr>
+          <p:cNvPr id="2" name="Slide Image Placeholder 1"/>
+          <p:cNvSpPr>
+            <a:spLocks noGrp="1" noRot="1" noChangeAspect="1"/>
+          </p:cNvSpPr>
+          <p:nvPr>
+            <p:ph type="sldImg"/>
+          </p:nvPr>
+        </p:nvSpPr>
+        <p:spPr/>
+      </p:sp>
+      <p:sp>
+        <p:nvSpPr>
+          <p:cNvPr id="3" name="Notes Placeholder 2"/>
+          <p:cNvSpPr>
+            <a:spLocks noGrp="1"/>
+          </p:cNvSpPr>
+          <p:nvPr>
+            <p:ph type="body" idx="1"/>
+          </p:nvPr>
+        </p:nvSpPr>
+        <p:spPr/>
+        <p:txBody>
+          <a:bodyPr/>
+          <a:lstStyle/>
+          <a:p>
             <a:pPr marL="0" marR="0" indent="0" algn="l" defTabSz="914400" rtl="0" eaLnBrk="1" fontAlgn="auto" latinLnBrk="0" hangingPunct="1">
               <a:lnSpc>
                 <a:spcPct val="100000"/>
@@ -533,10 +1309,10 @@
                 <a:ea typeface="+mn-ea"/>
                 <a:cs typeface="+mn-cs"/>
               </a:rPr>
-              <a:t>Of course, the reason we built this model in the first place was so that we could help with engineering </a:t>
-            </a:r>
-            <a:r>
-              <a:rPr lang="en-US" sz="1200" i="1" kern="1200" dirty="0" smtClean="0">
+              <a:t>Corresponding to what we’re doing biologically,</a:t>
+            </a:r>
+            <a:r>
+              <a:rPr lang="en-US" sz="1200" kern="1200" baseline="0" dirty="0" smtClean="0">
                 <a:solidFill>
                   <a:schemeClr val="tx1"/>
                 </a:solidFill>
@@ -545,10 +1321,10 @@
                 <a:ea typeface="+mn-ea"/>
                 <a:cs typeface="+mn-cs"/>
               </a:rPr>
-              <a:t>MM </a:t>
-            </a:r>
-            <a:r>
-              <a:rPr lang="en-US" sz="1200" kern="1200" dirty="0" smtClean="0">
+              <a:t> we can predict methanol consumption with our model by simulating metabolism with the addition of the methanol </a:t>
+            </a:r>
+            <a:r>
+              <a:rPr lang="en-US" sz="1200" kern="1200" baseline="0" dirty="0" err="1" smtClean="0">
                 <a:solidFill>
                   <a:schemeClr val="tx1"/>
                 </a:solidFill>
@@ -557,10 +1333,10 @@
                 <a:ea typeface="+mn-ea"/>
                 <a:cs typeface="+mn-cs"/>
               </a:rPr>
-              <a:t>to turn methane into methanol. So can we do that? The short answer is: not yet, but we’re on our way there. The first step in this project, if you remember, is to give </a:t>
-            </a:r>
-            <a:r>
-              <a:rPr lang="en-US" sz="1200" i="1" kern="1200" dirty="0" smtClean="0">
+              <a:t>methyltransferase</a:t>
+            </a:r>
+            <a:r>
+              <a:rPr lang="en-US" sz="1200" kern="1200" baseline="0" dirty="0" smtClean="0">
                 <a:solidFill>
                   <a:schemeClr val="tx1"/>
                 </a:solidFill>
@@ -569,10 +1345,10 @@
                 <a:ea typeface="+mn-ea"/>
                 <a:cs typeface="+mn-cs"/>
               </a:rPr>
-              <a:t>MM </a:t>
-            </a:r>
-            <a:r>
-              <a:rPr lang="en-US" sz="1200" kern="1200" dirty="0" smtClean="0">
+              <a:t> (</a:t>
+            </a:r>
+            <a:r>
+              <a:rPr lang="en-US" sz="1200" kern="1200" baseline="0" dirty="0" err="1" smtClean="0">
                 <a:solidFill>
                   <a:schemeClr val="tx1"/>
                 </a:solidFill>
@@ -581,7 +1357,55 @@
                 <a:ea typeface="+mn-ea"/>
                 <a:cs typeface="+mn-cs"/>
               </a:rPr>
-              <a:t>the ability to eat methanol. We’ve used our model to predict whether or not simply adding the methyl </a:t>
+              <a:t>mta</a:t>
+            </a:r>
+            <a:r>
+              <a:rPr lang="en-US" sz="1200" kern="1200" baseline="0" dirty="0" smtClean="0">
+                <a:solidFill>
+                  <a:schemeClr val="tx1"/>
+                </a:solidFill>
+                <a:effectLst/>
+                <a:latin typeface="+mn-lt"/>
+                <a:ea typeface="+mn-ea"/>
+                <a:cs typeface="+mn-cs"/>
+              </a:rPr>
+              <a:t>). Adding this conversion between methanol and methyl-</a:t>
+            </a:r>
+            <a:r>
+              <a:rPr lang="en-US" sz="1200" kern="1200" baseline="0" dirty="0" err="1" smtClean="0">
+                <a:solidFill>
+                  <a:schemeClr val="tx1"/>
+                </a:solidFill>
+                <a:effectLst/>
+                <a:latin typeface="+mn-lt"/>
+                <a:ea typeface="+mn-ea"/>
+                <a:cs typeface="+mn-cs"/>
+              </a:rPr>
+              <a:t>CoM</a:t>
+            </a:r>
+            <a:r>
+              <a:rPr lang="en-US" sz="1200" kern="1200" baseline="0" dirty="0" smtClean="0">
+                <a:solidFill>
+                  <a:schemeClr val="tx1"/>
+                </a:solidFill>
+                <a:effectLst/>
+                <a:latin typeface="+mn-lt"/>
+                <a:ea typeface="+mn-ea"/>
+                <a:cs typeface="+mn-cs"/>
+              </a:rPr>
+              <a:t> allows our model to uptake methanol and use it to produce methane and cell mass. This simulation suggests that </a:t>
+            </a:r>
+            <a:r>
+              <a:rPr lang="en-US" sz="1200" kern="1200" dirty="0" smtClean="0">
+                <a:solidFill>
+                  <a:schemeClr val="tx1"/>
+                </a:solidFill>
+                <a:effectLst/>
+                <a:latin typeface="+mn-lt"/>
+                <a:ea typeface="+mn-ea"/>
+                <a:cs typeface="+mn-cs"/>
+              </a:rPr>
+              <a:t>adding the methyl </a:t>
             </a:r>
             <a:r>
               <a:rPr lang="en-US" sz="1200" kern="1200" dirty="0" err="1" smtClean="0">
@@ -605,8 +1429,29 @@
                 <a:ea typeface="+mn-ea"/>
                 <a:cs typeface="+mn-cs"/>
               </a:rPr>
-              <a:t> to complete this reaction will work, from a purely metabolic standpoint, and our model shows no metabolic obstacles. Right now, our biologist friends are working to make this transformation actually happen, but our model points to the idea that there’s no stoichiometric reason why this shouldn’t work.</a:t>
-            </a:r>
+              <a:t> shows no metabolic obstacles. Right now, our biologist friends are working to make this transformation actually happen, but our model points to the idea that there’s no stoichiometric reason why this shouldn’t work. We’re also working manually</a:t>
+            </a:r>
+            <a:r>
+              <a:rPr lang="en-US" sz="1200" kern="1200" baseline="0" dirty="0" smtClean="0">
+                <a:solidFill>
+                  <a:schemeClr val="tx1"/>
+                </a:solidFill>
+                <a:effectLst/>
+                <a:latin typeface="+mn-lt"/>
+                <a:ea typeface="+mn-ea"/>
+                <a:cs typeface="+mn-cs"/>
+              </a:rPr>
+              <a:t> with the model to predict the pathways for reverse methanogenesis, but this is somewhat more challenging because of the bevvy of possible options. </a:t>
+            </a:r>
+            <a:endParaRPr lang="en-US" sz="1200" kern="1200" dirty="0" smtClean="0">
+              <a:solidFill>
+                <a:schemeClr val="tx1"/>
+              </a:solidFill>
+              <a:effectLst/>
+              <a:latin typeface="+mn-lt"/>
+              <a:ea typeface="+mn-ea"/>
+              <a:cs typeface="+mn-cs"/>
+            </a:endParaRPr>
           </a:p>
           <a:p>
             <a:endParaRPr lang="en-US" dirty="0"/>
@@ -635,7 +1480,7 @@
                 </a:solidFill>
               </a:rPr>
               <a:pPr/>
-              <a:t>2</a:t>
+              <a:t>6</a:t>
             </a:fld>
             <a:endParaRPr lang="en-US">
               <a:solidFill>
@@ -649,6 +1494,238 @@
     <p:extLst>
       <p:ext uri="{BB962C8B-B14F-4D97-AF65-F5344CB8AC3E}">
         <p14:creationId xmlns:p14="http://schemas.microsoft.com/office/powerpoint/2010/main" val="4081600885"/>
+      </p:ext>
+    </p:extLst>
+  </p:cSld>
+  <p:clrMapOvr>
+    <a:masterClrMapping/>
+  </p:clrMapOvr>
+</p:notes>
+</file>
+
+<file path=ppt/notesSlides/notesSlide6.xml><?xml version="1.0" encoding="utf-8"?>
+<p:notes xmlns:a="http://schemas.openxmlformats.org/drawingml/2006/main" xmlns:r="http://schemas.openxmlformats.org/officeDocument/2006/relationships" xmlns:p="http://schemas.openxmlformats.org/presentationml/2006/main">
+  <p:cSld>
+    <p:spTree>
+      <p:nvGrpSpPr>
+        <p:cNvPr id="1" name=""/>
+        <p:cNvGrpSpPr/>
+        <p:nvPr/>
+      </p:nvGrpSpPr>
+      <p:grpSpPr>
+        <a:xfrm>
+          <a:off x="0" y="0"/>
+          <a:ext cx="0" cy="0"/>
+          <a:chOff x="0" y="0"/>
+          <a:chExt cx="0" cy="0"/>
+        </a:xfrm>
+      </p:grpSpPr>
+      <p:sp>
+        <p:nvSpPr>
+          <p:cNvPr id="2" name="Slide Image Placeholder 1"/>
+          <p:cNvSpPr>
+            <a:spLocks noGrp="1" noRot="1" noChangeAspect="1"/>
+          </p:cNvSpPr>
+          <p:nvPr>
+            <p:ph type="sldImg"/>
+          </p:nvPr>
+        </p:nvSpPr>
+        <p:spPr/>
+      </p:sp>
+      <p:sp>
+        <p:nvSpPr>
+          <p:cNvPr id="3" name="Notes Placeholder 2"/>
+          <p:cNvSpPr>
+            <a:spLocks noGrp="1"/>
+          </p:cNvSpPr>
+          <p:nvPr>
+            <p:ph type="body" idx="1"/>
+          </p:nvPr>
+        </p:nvSpPr>
+        <p:spPr/>
+        <p:txBody>
+          <a:bodyPr/>
+          <a:lstStyle/>
+          <a:p>
+            <a:r>
+              <a:rPr lang="en-US" dirty="0" smtClean="0"/>
+              <a:t>A caveat on this slide: I don’t think I’ve seen the official revised</a:t>
+            </a:r>
+            <a:r>
+              <a:rPr lang="en-US" baseline="0" dirty="0" smtClean="0"/>
+              <a:t> milestones, so this is just off of what I sent your way a month or two ago regarding what we should do. </a:t>
+            </a:r>
+            <a:r>
+              <a:rPr lang="en-US" dirty="0" smtClean="0"/>
+              <a:t>As far as progress, </a:t>
+            </a:r>
+            <a:r>
+              <a:rPr lang="en-US" baseline="0" dirty="0" smtClean="0"/>
+              <a:t>we’ve clearly completed the top one. The second goal is nearly met, as we’re above our knockout lethality threshold and we’re working on getting more dry cell weight data that will likely get us to the yield prediction threshold. Delivering the 5-10 strain design predictions is basically hinging on getting </a:t>
+            </a:r>
+            <a:r>
+              <a:rPr lang="en-US" baseline="0" dirty="0" err="1" smtClean="0"/>
+              <a:t>SimOptStrain</a:t>
+            </a:r>
+            <a:r>
+              <a:rPr lang="en-US" baseline="0" dirty="0" smtClean="0"/>
+              <a:t> to work, and that’s something I’m actively working on. However, there’s so much space between that milestone and the final one that I’m not too worried. Once we achieve the third milestone, I think the fourth milestone is really just dependent on our wet lab results. I don’t know of any milestone related to the metabolomics, so I haven’t included one here. </a:t>
+            </a:r>
+            <a:endParaRPr lang="en-US" dirty="0"/>
+          </a:p>
+        </p:txBody>
+      </p:sp>
+      <p:sp>
+        <p:nvSpPr>
+          <p:cNvPr id="4" name="Slide Number Placeholder 3"/>
+          <p:cNvSpPr>
+            <a:spLocks noGrp="1"/>
+          </p:cNvSpPr>
+          <p:nvPr>
+            <p:ph type="sldNum" sz="quarter" idx="10"/>
+          </p:nvPr>
+        </p:nvSpPr>
+        <p:spPr/>
+        <p:txBody>
+          <a:bodyPr/>
+          <a:lstStyle/>
+          <a:p>
+            <a:fld id="{C5ABB8BA-40C2-4C65-AE18-FC66468AF136}" type="slidenum">
+              <a:rPr lang="en-US" smtClean="0"/>
+              <a:t>7</a:t>
+            </a:fld>
+            <a:endParaRPr lang="en-US"/>
+          </a:p>
+        </p:txBody>
+      </p:sp>
+    </p:spTree>
+    <p:extLst>
+      <p:ext uri="{BB962C8B-B14F-4D97-AF65-F5344CB8AC3E}">
+        <p14:creationId xmlns:p14="http://schemas.microsoft.com/office/powerpoint/2010/main" val="3991103833"/>
+      </p:ext>
+    </p:extLst>
+  </p:cSld>
+  <p:clrMapOvr>
+    <a:masterClrMapping/>
+  </p:clrMapOvr>
+</p:notes>
+</file>
+
+<file path=ppt/notesSlides/notesSlide7.xml><?xml version="1.0" encoding="utf-8"?>
+<p:notes xmlns:a="http://schemas.openxmlformats.org/drawingml/2006/main" xmlns:r="http://schemas.openxmlformats.org/officeDocument/2006/relationships" xmlns:p="http://schemas.openxmlformats.org/presentationml/2006/main">
+  <p:cSld>
+    <p:spTree>
+      <p:nvGrpSpPr>
+        <p:cNvPr id="1" name=""/>
+        <p:cNvGrpSpPr/>
+        <p:nvPr/>
+      </p:nvGrpSpPr>
+      <p:grpSpPr>
+        <a:xfrm>
+          <a:off x="0" y="0"/>
+          <a:ext cx="0" cy="0"/>
+          <a:chOff x="0" y="0"/>
+          <a:chExt cx="0" cy="0"/>
+        </a:xfrm>
+      </p:grpSpPr>
+      <p:sp>
+        <p:nvSpPr>
+          <p:cNvPr id="2" name="Slide Image Placeholder 1"/>
+          <p:cNvSpPr>
+            <a:spLocks noGrp="1" noRot="1" noChangeAspect="1"/>
+          </p:cNvSpPr>
+          <p:nvPr>
+            <p:ph type="sldImg"/>
+          </p:nvPr>
+        </p:nvSpPr>
+        <p:spPr/>
+      </p:sp>
+      <p:sp>
+        <p:nvSpPr>
+          <p:cNvPr id="3" name="Notes Placeholder 2"/>
+          <p:cNvSpPr>
+            <a:spLocks noGrp="1"/>
+          </p:cNvSpPr>
+          <p:nvPr>
+            <p:ph type="body" idx="1"/>
+          </p:nvPr>
+        </p:nvSpPr>
+        <p:spPr/>
+        <p:txBody>
+          <a:bodyPr/>
+          <a:lstStyle/>
+          <a:p>
+            <a:r>
+              <a:rPr lang="en-US" dirty="0" smtClean="0"/>
+              <a:t>A lot</a:t>
+            </a:r>
+            <a:r>
+              <a:rPr lang="en-US" baseline="0" dirty="0" smtClean="0"/>
+              <a:t> of my time the last few months has been spent running a </a:t>
+            </a:r>
+            <a:r>
+              <a:rPr lang="en-US" baseline="0" dirty="0" err="1" smtClean="0"/>
+              <a:t>chemostat</a:t>
+            </a:r>
+            <a:r>
+              <a:rPr lang="en-US" baseline="0" dirty="0" smtClean="0"/>
+              <a:t> to get samples for metabolomics; those were submitted to the </a:t>
+            </a:r>
+            <a:r>
+              <a:rPr lang="en-US" baseline="0" dirty="0" err="1" smtClean="0"/>
+              <a:t>Raftery</a:t>
+            </a:r>
+            <a:r>
+              <a:rPr lang="en-US" baseline="0" dirty="0" smtClean="0"/>
+              <a:t> lab at the beginning of April and we’re expecting those back soon (they said 2 months). We also sent cells to Bob White, an expert in methanogen-specific metabolites, so that he can perform similar analyses on our methanogenic intermediates and coenzymes. These data should give us much more validation information and also a basis for us to implement some thermodynamic constraints (using the procedure from </a:t>
+            </a:r>
+            <a:r>
+              <a:rPr lang="en-US" baseline="0" dirty="0" err="1" smtClean="0"/>
+              <a:t>Vassily’s</a:t>
+            </a:r>
+            <a:r>
+              <a:rPr lang="en-US" baseline="0" dirty="0" smtClean="0"/>
+              <a:t> lab, assuming we move forward with that). Simultaneously, we’ve adapted </a:t>
+            </a:r>
+            <a:r>
+              <a:rPr lang="en-US" baseline="0" dirty="0" err="1" smtClean="0"/>
+              <a:t>SimOptStrain</a:t>
+            </a:r>
+            <a:r>
+              <a:rPr lang="en-US" baseline="0" dirty="0" smtClean="0"/>
+              <a:t> to our model and are working to get some metabolic engineering strategies. The trick here is that we’re somewhat limited by the size of the reaction database we can use. I’m working to get a proposed manual solution so that we can start slowly scaling it up, but that’s quite challenging. I’m hoping that in the next couple of months, I’ll be able to put together a handful of possible strategies</a:t>
+            </a:r>
+            <a:endParaRPr lang="en-US" dirty="0"/>
+          </a:p>
+        </p:txBody>
+      </p:sp>
+      <p:sp>
+        <p:nvSpPr>
+          <p:cNvPr id="4" name="Slide Number Placeholder 3"/>
+          <p:cNvSpPr>
+            <a:spLocks noGrp="1"/>
+          </p:cNvSpPr>
+          <p:nvPr>
+            <p:ph type="sldNum" sz="quarter" idx="10"/>
+          </p:nvPr>
+        </p:nvSpPr>
+        <p:spPr/>
+        <p:txBody>
+          <a:bodyPr/>
+          <a:lstStyle/>
+          <a:p>
+            <a:fld id="{C5ABB8BA-40C2-4C65-AE18-FC66468AF136}" type="slidenum">
+              <a:rPr lang="en-US" smtClean="0"/>
+              <a:t>8</a:t>
+            </a:fld>
+            <a:endParaRPr lang="en-US"/>
+          </a:p>
+        </p:txBody>
+      </p:sp>
+    </p:spTree>
+    <p:extLst>
+      <p:ext uri="{BB962C8B-B14F-4D97-AF65-F5344CB8AC3E}">
+        <p14:creationId xmlns:p14="http://schemas.microsoft.com/office/powerpoint/2010/main" val="1666104157"/>
       </p:ext>
     </p:extLst>
   </p:cSld>
@@ -839,7 +1916,7 @@
           <a:p>
             <a:fld id="{A5CD776B-18C8-4327-8341-6723D7B49173}" type="datetimeFigureOut">
               <a:rPr lang="en-US" smtClean="0"/>
-              <a:t>5/25/2015</a:t>
+              <a:t>5/27/2015</a:t>
             </a:fld>
             <a:endParaRPr lang="en-US"/>
           </a:p>
@@ -1009,7 +2086,7 @@
           <a:p>
             <a:fld id="{A5CD776B-18C8-4327-8341-6723D7B49173}" type="datetimeFigureOut">
               <a:rPr lang="en-US" smtClean="0"/>
-              <a:t>5/25/2015</a:t>
+              <a:t>5/27/2015</a:t>
             </a:fld>
             <a:endParaRPr lang="en-US"/>
           </a:p>
@@ -1189,7 +2266,7 @@
           <a:p>
             <a:fld id="{A5CD776B-18C8-4327-8341-6723D7B49173}" type="datetimeFigureOut">
               <a:rPr lang="en-US" smtClean="0"/>
-              <a:t>5/25/2015</a:t>
+              <a:t>5/27/2015</a:t>
             </a:fld>
             <a:endParaRPr lang="en-US"/>
           </a:p>
@@ -2613,7 +3690,7 @@
             <a:fld id="{369B706B-519D-4B5C-9D49-BE30180FAD09}" type="datetime1">
               <a:rPr lang="en-US" smtClean="0"/>
               <a:pPr/>
-              <a:t>5/25/2015</a:t>
+              <a:t>5/27/2015</a:t>
             </a:fld>
             <a:endParaRPr lang="en-US" dirty="0"/>
           </a:p>
@@ -3280,7 +4357,7 @@
                 </a:solidFill>
               </a:rPr>
               <a:pPr/>
-              <a:t>5/25/2015</a:t>
+              <a:t>5/27/2015</a:t>
             </a:fld>
             <a:endParaRPr lang="en-US" dirty="0">
               <a:solidFill>
@@ -4055,7 +5132,7 @@
             <a:fld id="{CDCFDDA2-CE23-4427-9081-0197698A1902}" type="datetime1">
               <a:rPr lang="en-US" smtClean="0"/>
               <a:pPr/>
-              <a:t>5/25/2015</a:t>
+              <a:t>5/27/2015</a:t>
             </a:fld>
             <a:endParaRPr lang="en-US" dirty="0"/>
           </a:p>
@@ -4450,7 +5527,7 @@
             <a:fld id="{6B3AC41E-2A70-46ED-A767-C1CF279AFDB5}" type="datetime1">
               <a:rPr lang="en-US" smtClean="0"/>
               <a:pPr/>
-              <a:t>5/25/2015</a:t>
+              <a:t>5/27/2015</a:t>
             </a:fld>
             <a:endParaRPr lang="en-US" dirty="0"/>
           </a:p>
@@ -4853,7 +5930,7 @@
             <a:fld id="{EAD02181-A5A6-4718-B161-688AB64B2AA9}" type="datetime1">
               <a:rPr lang="en-US" smtClean="0"/>
               <a:pPr/>
-              <a:t>5/25/2015</a:t>
+              <a:t>5/27/2015</a:t>
             </a:fld>
             <a:endParaRPr lang="en-US" dirty="0"/>
           </a:p>
@@ -5180,7 +6257,7 @@
           <a:p>
             <a:fld id="{A5CD776B-18C8-4327-8341-6723D7B49173}" type="datetimeFigureOut">
               <a:rPr lang="en-US" smtClean="0"/>
-              <a:t>5/25/2015</a:t>
+              <a:t>5/27/2015</a:t>
             </a:fld>
             <a:endParaRPr lang="en-US"/>
           </a:p>
@@ -5286,7 +6363,7 @@
             <a:fld id="{1BC8A4A7-F20D-4D81-BED1-75F914BF5049}" type="datetime1">
               <a:rPr lang="en-US" smtClean="0"/>
               <a:pPr/>
-              <a:t>5/25/2015</a:t>
+              <a:t>5/27/2015</a:t>
             </a:fld>
             <a:endParaRPr lang="en-US" dirty="0"/>
           </a:p>
@@ -5517,7 +6594,7 @@
             <a:fld id="{75E75039-318B-44BF-953E-FA482A67AEDA}" type="datetime1">
               <a:rPr lang="en-US" smtClean="0"/>
               <a:pPr/>
-              <a:t>5/25/2015</a:t>
+              <a:t>5/27/2015</a:t>
             </a:fld>
             <a:endParaRPr lang="en-US" dirty="0"/>
           </a:p>
@@ -5876,7 +6953,7 @@
             <a:fld id="{3E2C84E7-45D8-422F-A5EB-7FB0B4F9F581}" type="datetime1">
               <a:rPr lang="en-US" smtClean="0"/>
               <a:pPr/>
-              <a:t>5/25/2015</a:t>
+              <a:t>5/27/2015</a:t>
             </a:fld>
             <a:endParaRPr lang="en-US" dirty="0"/>
           </a:p>
@@ -6427,7 +7504,7 @@
                 </a:solidFill>
               </a:rPr>
               <a:pPr/>
-              <a:t>5/25/2015</a:t>
+              <a:t>5/27/2015</a:t>
             </a:fld>
             <a:endParaRPr lang="en-US">
               <a:solidFill>
@@ -6968,7 +8045,7 @@
             <a:fld id="{5BA6C2D8-DC94-4C97-847F-ED1AFDC280CF}" type="datetime1">
               <a:rPr lang="en-US" smtClean="0"/>
               <a:pPr/>
-              <a:t>5/25/2015</a:t>
+              <a:t>5/27/2015</a:t>
             </a:fld>
             <a:endParaRPr lang="en-US" dirty="0"/>
           </a:p>
@@ -7463,7 +8540,7 @@
             <a:fld id="{736A5DE2-B1BA-4922-9E7C-CF39777A2580}" type="datetime1">
               <a:rPr lang="en-US" smtClean="0"/>
               <a:pPr/>
-              <a:t>5/25/2015</a:t>
+              <a:t>5/27/2015</a:t>
             </a:fld>
             <a:endParaRPr lang="en-US" dirty="0"/>
           </a:p>
@@ -7969,7 +9046,7 @@
             <a:fld id="{5DA99A62-FAB2-4847-94BE-6EBBF9CA9D23}" type="datetime1">
               <a:rPr lang="en-US" smtClean="0"/>
               <a:pPr/>
-              <a:t>5/25/2015</a:t>
+              <a:t>5/27/2015</a:t>
             </a:fld>
             <a:endParaRPr lang="en-US" dirty="0"/>
           </a:p>
@@ -8367,7 +9444,7 @@
             <a:fld id="{FCEDB5B6-A577-4DDD-808B-AC78B507C660}" type="datetime1">
               <a:rPr lang="en-US" smtClean="0"/>
               <a:pPr/>
-              <a:t>5/25/2015</a:t>
+              <a:t>5/27/2015</a:t>
             </a:fld>
             <a:endParaRPr lang="en-US" dirty="0"/>
           </a:p>
@@ -9101,7 +10178,7 @@
           <a:p>
             <a:fld id="{A5CD776B-18C8-4327-8341-6723D7B49173}" type="datetimeFigureOut">
               <a:rPr lang="en-US" smtClean="0"/>
-              <a:t>5/25/2015</a:t>
+              <a:t>5/27/2015</a:t>
             </a:fld>
             <a:endParaRPr lang="en-US"/>
           </a:p>
@@ -9389,7 +10466,7 @@
           <a:p>
             <a:fld id="{A5CD776B-18C8-4327-8341-6723D7B49173}" type="datetimeFigureOut">
               <a:rPr lang="en-US" smtClean="0"/>
-              <a:t>5/25/2015</a:t>
+              <a:t>5/27/2015</a:t>
             </a:fld>
             <a:endParaRPr lang="en-US"/>
           </a:p>
@@ -9811,7 +10888,7 @@
           <a:p>
             <a:fld id="{A5CD776B-18C8-4327-8341-6723D7B49173}" type="datetimeFigureOut">
               <a:rPr lang="en-US" smtClean="0"/>
-              <a:t>5/25/2015</a:t>
+              <a:t>5/27/2015</a:t>
             </a:fld>
             <a:endParaRPr lang="en-US"/>
           </a:p>
@@ -9929,7 +11006,7 @@
           <a:p>
             <a:fld id="{A5CD776B-18C8-4327-8341-6723D7B49173}" type="datetimeFigureOut">
               <a:rPr lang="en-US" smtClean="0"/>
-              <a:t>5/25/2015</a:t>
+              <a:t>5/27/2015</a:t>
             </a:fld>
             <a:endParaRPr lang="en-US"/>
           </a:p>
@@ -10024,7 +11101,7 @@
           <a:p>
             <a:fld id="{A5CD776B-18C8-4327-8341-6723D7B49173}" type="datetimeFigureOut">
               <a:rPr lang="en-US" smtClean="0"/>
-              <a:t>5/25/2015</a:t>
+              <a:t>5/27/2015</a:t>
             </a:fld>
             <a:endParaRPr lang="en-US"/>
           </a:p>
@@ -10301,7 +11378,7 @@
           <a:p>
             <a:fld id="{A5CD776B-18C8-4327-8341-6723D7B49173}" type="datetimeFigureOut">
               <a:rPr lang="en-US" smtClean="0"/>
-              <a:t>5/25/2015</a:t>
+              <a:t>5/27/2015</a:t>
             </a:fld>
             <a:endParaRPr lang="en-US"/>
           </a:p>
@@ -10554,7 +11631,7 @@
           <a:p>
             <a:fld id="{A5CD776B-18C8-4327-8341-6723D7B49173}" type="datetimeFigureOut">
               <a:rPr lang="en-US" smtClean="0"/>
-              <a:t>5/25/2015</a:t>
+              <a:t>5/27/2015</a:t>
             </a:fld>
             <a:endParaRPr lang="en-US"/>
           </a:p>
@@ -10767,7 +11844,7 @@
           <a:p>
             <a:fld id="{A5CD776B-18C8-4327-8341-6723D7B49173}" type="datetimeFigureOut">
               <a:rPr lang="en-US" smtClean="0"/>
-              <a:t>5/25/2015</a:t>
+              <a:t>5/27/2015</a:t>
             </a:fld>
             <a:endParaRPr lang="en-US"/>
           </a:p>
@@ -11305,7 +12382,7 @@
                   <a:spcPct val="0"/>
                 </a:spcAft>
               </a:pPr>
-              <a:t>5/25/2015</a:t>
+              <a:t>5/27/2015</a:t>
             </a:fld>
             <a:endParaRPr lang="en-US">
               <a:solidFill>
@@ -11761,7 +12838,11 @@
           <a:bodyPr/>
           <a:lstStyle/>
           <a:p>
-            <a:endParaRPr lang="en-US"/>
+            <a:r>
+              <a:rPr lang="en-US" dirty="0" smtClean="0"/>
+              <a:t>Updates for May 2015</a:t>
+            </a:r>
+            <a:endParaRPr lang="en-US" dirty="0"/>
           </a:p>
         </p:txBody>
       </p:sp>
@@ -11780,7 +12861,11 @@
           <a:bodyPr/>
           <a:lstStyle/>
           <a:p>
-            <a:endParaRPr lang="en-US"/>
+            <a:r>
+              <a:rPr lang="en-US" dirty="0" smtClean="0"/>
+              <a:t>Matt Richards</a:t>
+            </a:r>
+            <a:endParaRPr lang="en-US" dirty="0"/>
           </a:p>
         </p:txBody>
       </p:sp>
@@ -11794,10 +12879,5991 @@
   <p:clrMapOvr>
     <a:masterClrMapping/>
   </p:clrMapOvr>
+  <p:timing>
+    <p:tnLst>
+      <p:par>
+        <p:cTn id="1" dur="indefinite" restart="never" nodeType="tmRoot"/>
+      </p:par>
+    </p:tnLst>
+  </p:timing>
 </p:sld>
 </file>
 
 <file path=ppt/slides/slide2.xml><?xml version="1.0" encoding="utf-8"?>
+<p:sld xmlns:a="http://schemas.openxmlformats.org/drawingml/2006/main" xmlns:r="http://schemas.openxmlformats.org/officeDocument/2006/relationships" xmlns:p="http://schemas.openxmlformats.org/presentationml/2006/main">
+  <p:cSld>
+    <p:spTree>
+      <p:nvGrpSpPr>
+        <p:cNvPr id="1" name=""/>
+        <p:cNvGrpSpPr/>
+        <p:nvPr/>
+      </p:nvGrpSpPr>
+      <p:grpSpPr>
+        <a:xfrm>
+          <a:off x="0" y="0"/>
+          <a:ext cx="0" cy="0"/>
+          <a:chOff x="0" y="0"/>
+          <a:chExt cx="0" cy="0"/>
+        </a:xfrm>
+      </p:grpSpPr>
+      <p:sp>
+        <p:nvSpPr>
+          <p:cNvPr id="2" name="Title 1"/>
+          <p:cNvSpPr>
+            <a:spLocks noGrp="1"/>
+          </p:cNvSpPr>
+          <p:nvPr>
+            <p:ph type="title"/>
+          </p:nvPr>
+        </p:nvSpPr>
+        <p:spPr/>
+        <p:txBody>
+          <a:bodyPr/>
+          <a:lstStyle/>
+          <a:p>
+            <a:r>
+              <a:rPr lang="en-US" dirty="0" smtClean="0"/>
+              <a:t>Minor Model Adjustments</a:t>
+            </a:r>
+            <a:endParaRPr lang="en-US" dirty="0"/>
+          </a:p>
+        </p:txBody>
+      </p:sp>
+      <p:pic>
+        <p:nvPicPr>
+          <p:cNvPr id="1027" name="Picture 3"/>
+          <p:cNvPicPr>
+            <a:picLocks noChangeAspect="1" noChangeArrowheads="1"/>
+          </p:cNvPicPr>
+          <p:nvPr/>
+        </p:nvPicPr>
+        <p:blipFill>
+          <a:blip r:embed="rId3">
+            <a:extLst>
+              <a:ext uri="{28A0092B-C50C-407E-A947-70E740481C1C}">
+                <a14:useLocalDpi xmlns:a14="http://schemas.microsoft.com/office/drawing/2010/main" val="0"/>
+              </a:ext>
+            </a:extLst>
+          </a:blip>
+          <a:srcRect/>
+          <a:stretch>
+            <a:fillRect/>
+          </a:stretch>
+        </p:blipFill>
+        <p:spPr bwMode="auto">
+          <a:xfrm>
+            <a:off x="152400" y="1752601"/>
+            <a:ext cx="8801100" cy="4465264"/>
+          </a:xfrm>
+          <a:prstGeom prst="rect">
+            <a:avLst/>
+          </a:prstGeom>
+          <a:noFill/>
+          <a:ln>
+            <a:noFill/>
+          </a:ln>
+          <a:extLst>
+            <a:ext uri="{909E8E84-426E-40DD-AFC4-6F175D3DCCD1}">
+              <a14:hiddenFill xmlns:a14="http://schemas.microsoft.com/office/drawing/2010/main">
+                <a:solidFill>
+                  <a:schemeClr val="accent1"/>
+                </a:solidFill>
+              </a14:hiddenFill>
+            </a:ext>
+            <a:ext uri="{91240B29-F687-4F45-9708-019B960494DF}">
+              <a14:hiddenLine xmlns:a14="http://schemas.microsoft.com/office/drawing/2010/main" w="9525">
+                <a:solidFill>
+                  <a:schemeClr val="tx1"/>
+                </a:solidFill>
+                <a:miter lim="800000"/>
+                <a:headEnd/>
+                <a:tailEnd/>
+              </a14:hiddenLine>
+            </a:ext>
+          </a:extLst>
+        </p:spPr>
+      </p:pic>
+    </p:spTree>
+    <p:extLst>
+      <p:ext uri="{BB962C8B-B14F-4D97-AF65-F5344CB8AC3E}">
+        <p14:creationId xmlns:p14="http://schemas.microsoft.com/office/powerpoint/2010/main" val="4084521082"/>
+      </p:ext>
+    </p:extLst>
+  </p:cSld>
+  <p:clrMapOvr>
+    <a:masterClrMapping/>
+  </p:clrMapOvr>
+  <p:timing>
+    <p:tnLst>
+      <p:par>
+        <p:cTn id="1" dur="indefinite" restart="never" nodeType="tmRoot"/>
+      </p:par>
+    </p:tnLst>
+  </p:timing>
+</p:sld>
+</file>
+
+<file path=ppt/slides/slide3.xml><?xml version="1.0" encoding="utf-8"?>
+<p:sld xmlns:a="http://schemas.openxmlformats.org/drawingml/2006/main" xmlns:r="http://schemas.openxmlformats.org/officeDocument/2006/relationships" xmlns:p="http://schemas.openxmlformats.org/presentationml/2006/main">
+  <p:cSld>
+    <p:spTree>
+      <p:nvGrpSpPr>
+        <p:cNvPr id="1" name=""/>
+        <p:cNvGrpSpPr/>
+        <p:nvPr/>
+      </p:nvGrpSpPr>
+      <p:grpSpPr>
+        <a:xfrm>
+          <a:off x="0" y="0"/>
+          <a:ext cx="0" cy="0"/>
+          <a:chOff x="0" y="0"/>
+          <a:chExt cx="0" cy="0"/>
+        </a:xfrm>
+      </p:grpSpPr>
+      <p:sp>
+        <p:nvSpPr>
+          <p:cNvPr id="2" name="Title 1"/>
+          <p:cNvSpPr>
+            <a:spLocks noGrp="1"/>
+          </p:cNvSpPr>
+          <p:nvPr>
+            <p:ph type="title"/>
+          </p:nvPr>
+        </p:nvSpPr>
+        <p:spPr/>
+        <p:txBody>
+          <a:bodyPr/>
+          <a:lstStyle/>
+          <a:p>
+            <a:r>
+              <a:rPr lang="en-US" dirty="0" smtClean="0"/>
+              <a:t>Current Model Statistics</a:t>
+            </a:r>
+            <a:endParaRPr lang="en-US" dirty="0"/>
+          </a:p>
+        </p:txBody>
+      </p:sp>
+      <p:sp>
+        <p:nvSpPr>
+          <p:cNvPr id="3" name="Content Placeholder 2"/>
+          <p:cNvSpPr>
+            <a:spLocks noGrp="1"/>
+          </p:cNvSpPr>
+          <p:nvPr>
+            <p:ph idx="1"/>
+          </p:nvPr>
+        </p:nvSpPr>
+        <p:spPr>
+          <a:xfrm>
+            <a:off x="4572000" y="1600200"/>
+            <a:ext cx="4114800" cy="4525963"/>
+          </a:xfrm>
+        </p:spPr>
+        <p:txBody>
+          <a:bodyPr/>
+          <a:lstStyle/>
+          <a:p>
+            <a:r>
+              <a:rPr lang="en-US" dirty="0" smtClean="0"/>
+              <a:t>Added 35% genes to original draft</a:t>
+            </a:r>
+          </a:p>
+          <a:p>
+            <a:endParaRPr lang="en-US" dirty="0"/>
+          </a:p>
+          <a:p>
+            <a:r>
+              <a:rPr lang="en-US" dirty="0" smtClean="0"/>
+              <a:t>Dead ends present opportunity for continued curation</a:t>
+            </a:r>
+            <a:endParaRPr lang="en-US" dirty="0"/>
+          </a:p>
+        </p:txBody>
+      </p:sp>
+      <p:graphicFrame>
+        <p:nvGraphicFramePr>
+          <p:cNvPr id="4" name="Table 3"/>
+          <p:cNvGraphicFramePr>
+            <a:graphicFrameLocks noGrp="1"/>
+          </p:cNvGraphicFramePr>
+          <p:nvPr>
+            <p:extLst>
+              <p:ext uri="{D42A27DB-BD31-4B8C-83A1-F6EECF244321}">
+                <p14:modId xmlns:p14="http://schemas.microsoft.com/office/powerpoint/2010/main" val="4272173288"/>
+              </p:ext>
+            </p:extLst>
+          </p:nvPr>
+        </p:nvGraphicFramePr>
+        <p:xfrm>
+          <a:off x="190500" y="1447800"/>
+          <a:ext cx="4260913" cy="5120640"/>
+        </p:xfrm>
+        <a:graphic>
+          <a:graphicData uri="http://schemas.openxmlformats.org/drawingml/2006/table">
+            <a:tbl>
+              <a:tblPr>
+                <a:tableStyleId>{2D5ABB26-0587-4C30-8999-92F81FD0307C}</a:tableStyleId>
+              </a:tblPr>
+              <a:tblGrid>
+                <a:gridCol w="3086100"/>
+                <a:gridCol w="1174813"/>
+              </a:tblGrid>
+              <a:tr h="640080">
+                <a:tc>
+                  <a:txBody>
+                    <a:bodyPr/>
+                    <a:lstStyle/>
+                    <a:p>
+                      <a:pPr algn="ctr" fontAlgn="b"/>
+                      <a:r>
+                        <a:rPr lang="en-US" sz="1800" b="1" u="none" strike="noStrike" dirty="0" smtClean="0">
+                          <a:effectLst/>
+                          <a:latin typeface="Arial" pitchFamily="34" charset="0"/>
+                          <a:cs typeface="Arial" pitchFamily="34" charset="0"/>
+                        </a:rPr>
+                        <a:t>Protein Coding Genes</a:t>
+                      </a:r>
+                      <a:endParaRPr lang="en-US" sz="1800" b="1" i="0" u="none" strike="noStrike" dirty="0">
+                        <a:solidFill>
+                          <a:srgbClr val="000000"/>
+                        </a:solidFill>
+                        <a:effectLst/>
+                        <a:latin typeface="Arial" pitchFamily="34" charset="0"/>
+                        <a:cs typeface="Arial" pitchFamily="34" charset="0"/>
+                      </a:endParaRPr>
+                    </a:p>
+                  </a:txBody>
+                  <a:tcPr marL="9525" marR="9525" marT="9525" marB="0" anchor="ctr">
+                    <a:lnL w="12700" cap="flat" cmpd="sng" algn="ctr">
+                      <a:solidFill>
+                        <a:schemeClr val="tx1"/>
+                      </a:solidFill>
+                      <a:prstDash val="solid"/>
+                      <a:round/>
+                      <a:headEnd type="none" w="med" len="med"/>
+                      <a:tailEnd type="none" w="med" len="med"/>
+                    </a:lnL>
+                    <a:lnR w="28575" cap="flat" cmpd="sng" algn="ctr">
+                      <a:noFill/>
+                      <a:prstDash val="solid"/>
+                      <a:round/>
+                      <a:headEnd type="none" w="med" len="med"/>
+                      <a:tailEnd type="none" w="med" len="med"/>
+                    </a:lnR>
+                    <a:lnT w="12700" cap="flat" cmpd="sng" algn="ctr">
+                      <a:solidFill>
+                        <a:schemeClr val="tx1"/>
+                      </a:solidFill>
+                      <a:prstDash val="solid"/>
+                      <a:round/>
+                      <a:headEnd type="none" w="med" len="med"/>
+                      <a:tailEnd type="none" w="med" len="med"/>
+                    </a:lnT>
+                    <a:lnB w="12700" cap="flat" cmpd="sng" algn="ctr">
+                      <a:noFill/>
+                      <a:prstDash val="solid"/>
+                      <a:round/>
+                      <a:headEnd type="none" w="med" len="med"/>
+                      <a:tailEnd type="none" w="med" len="med"/>
+                    </a:lnB>
+                    <a:lnTlToBr w="12700" cmpd="sng">
+                      <a:noFill/>
+                      <a:prstDash val="solid"/>
+                    </a:lnTlToBr>
+                    <a:lnBlToTr w="12700" cmpd="sng">
+                      <a:noFill/>
+                      <a:prstDash val="solid"/>
+                    </a:lnBlToTr>
+                    <a:gradFill flip="none" rotWithShape="1">
+                      <a:gsLst>
+                        <a:gs pos="0">
+                          <a:srgbClr val="FCECA6"/>
+                        </a:gs>
+                        <a:gs pos="100000">
+                          <a:schemeClr val="bg1"/>
+                        </a:gs>
+                      </a:gsLst>
+                      <a:path path="circle">
+                        <a:fillToRect l="100000" t="100000"/>
+                      </a:path>
+                      <a:tileRect r="-100000" b="-100000"/>
+                    </a:gradFill>
+                  </a:tcPr>
+                </a:tc>
+                <a:tc>
+                  <a:txBody>
+                    <a:bodyPr/>
+                    <a:lstStyle/>
+                    <a:p>
+                      <a:pPr algn="ctr" fontAlgn="b"/>
+                      <a:r>
+                        <a:rPr lang="en-US" sz="1800" b="0" i="0" u="none" strike="noStrike" dirty="0" smtClean="0">
+                          <a:solidFill>
+                            <a:schemeClr val="tx1"/>
+                          </a:solidFill>
+                          <a:effectLst/>
+                          <a:latin typeface="Arial" pitchFamily="34" charset="0"/>
+                          <a:cs typeface="Arial" pitchFamily="34" charset="0"/>
+                        </a:rPr>
+                        <a:t>524</a:t>
+                      </a:r>
+                      <a:endParaRPr lang="en-US" sz="1800" b="0" i="0" u="none" strike="noStrike" dirty="0">
+                        <a:solidFill>
+                          <a:srgbClr val="000000"/>
+                        </a:solidFill>
+                        <a:effectLst/>
+                        <a:latin typeface="Arial" pitchFamily="34" charset="0"/>
+                        <a:cs typeface="Arial" pitchFamily="34" charset="0"/>
+                      </a:endParaRPr>
+                    </a:p>
+                  </a:txBody>
+                  <a:tcPr marL="9525" marR="9525" marT="9525" marB="0" anchor="ctr">
+                    <a:lnL w="28575" cap="flat" cmpd="sng" algn="ctr">
+                      <a:noFill/>
+                      <a:prstDash val="solid"/>
+                      <a:round/>
+                      <a:headEnd type="none" w="med" len="med"/>
+                      <a:tailEnd type="none" w="med" len="med"/>
+                    </a:lnL>
+                    <a:lnR w="12700" cap="flat" cmpd="sng" algn="ctr">
+                      <a:solidFill>
+                        <a:schemeClr val="tx1"/>
+                      </a:solidFill>
+                      <a:prstDash val="solid"/>
+                      <a:round/>
+                      <a:headEnd type="none" w="med" len="med"/>
+                      <a:tailEnd type="none" w="med" len="med"/>
+                    </a:lnR>
+                    <a:lnT w="12700" cap="flat" cmpd="sng" algn="ctr">
+                      <a:solidFill>
+                        <a:schemeClr val="tx1"/>
+                      </a:solidFill>
+                      <a:prstDash val="solid"/>
+                      <a:round/>
+                      <a:headEnd type="none" w="med" len="med"/>
+                      <a:tailEnd type="none" w="med" len="med"/>
+                    </a:lnT>
+                    <a:lnB w="12700" cap="flat" cmpd="sng" algn="ctr">
+                      <a:noFill/>
+                      <a:prstDash val="solid"/>
+                      <a:round/>
+                      <a:headEnd type="none" w="med" len="med"/>
+                      <a:tailEnd type="none" w="med" len="med"/>
+                    </a:lnB>
+                    <a:lnTlToBr w="12700" cmpd="sng">
+                      <a:noFill/>
+                      <a:prstDash val="solid"/>
+                    </a:lnTlToBr>
+                    <a:lnBlToTr w="12700" cmpd="sng">
+                      <a:noFill/>
+                      <a:prstDash val="solid"/>
+                    </a:lnBlToTr>
+                    <a:gradFill flip="none" rotWithShape="1">
+                      <a:gsLst>
+                        <a:gs pos="0">
+                          <a:srgbClr val="FCECA6"/>
+                        </a:gs>
+                        <a:gs pos="100000">
+                          <a:schemeClr val="bg1"/>
+                        </a:gs>
+                      </a:gsLst>
+                      <a:path path="circle">
+                        <a:fillToRect l="100000" t="100000"/>
+                      </a:path>
+                      <a:tileRect r="-100000" b="-100000"/>
+                    </a:gradFill>
+                  </a:tcPr>
+                </a:tc>
+              </a:tr>
+              <a:tr h="640080">
+                <a:tc>
+                  <a:txBody>
+                    <a:bodyPr/>
+                    <a:lstStyle/>
+                    <a:p>
+                      <a:pPr algn="ctr" fontAlgn="b"/>
+                      <a:r>
+                        <a:rPr lang="en-US" sz="1800" b="1" i="0" u="none" strike="noStrike" dirty="0" smtClean="0">
+                          <a:solidFill>
+                            <a:srgbClr val="000000"/>
+                          </a:solidFill>
+                          <a:effectLst/>
+                          <a:latin typeface="Arial" pitchFamily="34" charset="0"/>
+                          <a:cs typeface="Arial" pitchFamily="34" charset="0"/>
+                        </a:rPr>
+                        <a:t>% ORF Coverage</a:t>
+                      </a:r>
+                      <a:endParaRPr lang="en-US" sz="1800" b="1" i="0" u="none" strike="noStrike" dirty="0">
+                        <a:solidFill>
+                          <a:srgbClr val="000000"/>
+                        </a:solidFill>
+                        <a:effectLst/>
+                        <a:latin typeface="Arial" pitchFamily="34" charset="0"/>
+                        <a:cs typeface="Arial" pitchFamily="34" charset="0"/>
+                      </a:endParaRPr>
+                    </a:p>
+                  </a:txBody>
+                  <a:tcPr marL="9525" marR="9525" marT="9525" marB="0" anchor="ctr">
+                    <a:lnL w="12700" cap="flat" cmpd="sng" algn="ctr">
+                      <a:solidFill>
+                        <a:schemeClr val="tx1"/>
+                      </a:solidFill>
+                      <a:prstDash val="solid"/>
+                      <a:round/>
+                      <a:headEnd type="none" w="med" len="med"/>
+                      <a:tailEnd type="none" w="med" len="med"/>
+                    </a:lnL>
+                    <a:lnR w="28575" cap="flat" cmpd="sng" algn="ctr">
+                      <a:noFill/>
+                      <a:prstDash val="solid"/>
+                      <a:round/>
+                      <a:headEnd type="none" w="med" len="med"/>
+                      <a:tailEnd type="none" w="med" len="med"/>
+                    </a:lnR>
+                    <a:lnT w="12700" cap="flat" cmpd="sng" algn="ctr">
+                      <a:noFill/>
+                      <a:prstDash val="solid"/>
+                      <a:round/>
+                      <a:headEnd type="none" w="med" len="med"/>
+                      <a:tailEnd type="none" w="med" len="med"/>
+                    </a:lnT>
+                    <a:lnB w="12700" cap="flat" cmpd="sng" algn="ctr">
+                      <a:noFill/>
+                      <a:prstDash val="solid"/>
+                      <a:round/>
+                      <a:headEnd type="none" w="med" len="med"/>
+                      <a:tailEnd type="none" w="med" len="med"/>
+                    </a:lnB>
+                    <a:lnTlToBr w="12700" cmpd="sng">
+                      <a:noFill/>
+                      <a:prstDash val="solid"/>
+                    </a:lnTlToBr>
+                    <a:lnBlToTr w="12700" cmpd="sng">
+                      <a:noFill/>
+                      <a:prstDash val="solid"/>
+                    </a:lnBlToTr>
+                    <a:gradFill flip="none" rotWithShape="1">
+                      <a:gsLst>
+                        <a:gs pos="0">
+                          <a:srgbClr val="FCECA6"/>
+                        </a:gs>
+                        <a:gs pos="100000">
+                          <a:schemeClr val="bg1"/>
+                        </a:gs>
+                      </a:gsLst>
+                      <a:path path="circle">
+                        <a:fillToRect l="100000" t="100000"/>
+                      </a:path>
+                      <a:tileRect r="-100000" b="-100000"/>
+                    </a:gradFill>
+                  </a:tcPr>
+                </a:tc>
+                <a:tc>
+                  <a:txBody>
+                    <a:bodyPr/>
+                    <a:lstStyle/>
+                    <a:p>
+                      <a:pPr algn="ctr" fontAlgn="b"/>
+                      <a:r>
+                        <a:rPr lang="en-US" sz="1800" b="0" i="0" u="none" strike="noStrike" dirty="0" smtClean="0">
+                          <a:solidFill>
+                            <a:srgbClr val="000000"/>
+                          </a:solidFill>
+                          <a:effectLst/>
+                          <a:latin typeface="Arial" pitchFamily="34" charset="0"/>
+                          <a:cs typeface="Arial" pitchFamily="34" charset="0"/>
+                        </a:rPr>
+                        <a:t>30.4 </a:t>
+                      </a:r>
+                      <a:endParaRPr lang="en-US" sz="1800" b="0" i="0" u="none" strike="noStrike" dirty="0">
+                        <a:solidFill>
+                          <a:srgbClr val="000000"/>
+                        </a:solidFill>
+                        <a:effectLst/>
+                        <a:latin typeface="Arial" pitchFamily="34" charset="0"/>
+                        <a:cs typeface="Arial" pitchFamily="34" charset="0"/>
+                      </a:endParaRPr>
+                    </a:p>
+                  </a:txBody>
+                  <a:tcPr marL="9525" marR="9525" marT="9525" marB="0" anchor="ctr">
+                    <a:lnL w="28575" cap="flat" cmpd="sng" algn="ctr">
+                      <a:noFill/>
+                      <a:prstDash val="solid"/>
+                      <a:round/>
+                      <a:headEnd type="none" w="med" len="med"/>
+                      <a:tailEnd type="none" w="med" len="med"/>
+                    </a:lnL>
+                    <a:lnR w="12700" cap="flat" cmpd="sng" algn="ctr">
+                      <a:solidFill>
+                        <a:schemeClr val="tx1"/>
+                      </a:solidFill>
+                      <a:prstDash val="solid"/>
+                      <a:round/>
+                      <a:headEnd type="none" w="med" len="med"/>
+                      <a:tailEnd type="none" w="med" len="med"/>
+                    </a:lnR>
+                    <a:lnT w="12700" cap="flat" cmpd="sng" algn="ctr">
+                      <a:noFill/>
+                      <a:prstDash val="solid"/>
+                      <a:round/>
+                      <a:headEnd type="none" w="med" len="med"/>
+                      <a:tailEnd type="none" w="med" len="med"/>
+                    </a:lnT>
+                    <a:lnB w="12700" cap="flat" cmpd="sng" algn="ctr">
+                      <a:noFill/>
+                      <a:prstDash val="solid"/>
+                      <a:round/>
+                      <a:headEnd type="none" w="med" len="med"/>
+                      <a:tailEnd type="none" w="med" len="med"/>
+                    </a:lnB>
+                    <a:lnTlToBr w="12700" cmpd="sng">
+                      <a:noFill/>
+                      <a:prstDash val="solid"/>
+                    </a:lnTlToBr>
+                    <a:lnBlToTr w="12700" cmpd="sng">
+                      <a:noFill/>
+                      <a:prstDash val="solid"/>
+                    </a:lnBlToTr>
+                    <a:gradFill flip="none" rotWithShape="1">
+                      <a:gsLst>
+                        <a:gs pos="0">
+                          <a:srgbClr val="FCECA6"/>
+                        </a:gs>
+                        <a:gs pos="100000">
+                          <a:schemeClr val="bg1"/>
+                        </a:gs>
+                      </a:gsLst>
+                      <a:path path="circle">
+                        <a:fillToRect l="100000" t="100000"/>
+                      </a:path>
+                      <a:tileRect r="-100000" b="-100000"/>
+                    </a:gradFill>
+                  </a:tcPr>
+                </a:tc>
+              </a:tr>
+              <a:tr h="640080">
+                <a:tc>
+                  <a:txBody>
+                    <a:bodyPr/>
+                    <a:lstStyle/>
+                    <a:p>
+                      <a:pPr algn="ctr" fontAlgn="b"/>
+                      <a:r>
+                        <a:rPr lang="en-US" sz="1800" b="1" u="none" strike="noStrike" dirty="0" smtClean="0">
+                          <a:effectLst/>
+                          <a:latin typeface="Arial" pitchFamily="34" charset="0"/>
+                          <a:cs typeface="Arial" pitchFamily="34" charset="0"/>
+                        </a:rPr>
+                        <a:t>Internal Reactions</a:t>
+                      </a:r>
+                      <a:endParaRPr lang="en-US" sz="1800" b="1" i="0" u="none" strike="noStrike" dirty="0">
+                        <a:solidFill>
+                          <a:srgbClr val="000000"/>
+                        </a:solidFill>
+                        <a:effectLst/>
+                        <a:latin typeface="Arial" pitchFamily="34" charset="0"/>
+                        <a:cs typeface="Arial" pitchFamily="34" charset="0"/>
+                      </a:endParaRPr>
+                    </a:p>
+                  </a:txBody>
+                  <a:tcPr marL="9525" marR="9525" marT="9525" marB="0" anchor="ctr">
+                    <a:lnL w="12700" cap="flat" cmpd="sng" algn="ctr">
+                      <a:solidFill>
+                        <a:schemeClr val="tx1"/>
+                      </a:solidFill>
+                      <a:prstDash val="solid"/>
+                      <a:round/>
+                      <a:headEnd type="none" w="med" len="med"/>
+                      <a:tailEnd type="none" w="med" len="med"/>
+                    </a:lnL>
+                    <a:lnR w="28575" cap="flat" cmpd="sng" algn="ctr">
+                      <a:noFill/>
+                      <a:prstDash val="solid"/>
+                      <a:round/>
+                      <a:headEnd type="none" w="med" len="med"/>
+                      <a:tailEnd type="none" w="med" len="med"/>
+                    </a:lnR>
+                    <a:lnT w="12700" cap="flat" cmpd="sng" algn="ctr">
+                      <a:noFill/>
+                      <a:prstDash val="solid"/>
+                      <a:round/>
+                      <a:headEnd type="none" w="med" len="med"/>
+                      <a:tailEnd type="none" w="med" len="med"/>
+                    </a:lnT>
+                    <a:lnB w="12700" cap="flat" cmpd="sng" algn="ctr">
+                      <a:noFill/>
+                      <a:prstDash val="solid"/>
+                      <a:round/>
+                      <a:headEnd type="none" w="med" len="med"/>
+                      <a:tailEnd type="none" w="med" len="med"/>
+                    </a:lnB>
+                    <a:lnTlToBr w="12700" cmpd="sng">
+                      <a:noFill/>
+                      <a:prstDash val="solid"/>
+                    </a:lnTlToBr>
+                    <a:lnBlToTr w="12700" cmpd="sng">
+                      <a:noFill/>
+                      <a:prstDash val="solid"/>
+                    </a:lnBlToTr>
+                    <a:gradFill flip="none" rotWithShape="1">
+                      <a:gsLst>
+                        <a:gs pos="0">
+                          <a:srgbClr val="FCECA6"/>
+                        </a:gs>
+                        <a:gs pos="100000">
+                          <a:schemeClr val="bg1"/>
+                        </a:gs>
+                      </a:gsLst>
+                      <a:path path="circle">
+                        <a:fillToRect l="100000" t="100000"/>
+                      </a:path>
+                      <a:tileRect r="-100000" b="-100000"/>
+                    </a:gradFill>
+                  </a:tcPr>
+                </a:tc>
+                <a:tc>
+                  <a:txBody>
+                    <a:bodyPr/>
+                    <a:lstStyle/>
+                    <a:p>
+                      <a:pPr algn="ctr" fontAlgn="b"/>
+                      <a:r>
+                        <a:rPr lang="en-US" sz="1800" b="0" u="none" strike="noStrike" dirty="0" smtClean="0">
+                          <a:effectLst/>
+                          <a:latin typeface="Arial" pitchFamily="34" charset="0"/>
+                          <a:cs typeface="Arial" pitchFamily="34" charset="0"/>
+                        </a:rPr>
+                        <a:t>545</a:t>
+                      </a:r>
+                      <a:endParaRPr lang="en-US" sz="1800" b="0" i="0" u="none" strike="noStrike" dirty="0">
+                        <a:solidFill>
+                          <a:srgbClr val="000000"/>
+                        </a:solidFill>
+                        <a:effectLst/>
+                        <a:latin typeface="Arial" pitchFamily="34" charset="0"/>
+                        <a:cs typeface="Arial" pitchFamily="34" charset="0"/>
+                      </a:endParaRPr>
+                    </a:p>
+                  </a:txBody>
+                  <a:tcPr marL="9525" marR="9525" marT="9525" marB="0" anchor="ctr">
+                    <a:lnL w="28575" cap="flat" cmpd="sng" algn="ctr">
+                      <a:noFill/>
+                      <a:prstDash val="solid"/>
+                      <a:round/>
+                      <a:headEnd type="none" w="med" len="med"/>
+                      <a:tailEnd type="none" w="med" len="med"/>
+                    </a:lnL>
+                    <a:lnR w="12700" cap="flat" cmpd="sng" algn="ctr">
+                      <a:solidFill>
+                        <a:schemeClr val="tx1"/>
+                      </a:solidFill>
+                      <a:prstDash val="solid"/>
+                      <a:round/>
+                      <a:headEnd type="none" w="med" len="med"/>
+                      <a:tailEnd type="none" w="med" len="med"/>
+                    </a:lnR>
+                    <a:lnT w="12700" cap="flat" cmpd="sng" algn="ctr">
+                      <a:noFill/>
+                      <a:prstDash val="solid"/>
+                      <a:round/>
+                      <a:headEnd type="none" w="med" len="med"/>
+                      <a:tailEnd type="none" w="med" len="med"/>
+                    </a:lnT>
+                    <a:lnB w="12700" cap="flat" cmpd="sng" algn="ctr">
+                      <a:noFill/>
+                      <a:prstDash val="solid"/>
+                      <a:round/>
+                      <a:headEnd type="none" w="med" len="med"/>
+                      <a:tailEnd type="none" w="med" len="med"/>
+                    </a:lnB>
+                    <a:lnTlToBr w="12700" cmpd="sng">
+                      <a:noFill/>
+                      <a:prstDash val="solid"/>
+                    </a:lnTlToBr>
+                    <a:lnBlToTr w="12700" cmpd="sng">
+                      <a:noFill/>
+                      <a:prstDash val="solid"/>
+                    </a:lnBlToTr>
+                    <a:gradFill flip="none" rotWithShape="1">
+                      <a:gsLst>
+                        <a:gs pos="0">
+                          <a:srgbClr val="FCECA6"/>
+                        </a:gs>
+                        <a:gs pos="100000">
+                          <a:schemeClr val="bg1"/>
+                        </a:gs>
+                      </a:gsLst>
+                      <a:path path="circle">
+                        <a:fillToRect l="100000" t="100000"/>
+                      </a:path>
+                      <a:tileRect r="-100000" b="-100000"/>
+                    </a:gradFill>
+                  </a:tcPr>
+                </a:tc>
+              </a:tr>
+              <a:tr h="640080">
+                <a:tc>
+                  <a:txBody>
+                    <a:bodyPr/>
+                    <a:lstStyle/>
+                    <a:p>
+                      <a:pPr algn="ctr" fontAlgn="b"/>
+                      <a:r>
+                        <a:rPr lang="en-US" sz="1800" b="1" u="none" strike="noStrike" dirty="0" smtClean="0">
+                          <a:effectLst/>
+                          <a:latin typeface="Arial" pitchFamily="34" charset="0"/>
+                          <a:cs typeface="Arial" pitchFamily="34" charset="0"/>
+                        </a:rPr>
+                        <a:t>Exchange/Transport </a:t>
+                      </a:r>
+                      <a:r>
+                        <a:rPr lang="en-US" sz="1800" b="1" u="none" strike="noStrike" dirty="0" err="1" smtClean="0">
+                          <a:effectLst/>
+                          <a:latin typeface="Arial" pitchFamily="34" charset="0"/>
+                          <a:cs typeface="Arial" pitchFamily="34" charset="0"/>
+                        </a:rPr>
+                        <a:t>Rxns</a:t>
+                      </a:r>
+                      <a:r>
+                        <a:rPr lang="en-US" sz="1800" b="1" u="none" strike="noStrike" dirty="0" smtClean="0">
+                          <a:effectLst/>
+                          <a:latin typeface="Arial" pitchFamily="34" charset="0"/>
+                          <a:cs typeface="Arial" pitchFamily="34" charset="0"/>
+                        </a:rPr>
+                        <a:t>.</a:t>
+                      </a:r>
+                      <a:endParaRPr lang="en-US" sz="1800" b="1" i="0" u="none" strike="noStrike" dirty="0">
+                        <a:solidFill>
+                          <a:srgbClr val="000000"/>
+                        </a:solidFill>
+                        <a:effectLst/>
+                        <a:latin typeface="Arial" pitchFamily="34" charset="0"/>
+                        <a:cs typeface="Arial" pitchFamily="34" charset="0"/>
+                      </a:endParaRPr>
+                    </a:p>
+                  </a:txBody>
+                  <a:tcPr marL="9525" marR="9525" marT="9525" marB="0" anchor="ctr">
+                    <a:lnL w="12700" cap="flat" cmpd="sng" algn="ctr">
+                      <a:solidFill>
+                        <a:schemeClr val="tx1"/>
+                      </a:solidFill>
+                      <a:prstDash val="solid"/>
+                      <a:round/>
+                      <a:headEnd type="none" w="med" len="med"/>
+                      <a:tailEnd type="none" w="med" len="med"/>
+                    </a:lnL>
+                    <a:lnR w="28575" cap="flat" cmpd="sng" algn="ctr">
+                      <a:noFill/>
+                      <a:prstDash val="solid"/>
+                      <a:round/>
+                      <a:headEnd type="none" w="med" len="med"/>
+                      <a:tailEnd type="none" w="med" len="med"/>
+                    </a:lnR>
+                    <a:lnT w="12700" cap="flat" cmpd="sng" algn="ctr">
+                      <a:noFill/>
+                      <a:prstDash val="solid"/>
+                      <a:round/>
+                      <a:headEnd type="none" w="med" len="med"/>
+                      <a:tailEnd type="none" w="med" len="med"/>
+                    </a:lnT>
+                    <a:lnB w="12700" cap="flat" cmpd="sng" algn="ctr">
+                      <a:noFill/>
+                      <a:prstDash val="solid"/>
+                      <a:round/>
+                      <a:headEnd type="none" w="med" len="med"/>
+                      <a:tailEnd type="none" w="med" len="med"/>
+                    </a:lnB>
+                    <a:lnTlToBr w="12700" cmpd="sng">
+                      <a:noFill/>
+                      <a:prstDash val="solid"/>
+                    </a:lnTlToBr>
+                    <a:lnBlToTr w="12700" cmpd="sng">
+                      <a:noFill/>
+                      <a:prstDash val="solid"/>
+                    </a:lnBlToTr>
+                    <a:gradFill flip="none" rotWithShape="1">
+                      <a:gsLst>
+                        <a:gs pos="0">
+                          <a:srgbClr val="FCECA6"/>
+                        </a:gs>
+                        <a:gs pos="100000">
+                          <a:schemeClr val="bg1"/>
+                        </a:gs>
+                      </a:gsLst>
+                      <a:path path="circle">
+                        <a:fillToRect l="100000" t="100000"/>
+                      </a:path>
+                      <a:tileRect r="-100000" b="-100000"/>
+                    </a:gradFill>
+                  </a:tcPr>
+                </a:tc>
+                <a:tc>
+                  <a:txBody>
+                    <a:bodyPr/>
+                    <a:lstStyle/>
+                    <a:p>
+                      <a:pPr algn="ctr" fontAlgn="b"/>
+                      <a:r>
+                        <a:rPr lang="en-US" sz="1800" b="0" i="0" u="none" strike="noStrike" dirty="0" smtClean="0">
+                          <a:solidFill>
+                            <a:schemeClr val="tx1"/>
+                          </a:solidFill>
+                          <a:effectLst/>
+                          <a:latin typeface="Arial" pitchFamily="34" charset="0"/>
+                          <a:cs typeface="Arial" pitchFamily="34" charset="0"/>
+                        </a:rPr>
+                        <a:t>53/68</a:t>
+                      </a:r>
+                      <a:endParaRPr lang="en-US" sz="1800" b="0" i="0" u="none" strike="noStrike" dirty="0">
+                        <a:solidFill>
+                          <a:srgbClr val="000000"/>
+                        </a:solidFill>
+                        <a:effectLst/>
+                        <a:latin typeface="Arial" pitchFamily="34" charset="0"/>
+                        <a:cs typeface="Arial" pitchFamily="34" charset="0"/>
+                      </a:endParaRPr>
+                    </a:p>
+                  </a:txBody>
+                  <a:tcPr marL="9525" marR="9525" marT="9525" marB="0" anchor="ctr">
+                    <a:lnL w="28575" cap="flat" cmpd="sng" algn="ctr">
+                      <a:noFill/>
+                      <a:prstDash val="solid"/>
+                      <a:round/>
+                      <a:headEnd type="none" w="med" len="med"/>
+                      <a:tailEnd type="none" w="med" len="med"/>
+                    </a:lnL>
+                    <a:lnR w="12700" cap="flat" cmpd="sng" algn="ctr">
+                      <a:solidFill>
+                        <a:schemeClr val="tx1"/>
+                      </a:solidFill>
+                      <a:prstDash val="solid"/>
+                      <a:round/>
+                      <a:headEnd type="none" w="med" len="med"/>
+                      <a:tailEnd type="none" w="med" len="med"/>
+                    </a:lnR>
+                    <a:lnT w="12700" cap="flat" cmpd="sng" algn="ctr">
+                      <a:noFill/>
+                      <a:prstDash val="solid"/>
+                      <a:round/>
+                      <a:headEnd type="none" w="med" len="med"/>
+                      <a:tailEnd type="none" w="med" len="med"/>
+                    </a:lnT>
+                    <a:lnB w="12700" cap="flat" cmpd="sng" algn="ctr">
+                      <a:noFill/>
+                      <a:prstDash val="solid"/>
+                      <a:round/>
+                      <a:headEnd type="none" w="med" len="med"/>
+                      <a:tailEnd type="none" w="med" len="med"/>
+                    </a:lnB>
+                    <a:lnTlToBr w="12700" cmpd="sng">
+                      <a:noFill/>
+                      <a:prstDash val="solid"/>
+                    </a:lnTlToBr>
+                    <a:lnBlToTr w="12700" cmpd="sng">
+                      <a:noFill/>
+                      <a:prstDash val="solid"/>
+                    </a:lnBlToTr>
+                    <a:gradFill flip="none" rotWithShape="1">
+                      <a:gsLst>
+                        <a:gs pos="0">
+                          <a:srgbClr val="FCECA6"/>
+                        </a:gs>
+                        <a:gs pos="100000">
+                          <a:schemeClr val="bg1"/>
+                        </a:gs>
+                      </a:gsLst>
+                      <a:path path="circle">
+                        <a:fillToRect l="100000" t="100000"/>
+                      </a:path>
+                      <a:tileRect r="-100000" b="-100000"/>
+                    </a:gradFill>
+                  </a:tcPr>
+                </a:tc>
+              </a:tr>
+              <a:tr h="640080">
+                <a:tc>
+                  <a:txBody>
+                    <a:bodyPr/>
+                    <a:lstStyle/>
+                    <a:p>
+                      <a:pPr algn="ctr" fontAlgn="b"/>
+                      <a:r>
+                        <a:rPr lang="en-US" sz="1800" b="1" i="0" u="none" strike="noStrike" dirty="0" smtClean="0">
+                          <a:solidFill>
+                            <a:srgbClr val="000000"/>
+                          </a:solidFill>
+                          <a:effectLst/>
+                          <a:latin typeface="Arial" pitchFamily="34" charset="0"/>
+                          <a:cs typeface="Arial" pitchFamily="34" charset="0"/>
+                        </a:rPr>
+                        <a:t>Gene-Associated</a:t>
+                      </a:r>
+                      <a:r>
+                        <a:rPr lang="en-US" sz="1800" b="1" i="0" u="none" strike="noStrike" baseline="0" dirty="0" smtClean="0">
+                          <a:solidFill>
+                            <a:srgbClr val="000000"/>
+                          </a:solidFill>
+                          <a:effectLst/>
+                          <a:latin typeface="Arial" pitchFamily="34" charset="0"/>
+                          <a:cs typeface="Arial" pitchFamily="34" charset="0"/>
+                        </a:rPr>
+                        <a:t> </a:t>
+                      </a:r>
+                      <a:r>
+                        <a:rPr lang="en-US" sz="1800" b="1" i="0" u="none" strike="noStrike" baseline="0" dirty="0" err="1" smtClean="0">
+                          <a:solidFill>
+                            <a:srgbClr val="000000"/>
+                          </a:solidFill>
+                          <a:effectLst/>
+                          <a:latin typeface="Arial" pitchFamily="34" charset="0"/>
+                          <a:cs typeface="Arial" pitchFamily="34" charset="0"/>
+                        </a:rPr>
+                        <a:t>Rxns</a:t>
+                      </a:r>
+                      <a:r>
+                        <a:rPr lang="en-US" sz="1800" b="1" i="0" u="none" strike="noStrike" baseline="0" dirty="0" smtClean="0">
+                          <a:solidFill>
+                            <a:srgbClr val="000000"/>
+                          </a:solidFill>
+                          <a:effectLst/>
+                          <a:latin typeface="Arial" pitchFamily="34" charset="0"/>
+                          <a:cs typeface="Arial" pitchFamily="34" charset="0"/>
+                        </a:rPr>
+                        <a:t>.</a:t>
+                      </a:r>
+                      <a:endParaRPr lang="en-US" sz="1800" b="1" i="0" u="none" strike="noStrike" dirty="0">
+                        <a:solidFill>
+                          <a:srgbClr val="000000"/>
+                        </a:solidFill>
+                        <a:effectLst/>
+                        <a:latin typeface="Arial" pitchFamily="34" charset="0"/>
+                        <a:cs typeface="Arial" pitchFamily="34" charset="0"/>
+                      </a:endParaRPr>
+                    </a:p>
+                  </a:txBody>
+                  <a:tcPr marL="9525" marR="9525" marT="9525" marB="0" anchor="ctr">
+                    <a:lnL w="12700" cap="flat" cmpd="sng" algn="ctr">
+                      <a:solidFill>
+                        <a:schemeClr val="tx1"/>
+                      </a:solidFill>
+                      <a:prstDash val="solid"/>
+                      <a:round/>
+                      <a:headEnd type="none" w="med" len="med"/>
+                      <a:tailEnd type="none" w="med" len="med"/>
+                    </a:lnL>
+                    <a:lnR w="28575" cap="flat" cmpd="sng" algn="ctr">
+                      <a:noFill/>
+                      <a:prstDash val="solid"/>
+                      <a:round/>
+                      <a:headEnd type="none" w="med" len="med"/>
+                      <a:tailEnd type="none" w="med" len="med"/>
+                    </a:lnR>
+                    <a:lnT w="12700" cap="flat" cmpd="sng" algn="ctr">
+                      <a:noFill/>
+                      <a:prstDash val="solid"/>
+                      <a:round/>
+                      <a:headEnd type="none" w="med" len="med"/>
+                      <a:tailEnd type="none" w="med" len="med"/>
+                    </a:lnT>
+                    <a:lnB w="12700" cap="flat" cmpd="sng" algn="ctr">
+                      <a:noFill/>
+                      <a:prstDash val="solid"/>
+                      <a:round/>
+                      <a:headEnd type="none" w="med" len="med"/>
+                      <a:tailEnd type="none" w="med" len="med"/>
+                    </a:lnB>
+                    <a:lnTlToBr w="12700" cmpd="sng">
+                      <a:noFill/>
+                      <a:prstDash val="solid"/>
+                    </a:lnTlToBr>
+                    <a:lnBlToTr w="12700" cmpd="sng">
+                      <a:noFill/>
+                      <a:prstDash val="solid"/>
+                    </a:lnBlToTr>
+                    <a:gradFill flip="none" rotWithShape="1">
+                      <a:gsLst>
+                        <a:gs pos="0">
+                          <a:srgbClr val="FCECA6"/>
+                        </a:gs>
+                        <a:gs pos="100000">
+                          <a:schemeClr val="bg1"/>
+                        </a:gs>
+                      </a:gsLst>
+                      <a:path path="circle">
+                        <a:fillToRect l="100000" t="100000"/>
+                      </a:path>
+                      <a:tileRect r="-100000" b="-100000"/>
+                    </a:gradFill>
+                  </a:tcPr>
+                </a:tc>
+                <a:tc>
+                  <a:txBody>
+                    <a:bodyPr/>
+                    <a:lstStyle/>
+                    <a:p>
+                      <a:pPr algn="ctr" fontAlgn="b"/>
+                      <a:r>
+                        <a:rPr lang="en-US" sz="1800" b="0" i="0" u="none" strike="noStrike" dirty="0" smtClean="0">
+                          <a:solidFill>
+                            <a:srgbClr val="000000"/>
+                          </a:solidFill>
+                          <a:effectLst/>
+                          <a:latin typeface="Arial" pitchFamily="34" charset="0"/>
+                          <a:cs typeface="Arial" pitchFamily="34" charset="0"/>
+                        </a:rPr>
+                        <a:t>489</a:t>
+                      </a:r>
+                      <a:endParaRPr lang="en-US" sz="1800" b="0" i="0" u="none" strike="noStrike" dirty="0">
+                        <a:solidFill>
+                          <a:srgbClr val="000000"/>
+                        </a:solidFill>
+                        <a:effectLst/>
+                        <a:latin typeface="Arial" pitchFamily="34" charset="0"/>
+                        <a:cs typeface="Arial" pitchFamily="34" charset="0"/>
+                      </a:endParaRPr>
+                    </a:p>
+                  </a:txBody>
+                  <a:tcPr marL="9525" marR="9525" marT="9525" marB="0" anchor="ctr">
+                    <a:lnL w="28575" cap="flat" cmpd="sng" algn="ctr">
+                      <a:noFill/>
+                      <a:prstDash val="solid"/>
+                      <a:round/>
+                      <a:headEnd type="none" w="med" len="med"/>
+                      <a:tailEnd type="none" w="med" len="med"/>
+                    </a:lnL>
+                    <a:lnR w="12700" cap="flat" cmpd="sng" algn="ctr">
+                      <a:solidFill>
+                        <a:schemeClr val="tx1"/>
+                      </a:solidFill>
+                      <a:prstDash val="solid"/>
+                      <a:round/>
+                      <a:headEnd type="none" w="med" len="med"/>
+                      <a:tailEnd type="none" w="med" len="med"/>
+                    </a:lnR>
+                    <a:lnT w="12700" cap="flat" cmpd="sng" algn="ctr">
+                      <a:noFill/>
+                      <a:prstDash val="solid"/>
+                      <a:round/>
+                      <a:headEnd type="none" w="med" len="med"/>
+                      <a:tailEnd type="none" w="med" len="med"/>
+                    </a:lnT>
+                    <a:lnB w="12700" cap="flat" cmpd="sng" algn="ctr">
+                      <a:noFill/>
+                      <a:prstDash val="solid"/>
+                      <a:round/>
+                      <a:headEnd type="none" w="med" len="med"/>
+                      <a:tailEnd type="none" w="med" len="med"/>
+                    </a:lnB>
+                    <a:lnTlToBr w="12700" cmpd="sng">
+                      <a:noFill/>
+                      <a:prstDash val="solid"/>
+                    </a:lnTlToBr>
+                    <a:lnBlToTr w="12700" cmpd="sng">
+                      <a:noFill/>
+                      <a:prstDash val="solid"/>
+                    </a:lnBlToTr>
+                    <a:gradFill flip="none" rotWithShape="1">
+                      <a:gsLst>
+                        <a:gs pos="0">
+                          <a:srgbClr val="FCECA6"/>
+                        </a:gs>
+                        <a:gs pos="100000">
+                          <a:schemeClr val="bg1"/>
+                        </a:gs>
+                      </a:gsLst>
+                      <a:path path="circle">
+                        <a:fillToRect l="100000" t="100000"/>
+                      </a:path>
+                      <a:tileRect r="-100000" b="-100000"/>
+                    </a:gradFill>
+                  </a:tcPr>
+                </a:tc>
+              </a:tr>
+              <a:tr h="640080">
+                <a:tc>
+                  <a:txBody>
+                    <a:bodyPr/>
+                    <a:lstStyle/>
+                    <a:p>
+                      <a:pPr algn="ctr" fontAlgn="b"/>
+                      <a:r>
+                        <a:rPr lang="en-US" sz="1800" b="1" i="0" u="none" strike="noStrike" dirty="0" smtClean="0">
+                          <a:solidFill>
+                            <a:srgbClr val="000000"/>
+                          </a:solidFill>
+                          <a:effectLst/>
+                          <a:latin typeface="Arial" pitchFamily="34" charset="0"/>
+                          <a:cs typeface="Arial" pitchFamily="34" charset="0"/>
+                        </a:rPr>
+                        <a:t>Dead End Reactions</a:t>
+                      </a:r>
+                      <a:endParaRPr lang="en-US" sz="1800" b="1" i="0" u="none" strike="noStrike" dirty="0">
+                        <a:solidFill>
+                          <a:srgbClr val="000000"/>
+                        </a:solidFill>
+                        <a:effectLst/>
+                        <a:latin typeface="Arial" pitchFamily="34" charset="0"/>
+                        <a:cs typeface="Arial" pitchFamily="34" charset="0"/>
+                      </a:endParaRPr>
+                    </a:p>
+                  </a:txBody>
+                  <a:tcPr marL="9525" marR="9525" marT="9525" marB="0" anchor="ctr">
+                    <a:lnL w="12700" cap="flat" cmpd="sng" algn="ctr">
+                      <a:solidFill>
+                        <a:schemeClr val="tx1"/>
+                      </a:solidFill>
+                      <a:prstDash val="solid"/>
+                      <a:round/>
+                      <a:headEnd type="none" w="med" len="med"/>
+                      <a:tailEnd type="none" w="med" len="med"/>
+                    </a:lnL>
+                    <a:lnR w="28575" cap="flat" cmpd="sng" algn="ctr">
+                      <a:noFill/>
+                      <a:prstDash val="solid"/>
+                      <a:round/>
+                      <a:headEnd type="none" w="med" len="med"/>
+                      <a:tailEnd type="none" w="med" len="med"/>
+                    </a:lnR>
+                    <a:lnT w="12700" cap="flat" cmpd="sng" algn="ctr">
+                      <a:noFill/>
+                      <a:prstDash val="solid"/>
+                      <a:round/>
+                      <a:headEnd type="none" w="med" len="med"/>
+                      <a:tailEnd type="none" w="med" len="med"/>
+                    </a:lnT>
+                    <a:lnB w="12700" cap="flat" cmpd="sng" algn="ctr">
+                      <a:noFill/>
+                      <a:prstDash val="solid"/>
+                      <a:round/>
+                      <a:headEnd type="none" w="med" len="med"/>
+                      <a:tailEnd type="none" w="med" len="med"/>
+                    </a:lnB>
+                    <a:lnTlToBr w="12700" cmpd="sng">
+                      <a:noFill/>
+                      <a:prstDash val="solid"/>
+                    </a:lnTlToBr>
+                    <a:lnBlToTr w="12700" cmpd="sng">
+                      <a:noFill/>
+                      <a:prstDash val="solid"/>
+                    </a:lnBlToTr>
+                    <a:gradFill flip="none" rotWithShape="1">
+                      <a:gsLst>
+                        <a:gs pos="0">
+                          <a:srgbClr val="FCECA6"/>
+                        </a:gs>
+                        <a:gs pos="100000">
+                          <a:schemeClr val="bg1"/>
+                        </a:gs>
+                      </a:gsLst>
+                      <a:path path="circle">
+                        <a:fillToRect l="100000" t="100000"/>
+                      </a:path>
+                      <a:tileRect r="-100000" b="-100000"/>
+                    </a:gradFill>
+                  </a:tcPr>
+                </a:tc>
+                <a:tc>
+                  <a:txBody>
+                    <a:bodyPr/>
+                    <a:lstStyle/>
+                    <a:p>
+                      <a:pPr algn="ctr" fontAlgn="b"/>
+                      <a:r>
+                        <a:rPr lang="en-US" sz="1800" b="0" i="0" u="none" strike="noStrike" dirty="0" smtClean="0">
+                          <a:solidFill>
+                            <a:srgbClr val="000000"/>
+                          </a:solidFill>
+                          <a:effectLst/>
+                          <a:latin typeface="Arial" pitchFamily="34" charset="0"/>
+                          <a:cs typeface="Arial" pitchFamily="34" charset="0"/>
+                        </a:rPr>
+                        <a:t>219</a:t>
+                      </a:r>
+                      <a:endParaRPr lang="en-US" sz="1800" b="0" i="0" u="none" strike="noStrike" dirty="0">
+                        <a:solidFill>
+                          <a:srgbClr val="000000"/>
+                        </a:solidFill>
+                        <a:effectLst/>
+                        <a:latin typeface="Arial" pitchFamily="34" charset="0"/>
+                        <a:cs typeface="Arial" pitchFamily="34" charset="0"/>
+                      </a:endParaRPr>
+                    </a:p>
+                  </a:txBody>
+                  <a:tcPr marL="9525" marR="9525" marT="9525" marB="0" anchor="ctr">
+                    <a:lnL w="28575" cap="flat" cmpd="sng" algn="ctr">
+                      <a:noFill/>
+                      <a:prstDash val="solid"/>
+                      <a:round/>
+                      <a:headEnd type="none" w="med" len="med"/>
+                      <a:tailEnd type="none" w="med" len="med"/>
+                    </a:lnL>
+                    <a:lnR w="12700" cap="flat" cmpd="sng" algn="ctr">
+                      <a:solidFill>
+                        <a:schemeClr val="tx1"/>
+                      </a:solidFill>
+                      <a:prstDash val="solid"/>
+                      <a:round/>
+                      <a:headEnd type="none" w="med" len="med"/>
+                      <a:tailEnd type="none" w="med" len="med"/>
+                    </a:lnR>
+                    <a:lnT w="12700" cap="flat" cmpd="sng" algn="ctr">
+                      <a:noFill/>
+                      <a:prstDash val="solid"/>
+                      <a:round/>
+                      <a:headEnd type="none" w="med" len="med"/>
+                      <a:tailEnd type="none" w="med" len="med"/>
+                    </a:lnT>
+                    <a:lnB w="12700" cap="flat" cmpd="sng" algn="ctr">
+                      <a:noFill/>
+                      <a:prstDash val="solid"/>
+                      <a:round/>
+                      <a:headEnd type="none" w="med" len="med"/>
+                      <a:tailEnd type="none" w="med" len="med"/>
+                    </a:lnB>
+                    <a:lnTlToBr w="12700" cmpd="sng">
+                      <a:noFill/>
+                      <a:prstDash val="solid"/>
+                    </a:lnTlToBr>
+                    <a:lnBlToTr w="12700" cmpd="sng">
+                      <a:noFill/>
+                      <a:prstDash val="solid"/>
+                    </a:lnBlToTr>
+                    <a:gradFill flip="none" rotWithShape="1">
+                      <a:gsLst>
+                        <a:gs pos="0">
+                          <a:srgbClr val="FCECA6"/>
+                        </a:gs>
+                        <a:gs pos="100000">
+                          <a:schemeClr val="bg1"/>
+                        </a:gs>
+                      </a:gsLst>
+                      <a:path path="circle">
+                        <a:fillToRect l="100000" t="100000"/>
+                      </a:path>
+                      <a:tileRect r="-100000" b="-100000"/>
+                    </a:gradFill>
+                  </a:tcPr>
+                </a:tc>
+              </a:tr>
+              <a:tr h="640080">
+                <a:tc>
+                  <a:txBody>
+                    <a:bodyPr/>
+                    <a:lstStyle/>
+                    <a:p>
+                      <a:pPr algn="ctr" fontAlgn="b"/>
+                      <a:r>
+                        <a:rPr lang="en-US" sz="1800" b="1" u="none" strike="noStrike" dirty="0" smtClean="0">
+                          <a:effectLst/>
+                          <a:latin typeface="Arial" pitchFamily="34" charset="0"/>
+                          <a:cs typeface="Arial" pitchFamily="34" charset="0"/>
+                        </a:rPr>
+                        <a:t>Int./Ext. Metabolites</a:t>
+                      </a:r>
+                      <a:endParaRPr lang="en-US" sz="1800" b="1" i="0" u="none" strike="noStrike" dirty="0">
+                        <a:solidFill>
+                          <a:srgbClr val="000000"/>
+                        </a:solidFill>
+                        <a:effectLst/>
+                        <a:latin typeface="Arial" pitchFamily="34" charset="0"/>
+                        <a:cs typeface="Arial" pitchFamily="34" charset="0"/>
+                      </a:endParaRPr>
+                    </a:p>
+                  </a:txBody>
+                  <a:tcPr marL="9525" marR="9525" marT="9525" marB="0" anchor="ctr">
+                    <a:lnL w="12700" cap="flat" cmpd="sng" algn="ctr">
+                      <a:solidFill>
+                        <a:schemeClr val="tx1"/>
+                      </a:solidFill>
+                      <a:prstDash val="solid"/>
+                      <a:round/>
+                      <a:headEnd type="none" w="med" len="med"/>
+                      <a:tailEnd type="none" w="med" len="med"/>
+                    </a:lnL>
+                    <a:lnR w="28575" cap="flat" cmpd="sng" algn="ctr">
+                      <a:noFill/>
+                      <a:prstDash val="solid"/>
+                      <a:round/>
+                      <a:headEnd type="none" w="med" len="med"/>
+                      <a:tailEnd type="none" w="med" len="med"/>
+                    </a:lnR>
+                    <a:lnT w="12700" cap="flat" cmpd="sng" algn="ctr">
+                      <a:noFill/>
+                      <a:prstDash val="solid"/>
+                      <a:round/>
+                      <a:headEnd type="none" w="med" len="med"/>
+                      <a:tailEnd type="none" w="med" len="med"/>
+                    </a:lnT>
+                    <a:lnB w="12700" cap="flat" cmpd="sng" algn="ctr">
+                      <a:noFill/>
+                      <a:prstDash val="solid"/>
+                      <a:round/>
+                      <a:headEnd type="none" w="med" len="med"/>
+                      <a:tailEnd type="none" w="med" len="med"/>
+                    </a:lnB>
+                    <a:lnTlToBr w="12700" cmpd="sng">
+                      <a:noFill/>
+                      <a:prstDash val="solid"/>
+                    </a:lnTlToBr>
+                    <a:lnBlToTr w="12700" cmpd="sng">
+                      <a:noFill/>
+                      <a:prstDash val="solid"/>
+                    </a:lnBlToTr>
+                    <a:gradFill flip="none" rotWithShape="1">
+                      <a:gsLst>
+                        <a:gs pos="0">
+                          <a:srgbClr val="FCECA6"/>
+                        </a:gs>
+                        <a:gs pos="100000">
+                          <a:schemeClr val="bg1"/>
+                        </a:gs>
+                      </a:gsLst>
+                      <a:path path="circle">
+                        <a:fillToRect l="100000" t="100000"/>
+                      </a:path>
+                      <a:tileRect r="-100000" b="-100000"/>
+                    </a:gradFill>
+                  </a:tcPr>
+                </a:tc>
+                <a:tc>
+                  <a:txBody>
+                    <a:bodyPr/>
+                    <a:lstStyle/>
+                    <a:p>
+                      <a:pPr algn="ctr" fontAlgn="b"/>
+                      <a:r>
+                        <a:rPr lang="en-US" sz="1800" b="0" i="0" u="none" strike="noStrike" dirty="0" smtClean="0">
+                          <a:solidFill>
+                            <a:schemeClr val="tx1"/>
+                          </a:solidFill>
+                          <a:effectLst/>
+                          <a:latin typeface="Arial" pitchFamily="34" charset="0"/>
+                          <a:cs typeface="Arial" pitchFamily="34" charset="0"/>
+                        </a:rPr>
+                        <a:t>646/45</a:t>
+                      </a:r>
+                      <a:endParaRPr lang="en-US" sz="1800" b="0" i="0" u="none" strike="noStrike" dirty="0">
+                        <a:solidFill>
+                          <a:srgbClr val="000000"/>
+                        </a:solidFill>
+                        <a:effectLst/>
+                        <a:latin typeface="Arial" pitchFamily="34" charset="0"/>
+                        <a:cs typeface="Arial" pitchFamily="34" charset="0"/>
+                      </a:endParaRPr>
+                    </a:p>
+                  </a:txBody>
+                  <a:tcPr marL="9525" marR="9525" marT="9525" marB="0" anchor="ctr">
+                    <a:lnL w="28575" cap="flat" cmpd="sng" algn="ctr">
+                      <a:noFill/>
+                      <a:prstDash val="solid"/>
+                      <a:round/>
+                      <a:headEnd type="none" w="med" len="med"/>
+                      <a:tailEnd type="none" w="med" len="med"/>
+                    </a:lnL>
+                    <a:lnR w="12700" cap="flat" cmpd="sng" algn="ctr">
+                      <a:solidFill>
+                        <a:schemeClr val="tx1"/>
+                      </a:solidFill>
+                      <a:prstDash val="solid"/>
+                      <a:round/>
+                      <a:headEnd type="none" w="med" len="med"/>
+                      <a:tailEnd type="none" w="med" len="med"/>
+                    </a:lnR>
+                    <a:lnT w="12700" cap="flat" cmpd="sng" algn="ctr">
+                      <a:noFill/>
+                      <a:prstDash val="solid"/>
+                      <a:round/>
+                      <a:headEnd type="none" w="med" len="med"/>
+                      <a:tailEnd type="none" w="med" len="med"/>
+                    </a:lnT>
+                    <a:lnB w="12700" cap="flat" cmpd="sng" algn="ctr">
+                      <a:noFill/>
+                      <a:prstDash val="solid"/>
+                      <a:round/>
+                      <a:headEnd type="none" w="med" len="med"/>
+                      <a:tailEnd type="none" w="med" len="med"/>
+                    </a:lnB>
+                    <a:lnTlToBr w="12700" cmpd="sng">
+                      <a:noFill/>
+                      <a:prstDash val="solid"/>
+                    </a:lnTlToBr>
+                    <a:lnBlToTr w="12700" cmpd="sng">
+                      <a:noFill/>
+                      <a:prstDash val="solid"/>
+                    </a:lnBlToTr>
+                    <a:gradFill flip="none" rotWithShape="1">
+                      <a:gsLst>
+                        <a:gs pos="0">
+                          <a:srgbClr val="FCECA6"/>
+                        </a:gs>
+                        <a:gs pos="100000">
+                          <a:schemeClr val="bg1"/>
+                        </a:gs>
+                      </a:gsLst>
+                      <a:path path="circle">
+                        <a:fillToRect l="100000" t="100000"/>
+                      </a:path>
+                      <a:tileRect r="-100000" b="-100000"/>
+                    </a:gradFill>
+                  </a:tcPr>
+                </a:tc>
+              </a:tr>
+              <a:tr h="640080">
+                <a:tc>
+                  <a:txBody>
+                    <a:bodyPr/>
+                    <a:lstStyle/>
+                    <a:p>
+                      <a:pPr algn="ctr" fontAlgn="b"/>
+                      <a:r>
+                        <a:rPr lang="en-US" sz="1800" b="1" i="0" u="none" strike="noStrike" dirty="0" smtClean="0">
+                          <a:solidFill>
+                            <a:srgbClr val="000000"/>
+                          </a:solidFill>
+                          <a:effectLst/>
+                          <a:latin typeface="Arial" pitchFamily="34" charset="0"/>
+                          <a:cs typeface="Arial" pitchFamily="34" charset="0"/>
+                        </a:rPr>
+                        <a:t>Dead End Metabolites</a:t>
+                      </a:r>
+                      <a:endParaRPr lang="en-US" sz="1800" b="1" i="0" u="none" strike="noStrike" dirty="0">
+                        <a:solidFill>
+                          <a:srgbClr val="000000"/>
+                        </a:solidFill>
+                        <a:effectLst/>
+                        <a:latin typeface="Arial" pitchFamily="34" charset="0"/>
+                        <a:cs typeface="Arial" pitchFamily="34" charset="0"/>
+                      </a:endParaRPr>
+                    </a:p>
+                  </a:txBody>
+                  <a:tcPr marL="9525" marR="9525" marT="9525" marB="0" anchor="ctr">
+                    <a:lnL w="12700" cap="flat" cmpd="sng" algn="ctr">
+                      <a:solidFill>
+                        <a:schemeClr val="tx1"/>
+                      </a:solidFill>
+                      <a:prstDash val="solid"/>
+                      <a:round/>
+                      <a:headEnd type="none" w="med" len="med"/>
+                      <a:tailEnd type="none" w="med" len="med"/>
+                    </a:lnL>
+                    <a:lnR w="28575" cap="flat" cmpd="sng" algn="ctr">
+                      <a:noFill/>
+                      <a:prstDash val="solid"/>
+                      <a:round/>
+                      <a:headEnd type="none" w="med" len="med"/>
+                      <a:tailEnd type="none" w="med" len="med"/>
+                    </a:lnR>
+                    <a:lnT w="12700" cap="flat" cmpd="sng" algn="ctr">
+                      <a:noFill/>
+                      <a:prstDash val="solid"/>
+                      <a:round/>
+                      <a:headEnd type="none" w="med" len="med"/>
+                      <a:tailEnd type="none" w="med" len="med"/>
+                    </a:lnT>
+                    <a:lnB w="12700" cap="flat" cmpd="sng" algn="ctr">
+                      <a:solidFill>
+                        <a:schemeClr val="tx1"/>
+                      </a:solidFill>
+                      <a:prstDash val="solid"/>
+                      <a:round/>
+                      <a:headEnd type="none" w="med" len="med"/>
+                      <a:tailEnd type="none" w="med" len="med"/>
+                    </a:lnB>
+                    <a:lnTlToBr w="12700" cmpd="sng">
+                      <a:noFill/>
+                      <a:prstDash val="solid"/>
+                    </a:lnTlToBr>
+                    <a:lnBlToTr w="12700" cmpd="sng">
+                      <a:noFill/>
+                      <a:prstDash val="solid"/>
+                    </a:lnBlToTr>
+                    <a:gradFill flip="none" rotWithShape="1">
+                      <a:gsLst>
+                        <a:gs pos="0">
+                          <a:srgbClr val="FCECA6"/>
+                        </a:gs>
+                        <a:gs pos="100000">
+                          <a:schemeClr val="bg1"/>
+                        </a:gs>
+                      </a:gsLst>
+                      <a:path path="circle">
+                        <a:fillToRect l="100000" t="100000"/>
+                      </a:path>
+                      <a:tileRect r="-100000" b="-100000"/>
+                    </a:gradFill>
+                  </a:tcPr>
+                </a:tc>
+                <a:tc>
+                  <a:txBody>
+                    <a:bodyPr/>
+                    <a:lstStyle/>
+                    <a:p>
+                      <a:pPr algn="ctr" fontAlgn="b"/>
+                      <a:r>
+                        <a:rPr lang="en-US" sz="1800" b="0" i="0" u="none" strike="noStrike" dirty="0" smtClean="0">
+                          <a:solidFill>
+                            <a:srgbClr val="000000"/>
+                          </a:solidFill>
+                          <a:effectLst/>
+                          <a:latin typeface="Arial" pitchFamily="34" charset="0"/>
+                          <a:cs typeface="Arial" pitchFamily="34" charset="0"/>
+                        </a:rPr>
+                        <a:t>268</a:t>
+                      </a:r>
+                      <a:endParaRPr lang="en-US" sz="1800" b="0" i="0" u="none" strike="noStrike" dirty="0">
+                        <a:solidFill>
+                          <a:srgbClr val="000000"/>
+                        </a:solidFill>
+                        <a:effectLst/>
+                        <a:latin typeface="Arial" pitchFamily="34" charset="0"/>
+                        <a:cs typeface="Arial" pitchFamily="34" charset="0"/>
+                      </a:endParaRPr>
+                    </a:p>
+                  </a:txBody>
+                  <a:tcPr marL="9525" marR="9525" marT="9525" marB="0" anchor="ctr">
+                    <a:lnL w="28575" cap="flat" cmpd="sng" algn="ctr">
+                      <a:noFill/>
+                      <a:prstDash val="solid"/>
+                      <a:round/>
+                      <a:headEnd type="none" w="med" len="med"/>
+                      <a:tailEnd type="none" w="med" len="med"/>
+                    </a:lnL>
+                    <a:lnR w="12700" cap="flat" cmpd="sng" algn="ctr">
+                      <a:solidFill>
+                        <a:schemeClr val="tx1"/>
+                      </a:solidFill>
+                      <a:prstDash val="solid"/>
+                      <a:round/>
+                      <a:headEnd type="none" w="med" len="med"/>
+                      <a:tailEnd type="none" w="med" len="med"/>
+                    </a:lnR>
+                    <a:lnT w="12700" cap="flat" cmpd="sng" algn="ctr">
+                      <a:noFill/>
+                      <a:prstDash val="solid"/>
+                      <a:round/>
+                      <a:headEnd type="none" w="med" len="med"/>
+                      <a:tailEnd type="none" w="med" len="med"/>
+                    </a:lnT>
+                    <a:lnB w="12700" cap="flat" cmpd="sng" algn="ctr">
+                      <a:solidFill>
+                        <a:schemeClr val="tx1"/>
+                      </a:solidFill>
+                      <a:prstDash val="solid"/>
+                      <a:round/>
+                      <a:headEnd type="none" w="med" len="med"/>
+                      <a:tailEnd type="none" w="med" len="med"/>
+                    </a:lnB>
+                    <a:lnTlToBr w="12700" cmpd="sng">
+                      <a:noFill/>
+                      <a:prstDash val="solid"/>
+                    </a:lnTlToBr>
+                    <a:lnBlToTr w="12700" cmpd="sng">
+                      <a:noFill/>
+                      <a:prstDash val="solid"/>
+                    </a:lnBlToTr>
+                    <a:gradFill flip="none" rotWithShape="1">
+                      <a:gsLst>
+                        <a:gs pos="0">
+                          <a:srgbClr val="FCECA6"/>
+                        </a:gs>
+                        <a:gs pos="100000">
+                          <a:schemeClr val="bg1"/>
+                        </a:gs>
+                      </a:gsLst>
+                      <a:path path="circle">
+                        <a:fillToRect l="100000" t="100000"/>
+                      </a:path>
+                      <a:tileRect r="-100000" b="-100000"/>
+                    </a:gradFill>
+                  </a:tcPr>
+                </a:tc>
+              </a:tr>
+            </a:tbl>
+          </a:graphicData>
+        </a:graphic>
+      </p:graphicFrame>
+    </p:spTree>
+    <p:extLst>
+      <p:ext uri="{BB962C8B-B14F-4D97-AF65-F5344CB8AC3E}">
+        <p14:creationId xmlns:p14="http://schemas.microsoft.com/office/powerpoint/2010/main" val="2211713427"/>
+      </p:ext>
+    </p:extLst>
+  </p:cSld>
+  <p:clrMapOvr>
+    <a:masterClrMapping/>
+  </p:clrMapOvr>
+  <p:timing>
+    <p:tnLst>
+      <p:par>
+        <p:cTn id="1" dur="indefinite" restart="never" nodeType="tmRoot"/>
+      </p:par>
+    </p:tnLst>
+  </p:timing>
+</p:sld>
+</file>
+
+<file path=ppt/slides/slide4.xml><?xml version="1.0" encoding="utf-8"?>
+<p:sld xmlns:a="http://schemas.openxmlformats.org/drawingml/2006/main" xmlns:r="http://schemas.openxmlformats.org/officeDocument/2006/relationships" xmlns:p="http://schemas.openxmlformats.org/presentationml/2006/main">
+  <p:cSld>
+    <p:spTree>
+      <p:nvGrpSpPr>
+        <p:cNvPr id="1" name=""/>
+        <p:cNvGrpSpPr/>
+        <p:nvPr/>
+      </p:nvGrpSpPr>
+      <p:grpSpPr>
+        <a:xfrm>
+          <a:off x="0" y="0"/>
+          <a:ext cx="0" cy="0"/>
+          <a:chOff x="0" y="0"/>
+          <a:chExt cx="0" cy="0"/>
+        </a:xfrm>
+      </p:grpSpPr>
+      <p:sp>
+        <p:nvSpPr>
+          <p:cNvPr id="2" name="Title 1"/>
+          <p:cNvSpPr>
+            <a:spLocks noGrp="1"/>
+          </p:cNvSpPr>
+          <p:nvPr>
+            <p:ph type="title"/>
+          </p:nvPr>
+        </p:nvSpPr>
+        <p:spPr/>
+        <p:txBody>
+          <a:bodyPr/>
+          <a:lstStyle/>
+          <a:p>
+            <a:r>
+              <a:rPr lang="en-US" dirty="0" smtClean="0"/>
+              <a:t>Growth Yield Validation</a:t>
+            </a:r>
+            <a:endParaRPr lang="en-US" dirty="0"/>
+          </a:p>
+        </p:txBody>
+      </p:sp>
+      <p:graphicFrame>
+        <p:nvGraphicFramePr>
+          <p:cNvPr id="4" name="Chart 3"/>
+          <p:cNvGraphicFramePr>
+            <a:graphicFrameLocks/>
+          </p:cNvGraphicFramePr>
+          <p:nvPr>
+            <p:extLst>
+              <p:ext uri="{D42A27DB-BD31-4B8C-83A1-F6EECF244321}">
+                <p14:modId xmlns:p14="http://schemas.microsoft.com/office/powerpoint/2010/main" val="2740545058"/>
+              </p:ext>
+            </p:extLst>
+          </p:nvPr>
+        </p:nvGraphicFramePr>
+        <p:xfrm>
+          <a:off x="381000" y="1271406"/>
+          <a:ext cx="8763000" cy="5586594"/>
+        </p:xfrm>
+        <a:graphic>
+          <a:graphicData uri="http://schemas.openxmlformats.org/drawingml/2006/chart">
+            <c:chart xmlns:c="http://schemas.openxmlformats.org/drawingml/2006/chart" xmlns:r="http://schemas.openxmlformats.org/officeDocument/2006/relationships" r:id="rId3"/>
+          </a:graphicData>
+        </a:graphic>
+      </p:graphicFrame>
+      <p:sp>
+        <p:nvSpPr>
+          <p:cNvPr id="5" name="TextBox 4"/>
+          <p:cNvSpPr txBox="1"/>
+          <p:nvPr/>
+        </p:nvSpPr>
+        <p:spPr>
+          <a:xfrm>
+            <a:off x="1676400" y="1600200"/>
+            <a:ext cx="1832040" cy="369332"/>
+          </a:xfrm>
+          <a:prstGeom prst="rect">
+            <a:avLst/>
+          </a:prstGeom>
+          <a:noFill/>
+        </p:spPr>
+        <p:txBody>
+          <a:bodyPr wrap="none" rtlCol="0">
+            <a:spAutoFit/>
+          </a:bodyPr>
+          <a:lstStyle/>
+          <a:p>
+            <a:r>
+              <a:rPr lang="en-US" dirty="0" smtClean="0"/>
+              <a:t>Model Error: 36%</a:t>
+            </a:r>
+            <a:endParaRPr lang="en-US" dirty="0"/>
+          </a:p>
+        </p:txBody>
+      </p:sp>
+      <p:sp>
+        <p:nvSpPr>
+          <p:cNvPr id="6" name="TextBox 5"/>
+          <p:cNvSpPr txBox="1"/>
+          <p:nvPr/>
+        </p:nvSpPr>
+        <p:spPr>
+          <a:xfrm>
+            <a:off x="5178360" y="1600200"/>
+            <a:ext cx="1832040" cy="369332"/>
+          </a:xfrm>
+          <a:prstGeom prst="rect">
+            <a:avLst/>
+          </a:prstGeom>
+          <a:noFill/>
+        </p:spPr>
+        <p:txBody>
+          <a:bodyPr wrap="none" rtlCol="0">
+            <a:spAutoFit/>
+          </a:bodyPr>
+          <a:lstStyle/>
+          <a:p>
+            <a:r>
+              <a:rPr lang="en-US" dirty="0" smtClean="0"/>
+              <a:t>Model Error: 68%</a:t>
+            </a:r>
+            <a:endParaRPr lang="en-US" dirty="0"/>
+          </a:p>
+        </p:txBody>
+      </p:sp>
+    </p:spTree>
+    <p:extLst>
+      <p:ext uri="{BB962C8B-B14F-4D97-AF65-F5344CB8AC3E}">
+        <p14:creationId xmlns:p14="http://schemas.microsoft.com/office/powerpoint/2010/main" val="281049289"/>
+      </p:ext>
+    </p:extLst>
+  </p:cSld>
+  <p:clrMapOvr>
+    <a:masterClrMapping/>
+  </p:clrMapOvr>
+  <p:timing>
+    <p:tnLst>
+      <p:par>
+        <p:cTn id="1" dur="indefinite" restart="never" nodeType="tmRoot"/>
+      </p:par>
+    </p:tnLst>
+  </p:timing>
+</p:sld>
+</file>
+
+<file path=ppt/slides/slide5.xml><?xml version="1.0" encoding="utf-8"?>
+<p:sld xmlns:a="http://schemas.openxmlformats.org/drawingml/2006/main" xmlns:r="http://schemas.openxmlformats.org/officeDocument/2006/relationships" xmlns:p="http://schemas.openxmlformats.org/presentationml/2006/main">
+  <p:cSld>
+    <p:spTree>
+      <p:nvGrpSpPr>
+        <p:cNvPr id="1" name=""/>
+        <p:cNvGrpSpPr/>
+        <p:nvPr/>
+      </p:nvGrpSpPr>
+      <p:grpSpPr>
+        <a:xfrm>
+          <a:off x="0" y="0"/>
+          <a:ext cx="0" cy="0"/>
+          <a:chOff x="0" y="0"/>
+          <a:chExt cx="0" cy="0"/>
+        </a:xfrm>
+      </p:grpSpPr>
+      <p:sp>
+        <p:nvSpPr>
+          <p:cNvPr id="2" name="Title 1"/>
+          <p:cNvSpPr>
+            <a:spLocks noGrp="1"/>
+          </p:cNvSpPr>
+          <p:nvPr>
+            <p:ph type="title"/>
+          </p:nvPr>
+        </p:nvSpPr>
+        <p:spPr>
+          <a:xfrm>
+            <a:off x="457200" y="152400"/>
+            <a:ext cx="8229600" cy="1143000"/>
+          </a:xfrm>
+        </p:spPr>
+        <p:txBody>
+          <a:bodyPr/>
+          <a:lstStyle/>
+          <a:p>
+            <a:r>
+              <a:rPr lang="en-US" dirty="0" smtClean="0"/>
+              <a:t>Gene Knockout Validation</a:t>
+            </a:r>
+            <a:endParaRPr lang="en-US" dirty="0"/>
+          </a:p>
+        </p:txBody>
+      </p:sp>
+      <p:sp>
+        <p:nvSpPr>
+          <p:cNvPr id="3" name="Content Placeholder 2"/>
+          <p:cNvSpPr>
+            <a:spLocks noGrp="1"/>
+          </p:cNvSpPr>
+          <p:nvPr>
+            <p:ph idx="1"/>
+          </p:nvPr>
+        </p:nvSpPr>
+        <p:spPr>
+          <a:xfrm>
+            <a:off x="304800" y="2438400"/>
+            <a:ext cx="3352800" cy="3992563"/>
+          </a:xfrm>
+        </p:spPr>
+        <p:txBody>
+          <a:bodyPr>
+            <a:normAutofit/>
+          </a:bodyPr>
+          <a:lstStyle/>
+          <a:p>
+            <a:pPr marL="0" indent="0" algn="ctr">
+              <a:buNone/>
+            </a:pPr>
+            <a:r>
+              <a:rPr lang="en-US" sz="3600" dirty="0" smtClean="0"/>
+              <a:t>Accuracy: 90%</a:t>
+            </a:r>
+          </a:p>
+          <a:p>
+            <a:pPr marL="0" indent="0">
+              <a:buNone/>
+            </a:pPr>
+            <a:endParaRPr lang="en-US" sz="3600" dirty="0"/>
+          </a:p>
+          <a:p>
+            <a:pPr marL="0" indent="0" algn="ctr">
+              <a:buNone/>
+            </a:pPr>
+            <a:r>
+              <a:rPr lang="en-US" sz="3600" dirty="0" smtClean="0"/>
+              <a:t>MCC: 0.67</a:t>
+            </a:r>
+            <a:endParaRPr lang="en-US" sz="3600" dirty="0"/>
+          </a:p>
+        </p:txBody>
+      </p:sp>
+      <p:graphicFrame>
+        <p:nvGraphicFramePr>
+          <p:cNvPr id="4" name="Table 3"/>
+          <p:cNvGraphicFramePr>
+            <a:graphicFrameLocks noGrp="1"/>
+          </p:cNvGraphicFramePr>
+          <p:nvPr>
+            <p:extLst>
+              <p:ext uri="{D42A27DB-BD31-4B8C-83A1-F6EECF244321}">
+                <p14:modId xmlns:p14="http://schemas.microsoft.com/office/powerpoint/2010/main" val="203841984"/>
+              </p:ext>
+            </p:extLst>
+          </p:nvPr>
+        </p:nvGraphicFramePr>
+        <p:xfrm>
+          <a:off x="3810000" y="1219200"/>
+          <a:ext cx="5029200" cy="5486400"/>
+        </p:xfrm>
+        <a:graphic>
+          <a:graphicData uri="http://schemas.openxmlformats.org/drawingml/2006/table">
+            <a:tbl>
+              <a:tblPr>
+                <a:tableStyleId>{2D5ABB26-0587-4C30-8999-92F81FD0307C}</a:tableStyleId>
+              </a:tblPr>
+              <a:tblGrid>
+                <a:gridCol w="1005840"/>
+                <a:gridCol w="1005840"/>
+                <a:gridCol w="1005840"/>
+                <a:gridCol w="1005840"/>
+                <a:gridCol w="1005840"/>
+              </a:tblGrid>
+              <a:tr h="274320">
+                <a:tc>
+                  <a:txBody>
+                    <a:bodyPr/>
+                    <a:lstStyle/>
+                    <a:p>
+                      <a:pPr algn="ctr" fontAlgn="b"/>
+                      <a:r>
+                        <a:rPr lang="en-US" sz="1000" u="none" strike="noStrike" dirty="0" smtClean="0">
+                          <a:effectLst/>
+                          <a:latin typeface="Arial" panose="020B0604020202020204" pitchFamily="34" charset="0"/>
+                          <a:cs typeface="Arial" panose="020B0604020202020204" pitchFamily="34" charset="0"/>
+                        </a:rPr>
+                        <a:t>Phenotype</a:t>
+                      </a:r>
+                      <a:endParaRPr lang="en-US" sz="1000" b="0" i="0" u="none" strike="noStrike" dirty="0">
+                        <a:solidFill>
+                          <a:srgbClr val="000000"/>
+                        </a:solidFill>
+                        <a:effectLst/>
+                        <a:latin typeface="Arial" panose="020B0604020202020204" pitchFamily="34" charset="0"/>
+                        <a:cs typeface="Arial" panose="020B0604020202020204" pitchFamily="34" charset="0"/>
+                      </a:endParaRPr>
+                    </a:p>
+                  </a:txBody>
+                  <a:tcPr marL="18296" marR="18296" marT="18296" marB="0" anchor="ctr">
+                    <a:lnL w="12700" cap="flat" cmpd="sng" algn="ctr">
+                      <a:solidFill>
+                        <a:schemeClr val="tx1"/>
+                      </a:solidFill>
+                      <a:prstDash val="solid"/>
+                      <a:round/>
+                      <a:headEnd type="none" w="med" len="med"/>
+                      <a:tailEnd type="none" w="med" len="med"/>
+                    </a:lnL>
+                    <a:lnR w="12700" cap="flat" cmpd="sng" algn="ctr">
+                      <a:solidFill>
+                        <a:schemeClr val="tx1"/>
+                      </a:solidFill>
+                      <a:prstDash val="solid"/>
+                      <a:round/>
+                      <a:headEnd type="none" w="med" len="med"/>
+                      <a:tailEnd type="none" w="med" len="med"/>
+                    </a:lnR>
+                    <a:lnT w="12700" cap="flat" cmpd="sng" algn="ctr">
+                      <a:solidFill>
+                        <a:schemeClr val="tx1"/>
+                      </a:solidFill>
+                      <a:prstDash val="solid"/>
+                      <a:round/>
+                      <a:headEnd type="none" w="med" len="med"/>
+                      <a:tailEnd type="none" w="med" len="med"/>
+                    </a:lnT>
+                    <a:lnB w="12700" cap="flat" cmpd="sng" algn="ctr">
+                      <a:solidFill>
+                        <a:schemeClr val="tx1"/>
+                      </a:solidFill>
+                      <a:prstDash val="solid"/>
+                      <a:round/>
+                      <a:headEnd type="none" w="med" len="med"/>
+                      <a:tailEnd type="none" w="med" len="med"/>
+                    </a:lnB>
+                  </a:tcPr>
+                </a:tc>
+                <a:tc>
+                  <a:txBody>
+                    <a:bodyPr/>
+                    <a:lstStyle/>
+                    <a:p>
+                      <a:pPr algn="ctr" fontAlgn="b"/>
+                      <a:r>
+                        <a:rPr lang="en-US" sz="1000" u="none" strike="noStrike" dirty="0">
+                          <a:effectLst/>
+                          <a:latin typeface="Arial" panose="020B0604020202020204" pitchFamily="34" charset="0"/>
+                          <a:cs typeface="Arial" panose="020B0604020202020204" pitchFamily="34" charset="0"/>
+                        </a:rPr>
+                        <a:t>H</a:t>
+                      </a:r>
+                      <a:r>
+                        <a:rPr lang="en-US" sz="1000" u="none" strike="noStrike" baseline="-25000" dirty="0">
+                          <a:effectLst/>
+                          <a:latin typeface="Arial" panose="020B0604020202020204" pitchFamily="34" charset="0"/>
+                          <a:cs typeface="Arial" panose="020B0604020202020204" pitchFamily="34" charset="0"/>
+                        </a:rPr>
+                        <a:t>2</a:t>
+                      </a:r>
+                      <a:endParaRPr lang="en-US" sz="1000" b="0" i="0" u="none" strike="noStrike" baseline="-25000" dirty="0">
+                        <a:solidFill>
+                          <a:srgbClr val="000000"/>
+                        </a:solidFill>
+                        <a:effectLst/>
+                        <a:latin typeface="Arial" panose="020B0604020202020204" pitchFamily="34" charset="0"/>
+                        <a:cs typeface="Arial" panose="020B0604020202020204" pitchFamily="34" charset="0"/>
+                      </a:endParaRPr>
+                    </a:p>
+                  </a:txBody>
+                  <a:tcPr marL="18296" marR="18296" marT="18296" marB="0" anchor="ctr">
+                    <a:lnL w="12700" cap="flat" cmpd="sng" algn="ctr">
+                      <a:solidFill>
+                        <a:schemeClr val="tx1"/>
+                      </a:solidFill>
+                      <a:prstDash val="solid"/>
+                      <a:round/>
+                      <a:headEnd type="none" w="med" len="med"/>
+                      <a:tailEnd type="none" w="med" len="med"/>
+                    </a:lnL>
+                    <a:lnT w="12700" cap="flat" cmpd="sng" algn="ctr">
+                      <a:solidFill>
+                        <a:schemeClr val="tx1"/>
+                      </a:solidFill>
+                      <a:prstDash val="solid"/>
+                      <a:round/>
+                      <a:headEnd type="none" w="med" len="med"/>
+                      <a:tailEnd type="none" w="med" len="med"/>
+                    </a:lnT>
+                    <a:lnB w="12700" cap="flat" cmpd="sng" algn="ctr">
+                      <a:solidFill>
+                        <a:schemeClr val="tx1"/>
+                      </a:solidFill>
+                      <a:prstDash val="solid"/>
+                      <a:round/>
+                      <a:headEnd type="none" w="med" len="med"/>
+                      <a:tailEnd type="none" w="med" len="med"/>
+                    </a:lnB>
+                  </a:tcPr>
+                </a:tc>
+                <a:tc>
+                  <a:txBody>
+                    <a:bodyPr/>
+                    <a:lstStyle/>
+                    <a:p>
+                      <a:pPr algn="ctr" fontAlgn="b"/>
+                      <a:r>
+                        <a:rPr lang="en-US" sz="1000" u="none" strike="noStrike" dirty="0">
+                          <a:effectLst/>
+                          <a:latin typeface="Arial" panose="020B0604020202020204" pitchFamily="34" charset="0"/>
+                          <a:cs typeface="Arial" panose="020B0604020202020204" pitchFamily="34" charset="0"/>
+                        </a:rPr>
+                        <a:t>Formate</a:t>
+                      </a:r>
+                      <a:endParaRPr lang="en-US" sz="1000" b="0" i="0" u="none" strike="noStrike" dirty="0">
+                        <a:solidFill>
+                          <a:srgbClr val="000000"/>
+                        </a:solidFill>
+                        <a:effectLst/>
+                        <a:latin typeface="Arial" panose="020B0604020202020204" pitchFamily="34" charset="0"/>
+                        <a:cs typeface="Arial" panose="020B0604020202020204" pitchFamily="34" charset="0"/>
+                      </a:endParaRPr>
+                    </a:p>
+                  </a:txBody>
+                  <a:tcPr marL="18296" marR="18296" marT="18296" marB="0" anchor="ctr">
+                    <a:lnT w="12700" cap="flat" cmpd="sng" algn="ctr">
+                      <a:solidFill>
+                        <a:schemeClr val="tx1"/>
+                      </a:solidFill>
+                      <a:prstDash val="solid"/>
+                      <a:round/>
+                      <a:headEnd type="none" w="med" len="med"/>
+                      <a:tailEnd type="none" w="med" len="med"/>
+                    </a:lnT>
+                    <a:lnB w="12700" cap="flat" cmpd="sng" algn="ctr">
+                      <a:solidFill>
+                        <a:schemeClr val="tx1"/>
+                      </a:solidFill>
+                      <a:prstDash val="solid"/>
+                      <a:round/>
+                      <a:headEnd type="none" w="med" len="med"/>
+                      <a:tailEnd type="none" w="med" len="med"/>
+                    </a:lnB>
+                  </a:tcPr>
+                </a:tc>
+                <a:tc>
+                  <a:txBody>
+                    <a:bodyPr/>
+                    <a:lstStyle/>
+                    <a:p>
+                      <a:pPr algn="ctr" fontAlgn="b"/>
+                      <a:r>
+                        <a:rPr lang="en-US" sz="1000" u="none" strike="noStrike" dirty="0">
+                          <a:effectLst/>
+                          <a:latin typeface="Arial" panose="020B0604020202020204" pitchFamily="34" charset="0"/>
+                          <a:cs typeface="Arial" panose="020B0604020202020204" pitchFamily="34" charset="0"/>
+                        </a:rPr>
+                        <a:t>H</a:t>
+                      </a:r>
+                      <a:r>
+                        <a:rPr lang="en-US" sz="1000" u="none" strike="noStrike" baseline="-25000" dirty="0">
+                          <a:effectLst/>
+                          <a:latin typeface="Arial" panose="020B0604020202020204" pitchFamily="34" charset="0"/>
+                          <a:cs typeface="Arial" panose="020B0604020202020204" pitchFamily="34" charset="0"/>
+                        </a:rPr>
+                        <a:t>2</a:t>
+                      </a:r>
+                      <a:r>
+                        <a:rPr lang="en-US" sz="1000" u="none" strike="noStrike" dirty="0">
+                          <a:effectLst/>
+                          <a:latin typeface="Arial" panose="020B0604020202020204" pitchFamily="34" charset="0"/>
+                          <a:cs typeface="Arial" panose="020B0604020202020204" pitchFamily="34" charset="0"/>
+                        </a:rPr>
+                        <a:t> + Formate</a:t>
+                      </a:r>
+                      <a:endParaRPr lang="en-US" sz="1000" b="0" i="0" u="none" strike="noStrike" dirty="0">
+                        <a:solidFill>
+                          <a:srgbClr val="000000"/>
+                        </a:solidFill>
+                        <a:effectLst/>
+                        <a:latin typeface="Arial" panose="020B0604020202020204" pitchFamily="34" charset="0"/>
+                        <a:cs typeface="Arial" panose="020B0604020202020204" pitchFamily="34" charset="0"/>
+                      </a:endParaRPr>
+                    </a:p>
+                  </a:txBody>
+                  <a:tcPr marL="18296" marR="18296" marT="18296" marB="0" anchor="ctr">
+                    <a:lnT w="12700" cap="flat" cmpd="sng" algn="ctr">
+                      <a:solidFill>
+                        <a:schemeClr val="tx1"/>
+                      </a:solidFill>
+                      <a:prstDash val="solid"/>
+                      <a:round/>
+                      <a:headEnd type="none" w="med" len="med"/>
+                      <a:tailEnd type="none" w="med" len="med"/>
+                    </a:lnT>
+                    <a:lnB w="12700" cap="flat" cmpd="sng" algn="ctr">
+                      <a:solidFill>
+                        <a:schemeClr val="tx1"/>
+                      </a:solidFill>
+                      <a:prstDash val="solid"/>
+                      <a:round/>
+                      <a:headEnd type="none" w="med" len="med"/>
+                      <a:tailEnd type="none" w="med" len="med"/>
+                    </a:lnB>
+                  </a:tcPr>
+                </a:tc>
+                <a:tc>
+                  <a:txBody>
+                    <a:bodyPr/>
+                    <a:lstStyle/>
+                    <a:p>
+                      <a:pPr algn="ctr" fontAlgn="b"/>
+                      <a:r>
+                        <a:rPr lang="en-US" sz="1000" u="none" strike="noStrike" dirty="0">
+                          <a:effectLst/>
+                          <a:latin typeface="Arial" panose="020B0604020202020204" pitchFamily="34" charset="0"/>
+                          <a:cs typeface="Arial" panose="020B0604020202020204" pitchFamily="34" charset="0"/>
+                        </a:rPr>
+                        <a:t>Formate + CO</a:t>
+                      </a:r>
+                      <a:endParaRPr lang="en-US" sz="1000" b="0" i="0" u="none" strike="noStrike" dirty="0">
+                        <a:solidFill>
+                          <a:srgbClr val="000000"/>
+                        </a:solidFill>
+                        <a:effectLst/>
+                        <a:latin typeface="Arial" panose="020B0604020202020204" pitchFamily="34" charset="0"/>
+                        <a:cs typeface="Arial" panose="020B0604020202020204" pitchFamily="34" charset="0"/>
+                      </a:endParaRPr>
+                    </a:p>
+                  </a:txBody>
+                  <a:tcPr marL="18296" marR="18296" marT="18296" marB="0" anchor="ctr">
+                    <a:lnR w="12700" cap="flat" cmpd="sng" algn="ctr">
+                      <a:solidFill>
+                        <a:schemeClr val="tx1"/>
+                      </a:solidFill>
+                      <a:prstDash val="solid"/>
+                      <a:round/>
+                      <a:headEnd type="none" w="med" len="med"/>
+                      <a:tailEnd type="none" w="med" len="med"/>
+                    </a:lnR>
+                    <a:lnT w="12700" cap="flat" cmpd="sng" algn="ctr">
+                      <a:solidFill>
+                        <a:schemeClr val="tx1"/>
+                      </a:solidFill>
+                      <a:prstDash val="solid"/>
+                      <a:round/>
+                      <a:headEnd type="none" w="med" len="med"/>
+                      <a:tailEnd type="none" w="med" len="med"/>
+                    </a:lnT>
+                    <a:lnB w="12700" cap="flat" cmpd="sng" algn="ctr">
+                      <a:solidFill>
+                        <a:schemeClr val="tx1"/>
+                      </a:solidFill>
+                      <a:prstDash val="solid"/>
+                      <a:round/>
+                      <a:headEnd type="none" w="med" len="med"/>
+                      <a:tailEnd type="none" w="med" len="med"/>
+                    </a:lnB>
+                  </a:tcPr>
+                </a:tc>
+              </a:tr>
+              <a:tr h="274320">
+                <a:tc>
+                  <a:txBody>
+                    <a:bodyPr/>
+                    <a:lstStyle/>
+                    <a:p>
+                      <a:pPr algn="ctr" fontAlgn="b"/>
+                      <a:r>
+                        <a:rPr lang="en-US" sz="1000" u="none" strike="noStrike" dirty="0">
+                          <a:effectLst/>
+                          <a:latin typeface="Arial" panose="020B0604020202020204" pitchFamily="34" charset="0"/>
+                          <a:cs typeface="Arial" panose="020B0604020202020204" pitchFamily="34" charset="0"/>
+                        </a:rPr>
+                        <a:t>∆</a:t>
+                      </a:r>
+                      <a:r>
+                        <a:rPr lang="en-US" sz="1000" u="none" strike="noStrike" dirty="0" err="1">
+                          <a:effectLst/>
+                          <a:latin typeface="Arial" panose="020B0604020202020204" pitchFamily="34" charset="0"/>
+                          <a:cs typeface="Arial" panose="020B0604020202020204" pitchFamily="34" charset="0"/>
+                        </a:rPr>
+                        <a:t>hmd</a:t>
+                      </a:r>
+                      <a:endParaRPr lang="en-US" sz="1000" b="0" i="0" u="none" strike="noStrike" dirty="0">
+                        <a:solidFill>
+                          <a:srgbClr val="000000"/>
+                        </a:solidFill>
+                        <a:effectLst/>
+                        <a:latin typeface="Arial" panose="020B0604020202020204" pitchFamily="34" charset="0"/>
+                        <a:cs typeface="Arial" panose="020B0604020202020204" pitchFamily="34" charset="0"/>
+                      </a:endParaRPr>
+                    </a:p>
+                  </a:txBody>
+                  <a:tcPr marL="18296" marR="18296" marT="18296" marB="0" anchor="ctr">
+                    <a:lnL w="12700" cap="flat" cmpd="sng" algn="ctr">
+                      <a:solidFill>
+                        <a:schemeClr val="tx1"/>
+                      </a:solidFill>
+                      <a:prstDash val="solid"/>
+                      <a:round/>
+                      <a:headEnd type="none" w="med" len="med"/>
+                      <a:tailEnd type="none" w="med" len="med"/>
+                    </a:lnL>
+                    <a:lnR w="12700" cap="flat" cmpd="sng" algn="ctr">
+                      <a:solidFill>
+                        <a:schemeClr val="tx1"/>
+                      </a:solidFill>
+                      <a:prstDash val="solid"/>
+                      <a:round/>
+                      <a:headEnd type="none" w="med" len="med"/>
+                      <a:tailEnd type="none" w="med" len="med"/>
+                    </a:lnR>
+                    <a:lnT w="12700" cap="flat" cmpd="sng" algn="ctr">
+                      <a:solidFill>
+                        <a:schemeClr val="tx1"/>
+                      </a:solidFill>
+                      <a:prstDash val="solid"/>
+                      <a:round/>
+                      <a:headEnd type="none" w="med" len="med"/>
+                      <a:tailEnd type="none" w="med" len="med"/>
+                    </a:lnT>
+                  </a:tcPr>
+                </a:tc>
+                <a:tc>
+                  <a:txBody>
+                    <a:bodyPr/>
+                    <a:lstStyle/>
+                    <a:p>
+                      <a:pPr algn="ctr" fontAlgn="b"/>
+                      <a:r>
+                        <a:rPr lang="en-US" sz="1000" u="none" strike="noStrike" dirty="0">
+                          <a:effectLst/>
+                          <a:latin typeface="Arial" panose="020B0604020202020204" pitchFamily="34" charset="0"/>
+                          <a:cs typeface="Arial" panose="020B0604020202020204" pitchFamily="34" charset="0"/>
+                        </a:rPr>
+                        <a:t>N</a:t>
+                      </a:r>
+                      <a:endParaRPr lang="en-US" sz="1000" b="0" i="0" u="none" strike="noStrike" dirty="0">
+                        <a:solidFill>
+                          <a:srgbClr val="000000"/>
+                        </a:solidFill>
+                        <a:effectLst/>
+                        <a:latin typeface="Arial" panose="020B0604020202020204" pitchFamily="34" charset="0"/>
+                        <a:cs typeface="Arial" panose="020B0604020202020204" pitchFamily="34" charset="0"/>
+                      </a:endParaRPr>
+                    </a:p>
+                  </a:txBody>
+                  <a:tcPr marL="18296" marR="18296" marT="18296" marB="0" anchor="ctr">
+                    <a:lnL w="12700" cap="flat" cmpd="sng" algn="ctr">
+                      <a:solidFill>
+                        <a:schemeClr val="tx1"/>
+                      </a:solidFill>
+                      <a:prstDash val="solid"/>
+                      <a:round/>
+                      <a:headEnd type="none" w="med" len="med"/>
+                      <a:tailEnd type="none" w="med" len="med"/>
+                    </a:lnL>
+                    <a:lnT w="12700" cap="flat" cmpd="sng" algn="ctr">
+                      <a:solidFill>
+                        <a:schemeClr val="tx1"/>
+                      </a:solidFill>
+                      <a:prstDash val="solid"/>
+                      <a:round/>
+                      <a:headEnd type="none" w="med" len="med"/>
+                      <a:tailEnd type="none" w="med" len="med"/>
+                    </a:lnT>
+                    <a:solidFill>
+                      <a:srgbClr val="92D050"/>
+                    </a:solidFill>
+                  </a:tcPr>
+                </a:tc>
+                <a:tc>
+                  <a:txBody>
+                    <a:bodyPr/>
+                    <a:lstStyle/>
+                    <a:p>
+                      <a:pPr algn="ctr" fontAlgn="b"/>
+                      <a:r>
+                        <a:rPr lang="en-US" sz="1000" u="none" strike="noStrike" dirty="0">
+                          <a:effectLst/>
+                          <a:latin typeface="Arial" panose="020B0604020202020204" pitchFamily="34" charset="0"/>
+                          <a:cs typeface="Arial" panose="020B0604020202020204" pitchFamily="34" charset="0"/>
+                        </a:rPr>
+                        <a:t>N</a:t>
+                      </a:r>
+                      <a:endParaRPr lang="en-US" sz="1000" b="0" i="0" u="none" strike="noStrike" dirty="0">
+                        <a:solidFill>
+                          <a:srgbClr val="000000"/>
+                        </a:solidFill>
+                        <a:effectLst/>
+                        <a:latin typeface="Arial" panose="020B0604020202020204" pitchFamily="34" charset="0"/>
+                        <a:cs typeface="Arial" panose="020B0604020202020204" pitchFamily="34" charset="0"/>
+                      </a:endParaRPr>
+                    </a:p>
+                  </a:txBody>
+                  <a:tcPr marL="18296" marR="18296" marT="18296" marB="0" anchor="ctr">
+                    <a:lnT w="12700" cap="flat" cmpd="sng" algn="ctr">
+                      <a:solidFill>
+                        <a:schemeClr val="tx1"/>
+                      </a:solidFill>
+                      <a:prstDash val="solid"/>
+                      <a:round/>
+                      <a:headEnd type="none" w="med" len="med"/>
+                      <a:tailEnd type="none" w="med" len="med"/>
+                    </a:lnT>
+                    <a:solidFill>
+                      <a:srgbClr val="92D050"/>
+                    </a:solidFill>
+                  </a:tcPr>
+                </a:tc>
+                <a:tc>
+                  <a:txBody>
+                    <a:bodyPr/>
+                    <a:lstStyle/>
+                    <a:p>
+                      <a:pPr algn="ctr" fontAlgn="b"/>
+                      <a:r>
+                        <a:rPr lang="en-US" sz="1000" u="none" strike="noStrike" dirty="0">
+                          <a:effectLst/>
+                          <a:latin typeface="Arial" panose="020B0604020202020204" pitchFamily="34" charset="0"/>
+                          <a:cs typeface="Arial" panose="020B0604020202020204" pitchFamily="34" charset="0"/>
+                        </a:rPr>
+                        <a:t>N</a:t>
+                      </a:r>
+                      <a:endParaRPr lang="en-US" sz="1000" b="0" i="0" u="none" strike="noStrike" dirty="0">
+                        <a:solidFill>
+                          <a:srgbClr val="000000"/>
+                        </a:solidFill>
+                        <a:effectLst/>
+                        <a:latin typeface="Arial" panose="020B0604020202020204" pitchFamily="34" charset="0"/>
+                        <a:cs typeface="Arial" panose="020B0604020202020204" pitchFamily="34" charset="0"/>
+                      </a:endParaRPr>
+                    </a:p>
+                  </a:txBody>
+                  <a:tcPr marL="18296" marR="18296" marT="18296" marB="0" anchor="ctr">
+                    <a:lnT w="12700" cap="flat" cmpd="sng" algn="ctr">
+                      <a:solidFill>
+                        <a:schemeClr val="tx1"/>
+                      </a:solidFill>
+                      <a:prstDash val="solid"/>
+                      <a:round/>
+                      <a:headEnd type="none" w="med" len="med"/>
+                      <a:tailEnd type="none" w="med" len="med"/>
+                    </a:lnT>
+                  </a:tcPr>
+                </a:tc>
+                <a:tc>
+                  <a:txBody>
+                    <a:bodyPr/>
+                    <a:lstStyle/>
+                    <a:p>
+                      <a:pPr algn="ctr" fontAlgn="b"/>
+                      <a:r>
+                        <a:rPr lang="en-US" sz="1000" u="none" strike="noStrike" dirty="0">
+                          <a:effectLst/>
+                          <a:latin typeface="Arial" panose="020B0604020202020204" pitchFamily="34" charset="0"/>
+                          <a:cs typeface="Arial" panose="020B0604020202020204" pitchFamily="34" charset="0"/>
+                        </a:rPr>
+                        <a:t>N</a:t>
+                      </a:r>
+                      <a:endParaRPr lang="en-US" sz="1000" b="0" i="0" u="none" strike="noStrike" dirty="0">
+                        <a:solidFill>
+                          <a:srgbClr val="000000"/>
+                        </a:solidFill>
+                        <a:effectLst/>
+                        <a:latin typeface="Arial" panose="020B0604020202020204" pitchFamily="34" charset="0"/>
+                        <a:cs typeface="Arial" panose="020B0604020202020204" pitchFamily="34" charset="0"/>
+                      </a:endParaRPr>
+                    </a:p>
+                  </a:txBody>
+                  <a:tcPr marL="18296" marR="18296" marT="18296" marB="0" anchor="ctr">
+                    <a:lnR w="12700" cap="flat" cmpd="sng" algn="ctr">
+                      <a:solidFill>
+                        <a:schemeClr val="tx1"/>
+                      </a:solidFill>
+                      <a:prstDash val="solid"/>
+                      <a:round/>
+                      <a:headEnd type="none" w="med" len="med"/>
+                      <a:tailEnd type="none" w="med" len="med"/>
+                    </a:lnR>
+                    <a:lnT w="12700" cap="flat" cmpd="sng" algn="ctr">
+                      <a:solidFill>
+                        <a:schemeClr val="tx1"/>
+                      </a:solidFill>
+                      <a:prstDash val="solid"/>
+                      <a:round/>
+                      <a:headEnd type="none" w="med" len="med"/>
+                      <a:tailEnd type="none" w="med" len="med"/>
+                    </a:lnT>
+                  </a:tcPr>
+                </a:tc>
+              </a:tr>
+              <a:tr h="274320">
+                <a:tc>
+                  <a:txBody>
+                    <a:bodyPr/>
+                    <a:lstStyle/>
+                    <a:p>
+                      <a:pPr algn="ctr" fontAlgn="b"/>
+                      <a:r>
+                        <a:rPr lang="en-US" sz="1000" u="none" strike="noStrike" dirty="0">
+                          <a:effectLst/>
+                          <a:latin typeface="Arial" panose="020B0604020202020204" pitchFamily="34" charset="0"/>
+                          <a:cs typeface="Arial" panose="020B0604020202020204" pitchFamily="34" charset="0"/>
+                        </a:rPr>
+                        <a:t>∆</a:t>
+                      </a:r>
+                      <a:r>
+                        <a:rPr lang="en-US" sz="1000" u="none" strike="noStrike" dirty="0" err="1">
+                          <a:effectLst/>
+                          <a:latin typeface="Arial" panose="020B0604020202020204" pitchFamily="34" charset="0"/>
+                          <a:cs typeface="Arial" panose="020B0604020202020204" pitchFamily="34" charset="0"/>
+                        </a:rPr>
+                        <a:t>mtd</a:t>
+                      </a:r>
+                      <a:endParaRPr lang="en-US" sz="1000" b="0" i="0" u="none" strike="noStrike" dirty="0">
+                        <a:solidFill>
+                          <a:srgbClr val="000000"/>
+                        </a:solidFill>
+                        <a:effectLst/>
+                        <a:latin typeface="Arial" panose="020B0604020202020204" pitchFamily="34" charset="0"/>
+                        <a:cs typeface="Arial" panose="020B0604020202020204" pitchFamily="34" charset="0"/>
+                      </a:endParaRPr>
+                    </a:p>
+                  </a:txBody>
+                  <a:tcPr marL="18296" marR="18296" marT="18296" marB="0" anchor="ctr">
+                    <a:lnL w="12700" cap="flat" cmpd="sng" algn="ctr">
+                      <a:solidFill>
+                        <a:schemeClr val="tx1"/>
+                      </a:solidFill>
+                      <a:prstDash val="solid"/>
+                      <a:round/>
+                      <a:headEnd type="none" w="med" len="med"/>
+                      <a:tailEnd type="none" w="med" len="med"/>
+                    </a:lnL>
+                    <a:lnR w="12700" cap="flat" cmpd="sng" algn="ctr">
+                      <a:solidFill>
+                        <a:schemeClr val="tx1"/>
+                      </a:solidFill>
+                      <a:prstDash val="solid"/>
+                      <a:round/>
+                      <a:headEnd type="none" w="med" len="med"/>
+                      <a:tailEnd type="none" w="med" len="med"/>
+                    </a:lnR>
+                  </a:tcPr>
+                </a:tc>
+                <a:tc>
+                  <a:txBody>
+                    <a:bodyPr/>
+                    <a:lstStyle/>
+                    <a:p>
+                      <a:pPr algn="ctr" fontAlgn="b"/>
+                      <a:r>
+                        <a:rPr lang="en-US" sz="1000" u="none" strike="noStrike" dirty="0">
+                          <a:effectLst/>
+                          <a:latin typeface="Arial" panose="020B0604020202020204" pitchFamily="34" charset="0"/>
+                          <a:cs typeface="Arial" panose="020B0604020202020204" pitchFamily="34" charset="0"/>
+                        </a:rPr>
+                        <a:t>N</a:t>
+                      </a:r>
+                      <a:endParaRPr lang="en-US" sz="1000" b="0" i="0" u="none" strike="noStrike" dirty="0">
+                        <a:solidFill>
+                          <a:srgbClr val="000000"/>
+                        </a:solidFill>
+                        <a:effectLst/>
+                        <a:latin typeface="Arial" panose="020B0604020202020204" pitchFamily="34" charset="0"/>
+                        <a:cs typeface="Arial" panose="020B0604020202020204" pitchFamily="34" charset="0"/>
+                      </a:endParaRPr>
+                    </a:p>
+                  </a:txBody>
+                  <a:tcPr marL="18296" marR="18296" marT="18296" marB="0" anchor="ctr">
+                    <a:lnL w="12700" cap="flat" cmpd="sng" algn="ctr">
+                      <a:solidFill>
+                        <a:schemeClr val="tx1"/>
+                      </a:solidFill>
+                      <a:prstDash val="solid"/>
+                      <a:round/>
+                      <a:headEnd type="none" w="med" len="med"/>
+                      <a:tailEnd type="none" w="med" len="med"/>
+                    </a:lnL>
+                    <a:solidFill>
+                      <a:srgbClr val="92D050"/>
+                    </a:solidFill>
+                  </a:tcPr>
+                </a:tc>
+                <a:tc>
+                  <a:txBody>
+                    <a:bodyPr/>
+                    <a:lstStyle/>
+                    <a:p>
+                      <a:pPr algn="ctr" fontAlgn="b"/>
+                      <a:r>
+                        <a:rPr lang="en-US" sz="1000" u="none" strike="noStrike" dirty="0">
+                          <a:effectLst/>
+                          <a:latin typeface="Arial" panose="020B0604020202020204" pitchFamily="34" charset="0"/>
+                          <a:cs typeface="Arial" panose="020B0604020202020204" pitchFamily="34" charset="0"/>
+                        </a:rPr>
+                        <a:t>N</a:t>
+                      </a:r>
+                      <a:endParaRPr lang="en-US" sz="1000" b="0" i="0" u="none" strike="noStrike" dirty="0">
+                        <a:solidFill>
+                          <a:srgbClr val="000000"/>
+                        </a:solidFill>
+                        <a:effectLst/>
+                        <a:latin typeface="Arial" panose="020B0604020202020204" pitchFamily="34" charset="0"/>
+                        <a:cs typeface="Arial" panose="020B0604020202020204" pitchFamily="34" charset="0"/>
+                      </a:endParaRPr>
+                    </a:p>
+                  </a:txBody>
+                  <a:tcPr marL="18296" marR="18296" marT="18296" marB="0" anchor="ctr">
+                    <a:solidFill>
+                      <a:srgbClr val="92D050"/>
+                    </a:solidFill>
+                  </a:tcPr>
+                </a:tc>
+                <a:tc>
+                  <a:txBody>
+                    <a:bodyPr/>
+                    <a:lstStyle/>
+                    <a:p>
+                      <a:pPr algn="ctr" fontAlgn="b"/>
+                      <a:r>
+                        <a:rPr lang="en-US" sz="1000" u="none" strike="noStrike" dirty="0">
+                          <a:effectLst/>
+                          <a:latin typeface="Arial" panose="020B0604020202020204" pitchFamily="34" charset="0"/>
+                          <a:cs typeface="Arial" panose="020B0604020202020204" pitchFamily="34" charset="0"/>
+                        </a:rPr>
+                        <a:t>N</a:t>
+                      </a:r>
+                      <a:endParaRPr lang="en-US" sz="1000" b="0" i="0" u="none" strike="noStrike" dirty="0">
+                        <a:solidFill>
+                          <a:srgbClr val="000000"/>
+                        </a:solidFill>
+                        <a:effectLst/>
+                        <a:latin typeface="Arial" panose="020B0604020202020204" pitchFamily="34" charset="0"/>
+                        <a:cs typeface="Arial" panose="020B0604020202020204" pitchFamily="34" charset="0"/>
+                      </a:endParaRPr>
+                    </a:p>
+                  </a:txBody>
+                  <a:tcPr marL="18296" marR="18296" marT="18296" marB="0" anchor="ctr"/>
+                </a:tc>
+                <a:tc>
+                  <a:txBody>
+                    <a:bodyPr/>
+                    <a:lstStyle/>
+                    <a:p>
+                      <a:pPr algn="ctr" fontAlgn="b"/>
+                      <a:r>
+                        <a:rPr lang="en-US" sz="1000" u="none" strike="noStrike" dirty="0">
+                          <a:effectLst/>
+                          <a:latin typeface="Arial" panose="020B0604020202020204" pitchFamily="34" charset="0"/>
+                          <a:cs typeface="Arial" panose="020B0604020202020204" pitchFamily="34" charset="0"/>
+                        </a:rPr>
+                        <a:t>N</a:t>
+                      </a:r>
+                      <a:endParaRPr lang="en-US" sz="1000" b="0" i="0" u="none" strike="noStrike" dirty="0">
+                        <a:solidFill>
+                          <a:srgbClr val="000000"/>
+                        </a:solidFill>
+                        <a:effectLst/>
+                        <a:latin typeface="Arial" panose="020B0604020202020204" pitchFamily="34" charset="0"/>
+                        <a:cs typeface="Arial" panose="020B0604020202020204" pitchFamily="34" charset="0"/>
+                      </a:endParaRPr>
+                    </a:p>
+                  </a:txBody>
+                  <a:tcPr marL="18296" marR="18296" marT="18296" marB="0" anchor="ctr">
+                    <a:lnR w="12700" cap="flat" cmpd="sng" algn="ctr">
+                      <a:solidFill>
+                        <a:schemeClr val="tx1"/>
+                      </a:solidFill>
+                      <a:prstDash val="solid"/>
+                      <a:round/>
+                      <a:headEnd type="none" w="med" len="med"/>
+                      <a:tailEnd type="none" w="med" len="med"/>
+                    </a:lnR>
+                  </a:tcPr>
+                </a:tc>
+              </a:tr>
+              <a:tr h="274320">
+                <a:tc>
+                  <a:txBody>
+                    <a:bodyPr/>
+                    <a:lstStyle/>
+                    <a:p>
+                      <a:pPr algn="ctr" fontAlgn="b"/>
+                      <a:r>
+                        <a:rPr lang="en-US" sz="1000" u="none" strike="noStrike" dirty="0">
+                          <a:effectLst/>
+                          <a:latin typeface="Arial" panose="020B0604020202020204" pitchFamily="34" charset="0"/>
+                          <a:cs typeface="Arial" panose="020B0604020202020204" pitchFamily="34" charset="0"/>
+                        </a:rPr>
+                        <a:t>∆</a:t>
+                      </a:r>
+                      <a:r>
+                        <a:rPr lang="en-US" sz="1000" u="none" strike="noStrike" dirty="0" err="1">
+                          <a:effectLst/>
+                          <a:latin typeface="Arial" panose="020B0604020202020204" pitchFamily="34" charset="0"/>
+                          <a:cs typeface="Arial" panose="020B0604020202020204" pitchFamily="34" charset="0"/>
+                        </a:rPr>
+                        <a:t>frcA</a:t>
+                      </a:r>
+                      <a:endParaRPr lang="en-US" sz="1000" b="0" i="0" u="none" strike="noStrike" dirty="0">
+                        <a:solidFill>
+                          <a:srgbClr val="000000"/>
+                        </a:solidFill>
+                        <a:effectLst/>
+                        <a:latin typeface="Arial" panose="020B0604020202020204" pitchFamily="34" charset="0"/>
+                        <a:cs typeface="Arial" panose="020B0604020202020204" pitchFamily="34" charset="0"/>
+                      </a:endParaRPr>
+                    </a:p>
+                  </a:txBody>
+                  <a:tcPr marL="18296" marR="18296" marT="18296" marB="0" anchor="ctr">
+                    <a:lnL w="12700" cap="flat" cmpd="sng" algn="ctr">
+                      <a:solidFill>
+                        <a:schemeClr val="tx1"/>
+                      </a:solidFill>
+                      <a:prstDash val="solid"/>
+                      <a:round/>
+                      <a:headEnd type="none" w="med" len="med"/>
+                      <a:tailEnd type="none" w="med" len="med"/>
+                    </a:lnL>
+                    <a:lnR w="12700" cap="flat" cmpd="sng" algn="ctr">
+                      <a:solidFill>
+                        <a:schemeClr val="tx1"/>
+                      </a:solidFill>
+                      <a:prstDash val="solid"/>
+                      <a:round/>
+                      <a:headEnd type="none" w="med" len="med"/>
+                      <a:tailEnd type="none" w="med" len="med"/>
+                    </a:lnR>
+                  </a:tcPr>
+                </a:tc>
+                <a:tc>
+                  <a:txBody>
+                    <a:bodyPr/>
+                    <a:lstStyle/>
+                    <a:p>
+                      <a:pPr algn="ctr" fontAlgn="b"/>
+                      <a:r>
+                        <a:rPr lang="en-US" sz="1000" u="none" strike="noStrike" dirty="0">
+                          <a:effectLst/>
+                          <a:latin typeface="Arial" panose="020B0604020202020204" pitchFamily="34" charset="0"/>
+                          <a:cs typeface="Arial" panose="020B0604020202020204" pitchFamily="34" charset="0"/>
+                        </a:rPr>
+                        <a:t>N</a:t>
+                      </a:r>
+                      <a:endParaRPr lang="en-US" sz="1000" b="0" i="0" u="none" strike="noStrike" dirty="0">
+                        <a:solidFill>
+                          <a:srgbClr val="000000"/>
+                        </a:solidFill>
+                        <a:effectLst/>
+                        <a:latin typeface="Arial" panose="020B0604020202020204" pitchFamily="34" charset="0"/>
+                        <a:cs typeface="Arial" panose="020B0604020202020204" pitchFamily="34" charset="0"/>
+                      </a:endParaRPr>
+                    </a:p>
+                  </a:txBody>
+                  <a:tcPr marL="18296" marR="18296" marT="18296" marB="0" anchor="ctr">
+                    <a:lnL w="12700" cap="flat" cmpd="sng" algn="ctr">
+                      <a:solidFill>
+                        <a:schemeClr val="tx1"/>
+                      </a:solidFill>
+                      <a:prstDash val="solid"/>
+                      <a:round/>
+                      <a:headEnd type="none" w="med" len="med"/>
+                      <a:tailEnd type="none" w="med" len="med"/>
+                    </a:lnL>
+                    <a:solidFill>
+                      <a:srgbClr val="92D050"/>
+                    </a:solidFill>
+                  </a:tcPr>
+                </a:tc>
+                <a:tc>
+                  <a:txBody>
+                    <a:bodyPr/>
+                    <a:lstStyle/>
+                    <a:p>
+                      <a:pPr algn="ctr" fontAlgn="b"/>
+                      <a:r>
+                        <a:rPr lang="en-US" sz="1000" u="none" strike="noStrike" dirty="0">
+                          <a:effectLst/>
+                          <a:latin typeface="Arial" panose="020B0604020202020204" pitchFamily="34" charset="0"/>
+                          <a:cs typeface="Arial" panose="020B0604020202020204" pitchFamily="34" charset="0"/>
+                        </a:rPr>
+                        <a:t>N</a:t>
+                      </a:r>
+                      <a:endParaRPr lang="en-US" sz="1000" b="0" i="0" u="none" strike="noStrike" dirty="0">
+                        <a:solidFill>
+                          <a:srgbClr val="000000"/>
+                        </a:solidFill>
+                        <a:effectLst/>
+                        <a:latin typeface="Arial" panose="020B0604020202020204" pitchFamily="34" charset="0"/>
+                        <a:cs typeface="Arial" panose="020B0604020202020204" pitchFamily="34" charset="0"/>
+                      </a:endParaRPr>
+                    </a:p>
+                  </a:txBody>
+                  <a:tcPr marL="18296" marR="18296" marT="18296" marB="0" anchor="ctr">
+                    <a:solidFill>
+                      <a:srgbClr val="92D050"/>
+                    </a:solidFill>
+                  </a:tcPr>
+                </a:tc>
+                <a:tc>
+                  <a:txBody>
+                    <a:bodyPr/>
+                    <a:lstStyle/>
+                    <a:p>
+                      <a:pPr algn="ctr" fontAlgn="b"/>
+                      <a:r>
+                        <a:rPr lang="en-US" sz="1000" u="none" strike="noStrike" dirty="0">
+                          <a:effectLst/>
+                          <a:latin typeface="Arial" panose="020B0604020202020204" pitchFamily="34" charset="0"/>
+                          <a:cs typeface="Arial" panose="020B0604020202020204" pitchFamily="34" charset="0"/>
+                        </a:rPr>
+                        <a:t>N</a:t>
+                      </a:r>
+                      <a:endParaRPr lang="en-US" sz="1000" b="0" i="0" u="none" strike="noStrike" dirty="0">
+                        <a:solidFill>
+                          <a:srgbClr val="000000"/>
+                        </a:solidFill>
+                        <a:effectLst/>
+                        <a:latin typeface="Arial" panose="020B0604020202020204" pitchFamily="34" charset="0"/>
+                        <a:cs typeface="Arial" panose="020B0604020202020204" pitchFamily="34" charset="0"/>
+                      </a:endParaRPr>
+                    </a:p>
+                  </a:txBody>
+                  <a:tcPr marL="18296" marR="18296" marT="18296" marB="0" anchor="ctr"/>
+                </a:tc>
+                <a:tc>
+                  <a:txBody>
+                    <a:bodyPr/>
+                    <a:lstStyle/>
+                    <a:p>
+                      <a:pPr algn="ctr" fontAlgn="b"/>
+                      <a:r>
+                        <a:rPr lang="en-US" sz="1000" u="none" strike="noStrike" dirty="0">
+                          <a:effectLst/>
+                          <a:latin typeface="Arial" panose="020B0604020202020204" pitchFamily="34" charset="0"/>
+                          <a:cs typeface="Arial" panose="020B0604020202020204" pitchFamily="34" charset="0"/>
+                        </a:rPr>
+                        <a:t>N</a:t>
+                      </a:r>
+                      <a:endParaRPr lang="en-US" sz="1000" b="0" i="0" u="none" strike="noStrike" dirty="0">
+                        <a:solidFill>
+                          <a:srgbClr val="000000"/>
+                        </a:solidFill>
+                        <a:effectLst/>
+                        <a:latin typeface="Arial" panose="020B0604020202020204" pitchFamily="34" charset="0"/>
+                        <a:cs typeface="Arial" panose="020B0604020202020204" pitchFamily="34" charset="0"/>
+                      </a:endParaRPr>
+                    </a:p>
+                  </a:txBody>
+                  <a:tcPr marL="18296" marR="18296" marT="18296" marB="0" anchor="ctr">
+                    <a:lnR w="12700" cap="flat" cmpd="sng" algn="ctr">
+                      <a:solidFill>
+                        <a:schemeClr val="tx1"/>
+                      </a:solidFill>
+                      <a:prstDash val="solid"/>
+                      <a:round/>
+                      <a:headEnd type="none" w="med" len="med"/>
+                      <a:tailEnd type="none" w="med" len="med"/>
+                    </a:lnR>
+                  </a:tcPr>
+                </a:tc>
+              </a:tr>
+              <a:tr h="274320">
+                <a:tc>
+                  <a:txBody>
+                    <a:bodyPr/>
+                    <a:lstStyle/>
+                    <a:p>
+                      <a:pPr algn="ctr" fontAlgn="b"/>
+                      <a:r>
+                        <a:rPr lang="en-US" sz="1000" u="none" strike="noStrike" dirty="0">
+                          <a:effectLst/>
+                          <a:latin typeface="Arial" panose="020B0604020202020204" pitchFamily="34" charset="0"/>
+                          <a:cs typeface="Arial" panose="020B0604020202020204" pitchFamily="34" charset="0"/>
+                        </a:rPr>
+                        <a:t>∆</a:t>
+                      </a:r>
+                      <a:r>
+                        <a:rPr lang="en-US" sz="1000" u="none" strike="noStrike" dirty="0" err="1">
+                          <a:effectLst/>
+                          <a:latin typeface="Arial" panose="020B0604020202020204" pitchFamily="34" charset="0"/>
+                          <a:cs typeface="Arial" panose="020B0604020202020204" pitchFamily="34" charset="0"/>
+                        </a:rPr>
+                        <a:t>fruA</a:t>
+                      </a:r>
+                      <a:endParaRPr lang="en-US" sz="1000" b="0" i="0" u="none" strike="noStrike" dirty="0">
+                        <a:solidFill>
+                          <a:srgbClr val="000000"/>
+                        </a:solidFill>
+                        <a:effectLst/>
+                        <a:latin typeface="Arial" panose="020B0604020202020204" pitchFamily="34" charset="0"/>
+                        <a:cs typeface="Arial" panose="020B0604020202020204" pitchFamily="34" charset="0"/>
+                      </a:endParaRPr>
+                    </a:p>
+                  </a:txBody>
+                  <a:tcPr marL="18296" marR="18296" marT="18296" marB="0" anchor="ctr">
+                    <a:lnL w="12700" cap="flat" cmpd="sng" algn="ctr">
+                      <a:solidFill>
+                        <a:schemeClr val="tx1"/>
+                      </a:solidFill>
+                      <a:prstDash val="solid"/>
+                      <a:round/>
+                      <a:headEnd type="none" w="med" len="med"/>
+                      <a:tailEnd type="none" w="med" len="med"/>
+                    </a:lnL>
+                    <a:lnR w="12700" cap="flat" cmpd="sng" algn="ctr">
+                      <a:solidFill>
+                        <a:schemeClr val="tx1"/>
+                      </a:solidFill>
+                      <a:prstDash val="solid"/>
+                      <a:round/>
+                      <a:headEnd type="none" w="med" len="med"/>
+                      <a:tailEnd type="none" w="med" len="med"/>
+                    </a:lnR>
+                  </a:tcPr>
+                </a:tc>
+                <a:tc>
+                  <a:txBody>
+                    <a:bodyPr/>
+                    <a:lstStyle/>
+                    <a:p>
+                      <a:pPr algn="ctr" fontAlgn="b"/>
+                      <a:r>
+                        <a:rPr lang="en-US" sz="1000" u="none" strike="noStrike" dirty="0">
+                          <a:effectLst/>
+                          <a:latin typeface="Arial" panose="020B0604020202020204" pitchFamily="34" charset="0"/>
+                          <a:cs typeface="Arial" panose="020B0604020202020204" pitchFamily="34" charset="0"/>
+                        </a:rPr>
+                        <a:t>N</a:t>
+                      </a:r>
+                      <a:endParaRPr lang="en-US" sz="1000" b="0" i="0" u="none" strike="noStrike" dirty="0">
+                        <a:solidFill>
+                          <a:srgbClr val="000000"/>
+                        </a:solidFill>
+                        <a:effectLst/>
+                        <a:latin typeface="Arial" panose="020B0604020202020204" pitchFamily="34" charset="0"/>
+                        <a:cs typeface="Arial" panose="020B0604020202020204" pitchFamily="34" charset="0"/>
+                      </a:endParaRPr>
+                    </a:p>
+                  </a:txBody>
+                  <a:tcPr marL="18296" marR="18296" marT="18296" marB="0" anchor="ctr">
+                    <a:lnL w="12700" cap="flat" cmpd="sng" algn="ctr">
+                      <a:solidFill>
+                        <a:schemeClr val="tx1"/>
+                      </a:solidFill>
+                      <a:prstDash val="solid"/>
+                      <a:round/>
+                      <a:headEnd type="none" w="med" len="med"/>
+                      <a:tailEnd type="none" w="med" len="med"/>
+                    </a:lnL>
+                    <a:solidFill>
+                      <a:srgbClr val="92D050"/>
+                    </a:solidFill>
+                  </a:tcPr>
+                </a:tc>
+                <a:tc>
+                  <a:txBody>
+                    <a:bodyPr/>
+                    <a:lstStyle/>
+                    <a:p>
+                      <a:pPr algn="ctr" fontAlgn="b"/>
+                      <a:r>
+                        <a:rPr lang="en-US" sz="1000" u="none" strike="noStrike" dirty="0">
+                          <a:effectLst/>
+                          <a:latin typeface="Arial" panose="020B0604020202020204" pitchFamily="34" charset="0"/>
+                          <a:cs typeface="Arial" panose="020B0604020202020204" pitchFamily="34" charset="0"/>
+                        </a:rPr>
+                        <a:t>N</a:t>
+                      </a:r>
+                      <a:endParaRPr lang="en-US" sz="1000" b="0" i="0" u="none" strike="noStrike" dirty="0">
+                        <a:solidFill>
+                          <a:srgbClr val="000000"/>
+                        </a:solidFill>
+                        <a:effectLst/>
+                        <a:latin typeface="Arial" panose="020B0604020202020204" pitchFamily="34" charset="0"/>
+                        <a:cs typeface="Arial" panose="020B0604020202020204" pitchFamily="34" charset="0"/>
+                      </a:endParaRPr>
+                    </a:p>
+                  </a:txBody>
+                  <a:tcPr marL="18296" marR="18296" marT="18296" marB="0" anchor="ctr">
+                    <a:solidFill>
+                      <a:srgbClr val="92D050"/>
+                    </a:solidFill>
+                  </a:tcPr>
+                </a:tc>
+                <a:tc>
+                  <a:txBody>
+                    <a:bodyPr/>
+                    <a:lstStyle/>
+                    <a:p>
+                      <a:pPr algn="ctr" fontAlgn="b"/>
+                      <a:r>
+                        <a:rPr lang="en-US" sz="1000" u="none" strike="noStrike" dirty="0">
+                          <a:effectLst/>
+                          <a:latin typeface="Arial" panose="020B0604020202020204" pitchFamily="34" charset="0"/>
+                          <a:cs typeface="Arial" panose="020B0604020202020204" pitchFamily="34" charset="0"/>
+                        </a:rPr>
+                        <a:t>N</a:t>
+                      </a:r>
+                      <a:endParaRPr lang="en-US" sz="1000" b="0" i="0" u="none" strike="noStrike" dirty="0">
+                        <a:solidFill>
+                          <a:srgbClr val="000000"/>
+                        </a:solidFill>
+                        <a:effectLst/>
+                        <a:latin typeface="Arial" panose="020B0604020202020204" pitchFamily="34" charset="0"/>
+                        <a:cs typeface="Arial" panose="020B0604020202020204" pitchFamily="34" charset="0"/>
+                      </a:endParaRPr>
+                    </a:p>
+                  </a:txBody>
+                  <a:tcPr marL="18296" marR="18296" marT="18296" marB="0" anchor="ctr"/>
+                </a:tc>
+                <a:tc>
+                  <a:txBody>
+                    <a:bodyPr/>
+                    <a:lstStyle/>
+                    <a:p>
+                      <a:pPr algn="ctr" fontAlgn="b"/>
+                      <a:r>
+                        <a:rPr lang="en-US" sz="1000" u="none" strike="noStrike">
+                          <a:effectLst/>
+                          <a:latin typeface="Arial" panose="020B0604020202020204" pitchFamily="34" charset="0"/>
+                          <a:cs typeface="Arial" panose="020B0604020202020204" pitchFamily="34" charset="0"/>
+                        </a:rPr>
+                        <a:t>N</a:t>
+                      </a:r>
+                      <a:endParaRPr lang="en-US" sz="1000" b="0" i="0" u="none" strike="noStrike">
+                        <a:solidFill>
+                          <a:srgbClr val="000000"/>
+                        </a:solidFill>
+                        <a:effectLst/>
+                        <a:latin typeface="Arial" panose="020B0604020202020204" pitchFamily="34" charset="0"/>
+                        <a:cs typeface="Arial" panose="020B0604020202020204" pitchFamily="34" charset="0"/>
+                      </a:endParaRPr>
+                    </a:p>
+                  </a:txBody>
+                  <a:tcPr marL="18296" marR="18296" marT="18296" marB="0" anchor="ctr">
+                    <a:lnR w="12700" cap="flat" cmpd="sng" algn="ctr">
+                      <a:solidFill>
+                        <a:schemeClr val="tx1"/>
+                      </a:solidFill>
+                      <a:prstDash val="solid"/>
+                      <a:round/>
+                      <a:headEnd type="none" w="med" len="med"/>
+                      <a:tailEnd type="none" w="med" len="med"/>
+                    </a:lnR>
+                  </a:tcPr>
+                </a:tc>
+              </a:tr>
+              <a:tr h="274320">
+                <a:tc>
+                  <a:txBody>
+                    <a:bodyPr/>
+                    <a:lstStyle/>
+                    <a:p>
+                      <a:pPr algn="ctr" fontAlgn="b"/>
+                      <a:r>
+                        <a:rPr lang="en-US" sz="1000" u="none" strike="noStrike" dirty="0">
+                          <a:effectLst/>
+                          <a:latin typeface="Arial" panose="020B0604020202020204" pitchFamily="34" charset="0"/>
+                          <a:cs typeface="Arial" panose="020B0604020202020204" pitchFamily="34" charset="0"/>
+                        </a:rPr>
+                        <a:t>∆</a:t>
+                      </a:r>
+                      <a:r>
+                        <a:rPr lang="en-US" sz="1000" u="none" strike="noStrike" dirty="0" err="1">
+                          <a:effectLst/>
+                          <a:latin typeface="Arial" panose="020B0604020202020204" pitchFamily="34" charset="0"/>
+                          <a:cs typeface="Arial" panose="020B0604020202020204" pitchFamily="34" charset="0"/>
+                        </a:rPr>
+                        <a:t>frcA∆fruA</a:t>
+                      </a:r>
+                      <a:endParaRPr lang="en-US" sz="1000" b="0" i="0" u="none" strike="noStrike" dirty="0">
+                        <a:solidFill>
+                          <a:srgbClr val="000000"/>
+                        </a:solidFill>
+                        <a:effectLst/>
+                        <a:latin typeface="Arial" panose="020B0604020202020204" pitchFamily="34" charset="0"/>
+                        <a:cs typeface="Arial" panose="020B0604020202020204" pitchFamily="34" charset="0"/>
+                      </a:endParaRPr>
+                    </a:p>
+                  </a:txBody>
+                  <a:tcPr marL="18296" marR="18296" marT="18296" marB="0" anchor="ctr">
+                    <a:lnL w="12700" cap="flat" cmpd="sng" algn="ctr">
+                      <a:solidFill>
+                        <a:schemeClr val="tx1"/>
+                      </a:solidFill>
+                      <a:prstDash val="solid"/>
+                      <a:round/>
+                      <a:headEnd type="none" w="med" len="med"/>
+                      <a:tailEnd type="none" w="med" len="med"/>
+                    </a:lnL>
+                    <a:lnR w="12700" cap="flat" cmpd="sng" algn="ctr">
+                      <a:solidFill>
+                        <a:schemeClr val="tx1"/>
+                      </a:solidFill>
+                      <a:prstDash val="solid"/>
+                      <a:round/>
+                      <a:headEnd type="none" w="med" len="med"/>
+                      <a:tailEnd type="none" w="med" len="med"/>
+                    </a:lnR>
+                  </a:tcPr>
+                </a:tc>
+                <a:tc>
+                  <a:txBody>
+                    <a:bodyPr/>
+                    <a:lstStyle/>
+                    <a:p>
+                      <a:pPr algn="ctr" fontAlgn="b"/>
+                      <a:r>
+                        <a:rPr lang="en-US" sz="1000" u="none" strike="noStrike" dirty="0">
+                          <a:effectLst/>
+                          <a:latin typeface="Arial" panose="020B0604020202020204" pitchFamily="34" charset="0"/>
+                          <a:cs typeface="Arial" panose="020B0604020202020204" pitchFamily="34" charset="0"/>
+                        </a:rPr>
+                        <a:t>N</a:t>
+                      </a:r>
+                      <a:endParaRPr lang="en-US" sz="1000" b="0" i="0" u="none" strike="noStrike" dirty="0">
+                        <a:solidFill>
+                          <a:srgbClr val="000000"/>
+                        </a:solidFill>
+                        <a:effectLst/>
+                        <a:latin typeface="Arial" panose="020B0604020202020204" pitchFamily="34" charset="0"/>
+                        <a:cs typeface="Arial" panose="020B0604020202020204" pitchFamily="34" charset="0"/>
+                      </a:endParaRPr>
+                    </a:p>
+                  </a:txBody>
+                  <a:tcPr marL="18296" marR="18296" marT="18296" marB="0" anchor="ctr">
+                    <a:lnL w="12700" cap="flat" cmpd="sng" algn="ctr">
+                      <a:solidFill>
+                        <a:schemeClr val="tx1"/>
+                      </a:solidFill>
+                      <a:prstDash val="solid"/>
+                      <a:round/>
+                      <a:headEnd type="none" w="med" len="med"/>
+                      <a:tailEnd type="none" w="med" len="med"/>
+                    </a:lnL>
+                    <a:solidFill>
+                      <a:srgbClr val="92D050"/>
+                    </a:solidFill>
+                  </a:tcPr>
+                </a:tc>
+                <a:tc>
+                  <a:txBody>
+                    <a:bodyPr/>
+                    <a:lstStyle/>
+                    <a:p>
+                      <a:pPr algn="ctr" fontAlgn="b"/>
+                      <a:r>
+                        <a:rPr lang="en-US" sz="1000" u="none" strike="noStrike" dirty="0">
+                          <a:effectLst/>
+                          <a:latin typeface="Arial" panose="020B0604020202020204" pitchFamily="34" charset="0"/>
+                          <a:cs typeface="Arial" panose="020B0604020202020204" pitchFamily="34" charset="0"/>
+                        </a:rPr>
+                        <a:t>N</a:t>
+                      </a:r>
+                      <a:endParaRPr lang="en-US" sz="1000" b="0" i="0" u="none" strike="noStrike" dirty="0">
+                        <a:solidFill>
+                          <a:srgbClr val="000000"/>
+                        </a:solidFill>
+                        <a:effectLst/>
+                        <a:latin typeface="Arial" panose="020B0604020202020204" pitchFamily="34" charset="0"/>
+                        <a:cs typeface="Arial" panose="020B0604020202020204" pitchFamily="34" charset="0"/>
+                      </a:endParaRPr>
+                    </a:p>
+                  </a:txBody>
+                  <a:tcPr marL="18296" marR="18296" marT="18296" marB="0" anchor="ctr">
+                    <a:solidFill>
+                      <a:srgbClr val="92D050"/>
+                    </a:solidFill>
+                  </a:tcPr>
+                </a:tc>
+                <a:tc>
+                  <a:txBody>
+                    <a:bodyPr/>
+                    <a:lstStyle/>
+                    <a:p>
+                      <a:pPr algn="ctr" fontAlgn="b"/>
+                      <a:r>
+                        <a:rPr lang="en-US" sz="1000" u="none" strike="noStrike" dirty="0">
+                          <a:effectLst/>
+                          <a:latin typeface="Arial" panose="020B0604020202020204" pitchFamily="34" charset="0"/>
+                          <a:cs typeface="Arial" panose="020B0604020202020204" pitchFamily="34" charset="0"/>
+                        </a:rPr>
+                        <a:t>N</a:t>
+                      </a:r>
+                      <a:endParaRPr lang="en-US" sz="1000" b="0" i="0" u="none" strike="noStrike" dirty="0">
+                        <a:solidFill>
+                          <a:srgbClr val="000000"/>
+                        </a:solidFill>
+                        <a:effectLst/>
+                        <a:latin typeface="Arial" panose="020B0604020202020204" pitchFamily="34" charset="0"/>
+                        <a:cs typeface="Arial" panose="020B0604020202020204" pitchFamily="34" charset="0"/>
+                      </a:endParaRPr>
+                    </a:p>
+                  </a:txBody>
+                  <a:tcPr marL="18296" marR="18296" marT="18296" marB="0" anchor="ctr"/>
+                </a:tc>
+                <a:tc>
+                  <a:txBody>
+                    <a:bodyPr/>
+                    <a:lstStyle/>
+                    <a:p>
+                      <a:pPr algn="ctr" fontAlgn="b"/>
+                      <a:r>
+                        <a:rPr lang="en-US" sz="1000" u="none" strike="noStrike">
+                          <a:effectLst/>
+                          <a:latin typeface="Arial" panose="020B0604020202020204" pitchFamily="34" charset="0"/>
+                          <a:cs typeface="Arial" panose="020B0604020202020204" pitchFamily="34" charset="0"/>
+                        </a:rPr>
+                        <a:t>N</a:t>
+                      </a:r>
+                      <a:endParaRPr lang="en-US" sz="1000" b="0" i="0" u="none" strike="noStrike">
+                        <a:solidFill>
+                          <a:srgbClr val="000000"/>
+                        </a:solidFill>
+                        <a:effectLst/>
+                        <a:latin typeface="Arial" panose="020B0604020202020204" pitchFamily="34" charset="0"/>
+                        <a:cs typeface="Arial" panose="020B0604020202020204" pitchFamily="34" charset="0"/>
+                      </a:endParaRPr>
+                    </a:p>
+                  </a:txBody>
+                  <a:tcPr marL="18296" marR="18296" marT="18296" marB="0" anchor="ctr">
+                    <a:lnR w="12700" cap="flat" cmpd="sng" algn="ctr">
+                      <a:solidFill>
+                        <a:schemeClr val="tx1"/>
+                      </a:solidFill>
+                      <a:prstDash val="solid"/>
+                      <a:round/>
+                      <a:headEnd type="none" w="med" len="med"/>
+                      <a:tailEnd type="none" w="med" len="med"/>
+                    </a:lnR>
+                  </a:tcPr>
+                </a:tc>
+              </a:tr>
+              <a:tr h="274320">
+                <a:tc>
+                  <a:txBody>
+                    <a:bodyPr/>
+                    <a:lstStyle/>
+                    <a:p>
+                      <a:pPr algn="ctr" fontAlgn="b"/>
+                      <a:r>
+                        <a:rPr lang="en-US" sz="1000" u="none" strike="noStrike" dirty="0">
+                          <a:effectLst/>
+                          <a:latin typeface="Arial" panose="020B0604020202020204" pitchFamily="34" charset="0"/>
+                          <a:cs typeface="Arial" panose="020B0604020202020204" pitchFamily="34" charset="0"/>
+                        </a:rPr>
+                        <a:t>∆</a:t>
+                      </a:r>
+                      <a:r>
+                        <a:rPr lang="en-US" sz="1000" u="none" strike="noStrike" dirty="0" err="1">
+                          <a:effectLst/>
+                          <a:latin typeface="Arial" panose="020B0604020202020204" pitchFamily="34" charset="0"/>
+                          <a:cs typeface="Arial" panose="020B0604020202020204" pitchFamily="34" charset="0"/>
+                        </a:rPr>
+                        <a:t>vhcAU∆vhuA</a:t>
+                      </a:r>
+                      <a:endParaRPr lang="en-US" sz="1000" b="0" i="0" u="none" strike="noStrike" dirty="0">
+                        <a:solidFill>
+                          <a:srgbClr val="000000"/>
+                        </a:solidFill>
+                        <a:effectLst/>
+                        <a:latin typeface="Arial" panose="020B0604020202020204" pitchFamily="34" charset="0"/>
+                        <a:cs typeface="Arial" panose="020B0604020202020204" pitchFamily="34" charset="0"/>
+                      </a:endParaRPr>
+                    </a:p>
+                  </a:txBody>
+                  <a:tcPr marL="18296" marR="18296" marT="18296" marB="0" anchor="ctr">
+                    <a:lnL w="12700" cap="flat" cmpd="sng" algn="ctr">
+                      <a:solidFill>
+                        <a:schemeClr val="tx1"/>
+                      </a:solidFill>
+                      <a:prstDash val="solid"/>
+                      <a:round/>
+                      <a:headEnd type="none" w="med" len="med"/>
+                      <a:tailEnd type="none" w="med" len="med"/>
+                    </a:lnL>
+                    <a:lnR w="12700" cap="flat" cmpd="sng" algn="ctr">
+                      <a:solidFill>
+                        <a:schemeClr val="tx1"/>
+                      </a:solidFill>
+                      <a:prstDash val="solid"/>
+                      <a:round/>
+                      <a:headEnd type="none" w="med" len="med"/>
+                      <a:tailEnd type="none" w="med" len="med"/>
+                    </a:lnR>
+                  </a:tcPr>
+                </a:tc>
+                <a:tc>
+                  <a:txBody>
+                    <a:bodyPr/>
+                    <a:lstStyle/>
+                    <a:p>
+                      <a:pPr algn="ctr" fontAlgn="b"/>
+                      <a:r>
+                        <a:rPr lang="en-US" sz="1000" u="none" strike="noStrike" dirty="0">
+                          <a:effectLst/>
+                          <a:latin typeface="Arial" panose="020B0604020202020204" pitchFamily="34" charset="0"/>
+                          <a:cs typeface="Arial" panose="020B0604020202020204" pitchFamily="34" charset="0"/>
+                        </a:rPr>
+                        <a:t>N</a:t>
+                      </a:r>
+                      <a:endParaRPr lang="en-US" sz="1000" b="0" i="0" u="none" strike="noStrike" dirty="0">
+                        <a:solidFill>
+                          <a:srgbClr val="000000"/>
+                        </a:solidFill>
+                        <a:effectLst/>
+                        <a:latin typeface="Arial" panose="020B0604020202020204" pitchFamily="34" charset="0"/>
+                        <a:cs typeface="Arial" panose="020B0604020202020204" pitchFamily="34" charset="0"/>
+                      </a:endParaRPr>
+                    </a:p>
+                  </a:txBody>
+                  <a:tcPr marL="18296" marR="18296" marT="18296" marB="0" anchor="ctr">
+                    <a:lnL w="12700" cap="flat" cmpd="sng" algn="ctr">
+                      <a:solidFill>
+                        <a:schemeClr val="tx1"/>
+                      </a:solidFill>
+                      <a:prstDash val="solid"/>
+                      <a:round/>
+                      <a:headEnd type="none" w="med" len="med"/>
+                      <a:tailEnd type="none" w="med" len="med"/>
+                    </a:lnL>
+                    <a:solidFill>
+                      <a:srgbClr val="92D050"/>
+                    </a:solidFill>
+                  </a:tcPr>
+                </a:tc>
+                <a:tc>
+                  <a:txBody>
+                    <a:bodyPr/>
+                    <a:lstStyle/>
+                    <a:p>
+                      <a:pPr algn="ctr" fontAlgn="b"/>
+                      <a:r>
+                        <a:rPr lang="en-US" sz="1000" u="none" strike="noStrike" dirty="0">
+                          <a:effectLst/>
+                          <a:latin typeface="Arial" panose="020B0604020202020204" pitchFamily="34" charset="0"/>
+                          <a:cs typeface="Arial" panose="020B0604020202020204" pitchFamily="34" charset="0"/>
+                        </a:rPr>
+                        <a:t>N</a:t>
+                      </a:r>
+                      <a:endParaRPr lang="en-US" sz="1000" b="0" i="0" u="none" strike="noStrike" dirty="0">
+                        <a:solidFill>
+                          <a:srgbClr val="000000"/>
+                        </a:solidFill>
+                        <a:effectLst/>
+                        <a:latin typeface="Arial" panose="020B0604020202020204" pitchFamily="34" charset="0"/>
+                        <a:cs typeface="Arial" panose="020B0604020202020204" pitchFamily="34" charset="0"/>
+                      </a:endParaRPr>
+                    </a:p>
+                  </a:txBody>
+                  <a:tcPr marL="18296" marR="18296" marT="18296" marB="0" anchor="ctr">
+                    <a:solidFill>
+                      <a:srgbClr val="92D050"/>
+                    </a:solidFill>
+                  </a:tcPr>
+                </a:tc>
+                <a:tc>
+                  <a:txBody>
+                    <a:bodyPr/>
+                    <a:lstStyle/>
+                    <a:p>
+                      <a:pPr algn="ctr" fontAlgn="b"/>
+                      <a:r>
+                        <a:rPr lang="en-US" sz="1000" u="none" strike="noStrike" dirty="0">
+                          <a:effectLst/>
+                          <a:latin typeface="Arial" panose="020B0604020202020204" pitchFamily="34" charset="0"/>
+                          <a:cs typeface="Arial" panose="020B0604020202020204" pitchFamily="34" charset="0"/>
+                        </a:rPr>
+                        <a:t>N</a:t>
+                      </a:r>
+                      <a:endParaRPr lang="en-US" sz="1000" b="0" i="0" u="none" strike="noStrike" dirty="0">
+                        <a:solidFill>
+                          <a:srgbClr val="000000"/>
+                        </a:solidFill>
+                        <a:effectLst/>
+                        <a:latin typeface="Arial" panose="020B0604020202020204" pitchFamily="34" charset="0"/>
+                        <a:cs typeface="Arial" panose="020B0604020202020204" pitchFamily="34" charset="0"/>
+                      </a:endParaRPr>
+                    </a:p>
+                  </a:txBody>
+                  <a:tcPr marL="18296" marR="18296" marT="18296" marB="0" anchor="ctr"/>
+                </a:tc>
+                <a:tc>
+                  <a:txBody>
+                    <a:bodyPr/>
+                    <a:lstStyle/>
+                    <a:p>
+                      <a:pPr algn="ctr" fontAlgn="b"/>
+                      <a:r>
+                        <a:rPr lang="en-US" sz="1000" u="none" strike="noStrike">
+                          <a:effectLst/>
+                          <a:latin typeface="Arial" panose="020B0604020202020204" pitchFamily="34" charset="0"/>
+                          <a:cs typeface="Arial" panose="020B0604020202020204" pitchFamily="34" charset="0"/>
+                        </a:rPr>
+                        <a:t>N</a:t>
+                      </a:r>
+                      <a:endParaRPr lang="en-US" sz="1000" b="0" i="0" u="none" strike="noStrike">
+                        <a:solidFill>
+                          <a:srgbClr val="000000"/>
+                        </a:solidFill>
+                        <a:effectLst/>
+                        <a:latin typeface="Arial" panose="020B0604020202020204" pitchFamily="34" charset="0"/>
+                        <a:cs typeface="Arial" panose="020B0604020202020204" pitchFamily="34" charset="0"/>
+                      </a:endParaRPr>
+                    </a:p>
+                  </a:txBody>
+                  <a:tcPr marL="18296" marR="18296" marT="18296" marB="0" anchor="ctr">
+                    <a:lnR w="12700" cap="flat" cmpd="sng" algn="ctr">
+                      <a:solidFill>
+                        <a:schemeClr val="tx1"/>
+                      </a:solidFill>
+                      <a:prstDash val="solid"/>
+                      <a:round/>
+                      <a:headEnd type="none" w="med" len="med"/>
+                      <a:tailEnd type="none" w="med" len="med"/>
+                    </a:lnR>
+                  </a:tcPr>
+                </a:tc>
+              </a:tr>
+              <a:tr h="274320">
+                <a:tc>
+                  <a:txBody>
+                    <a:bodyPr/>
+                    <a:lstStyle/>
+                    <a:p>
+                      <a:pPr algn="ctr" fontAlgn="b"/>
+                      <a:r>
+                        <a:rPr lang="en-US" sz="1000" u="none" strike="noStrike" dirty="0">
+                          <a:effectLst/>
+                          <a:latin typeface="Arial" panose="020B0604020202020204" pitchFamily="34" charset="0"/>
+                          <a:cs typeface="Arial" panose="020B0604020202020204" pitchFamily="34" charset="0"/>
+                        </a:rPr>
+                        <a:t>∆hdrB2</a:t>
+                      </a:r>
+                      <a:endParaRPr lang="en-US" sz="1000" b="0" i="0" u="none" strike="noStrike" dirty="0">
+                        <a:solidFill>
+                          <a:srgbClr val="000000"/>
+                        </a:solidFill>
+                        <a:effectLst/>
+                        <a:latin typeface="Arial" panose="020B0604020202020204" pitchFamily="34" charset="0"/>
+                        <a:cs typeface="Arial" panose="020B0604020202020204" pitchFamily="34" charset="0"/>
+                      </a:endParaRPr>
+                    </a:p>
+                  </a:txBody>
+                  <a:tcPr marL="18296" marR="18296" marT="18296" marB="0" anchor="ctr">
+                    <a:lnL w="12700" cap="flat" cmpd="sng" algn="ctr">
+                      <a:solidFill>
+                        <a:schemeClr val="tx1"/>
+                      </a:solidFill>
+                      <a:prstDash val="solid"/>
+                      <a:round/>
+                      <a:headEnd type="none" w="med" len="med"/>
+                      <a:tailEnd type="none" w="med" len="med"/>
+                    </a:lnL>
+                    <a:lnR w="12700" cap="flat" cmpd="sng" algn="ctr">
+                      <a:solidFill>
+                        <a:schemeClr val="tx1"/>
+                      </a:solidFill>
+                      <a:prstDash val="solid"/>
+                      <a:round/>
+                      <a:headEnd type="none" w="med" len="med"/>
+                      <a:tailEnd type="none" w="med" len="med"/>
+                    </a:lnR>
+                  </a:tcPr>
+                </a:tc>
+                <a:tc>
+                  <a:txBody>
+                    <a:bodyPr/>
+                    <a:lstStyle/>
+                    <a:p>
+                      <a:pPr algn="ctr" fontAlgn="b"/>
+                      <a:r>
+                        <a:rPr lang="en-US" sz="1000" u="none" strike="noStrike" dirty="0">
+                          <a:effectLst/>
+                          <a:latin typeface="Arial" panose="020B0604020202020204" pitchFamily="34" charset="0"/>
+                          <a:cs typeface="Arial" panose="020B0604020202020204" pitchFamily="34" charset="0"/>
+                        </a:rPr>
+                        <a:t>N</a:t>
+                      </a:r>
+                      <a:endParaRPr lang="en-US" sz="1000" b="0" i="0" u="none" strike="noStrike" dirty="0">
+                        <a:solidFill>
+                          <a:srgbClr val="000000"/>
+                        </a:solidFill>
+                        <a:effectLst/>
+                        <a:latin typeface="Arial" panose="020B0604020202020204" pitchFamily="34" charset="0"/>
+                        <a:cs typeface="Arial" panose="020B0604020202020204" pitchFamily="34" charset="0"/>
+                      </a:endParaRPr>
+                    </a:p>
+                  </a:txBody>
+                  <a:tcPr marL="18296" marR="18296" marT="18296" marB="0" anchor="ctr">
+                    <a:lnL w="12700" cap="flat" cmpd="sng" algn="ctr">
+                      <a:solidFill>
+                        <a:schemeClr val="tx1"/>
+                      </a:solidFill>
+                      <a:prstDash val="solid"/>
+                      <a:round/>
+                      <a:headEnd type="none" w="med" len="med"/>
+                      <a:tailEnd type="none" w="med" len="med"/>
+                    </a:lnL>
+                  </a:tcPr>
+                </a:tc>
+                <a:tc>
+                  <a:txBody>
+                    <a:bodyPr/>
+                    <a:lstStyle/>
+                    <a:p>
+                      <a:pPr algn="ctr" fontAlgn="b"/>
+                      <a:r>
+                        <a:rPr lang="en-US" sz="1000" u="none" strike="noStrike" dirty="0">
+                          <a:effectLst/>
+                          <a:latin typeface="Arial" panose="020B0604020202020204" pitchFamily="34" charset="0"/>
+                          <a:cs typeface="Arial" panose="020B0604020202020204" pitchFamily="34" charset="0"/>
+                        </a:rPr>
+                        <a:t>N</a:t>
+                      </a:r>
+                      <a:endParaRPr lang="en-US" sz="1000" b="0" i="0" u="none" strike="noStrike" dirty="0">
+                        <a:solidFill>
+                          <a:srgbClr val="000000"/>
+                        </a:solidFill>
+                        <a:effectLst/>
+                        <a:latin typeface="Arial" panose="020B0604020202020204" pitchFamily="34" charset="0"/>
+                        <a:cs typeface="Arial" panose="020B0604020202020204" pitchFamily="34" charset="0"/>
+                      </a:endParaRPr>
+                    </a:p>
+                  </a:txBody>
+                  <a:tcPr marL="18296" marR="18296" marT="18296" marB="0" anchor="ctr">
+                    <a:solidFill>
+                      <a:srgbClr val="92D050"/>
+                    </a:solidFill>
+                  </a:tcPr>
+                </a:tc>
+                <a:tc>
+                  <a:txBody>
+                    <a:bodyPr/>
+                    <a:lstStyle/>
+                    <a:p>
+                      <a:pPr algn="ctr" fontAlgn="b"/>
+                      <a:r>
+                        <a:rPr lang="en-US" sz="1000" u="none" strike="noStrike" dirty="0">
+                          <a:effectLst/>
+                          <a:latin typeface="Arial" panose="020B0604020202020204" pitchFamily="34" charset="0"/>
+                          <a:cs typeface="Arial" panose="020B0604020202020204" pitchFamily="34" charset="0"/>
+                        </a:rPr>
+                        <a:t>N</a:t>
+                      </a:r>
+                      <a:endParaRPr lang="en-US" sz="1000" b="0" i="0" u="none" strike="noStrike" dirty="0">
+                        <a:solidFill>
+                          <a:srgbClr val="000000"/>
+                        </a:solidFill>
+                        <a:effectLst/>
+                        <a:latin typeface="Arial" panose="020B0604020202020204" pitchFamily="34" charset="0"/>
+                        <a:cs typeface="Arial" panose="020B0604020202020204" pitchFamily="34" charset="0"/>
+                      </a:endParaRPr>
+                    </a:p>
+                  </a:txBody>
+                  <a:tcPr marL="18296" marR="18296" marT="18296" marB="0" anchor="ctr"/>
+                </a:tc>
+                <a:tc>
+                  <a:txBody>
+                    <a:bodyPr/>
+                    <a:lstStyle/>
+                    <a:p>
+                      <a:pPr algn="ctr" fontAlgn="b"/>
+                      <a:r>
+                        <a:rPr lang="en-US" sz="1000" u="none" strike="noStrike">
+                          <a:effectLst/>
+                          <a:latin typeface="Arial" panose="020B0604020202020204" pitchFamily="34" charset="0"/>
+                          <a:cs typeface="Arial" panose="020B0604020202020204" pitchFamily="34" charset="0"/>
+                        </a:rPr>
+                        <a:t>N</a:t>
+                      </a:r>
+                      <a:endParaRPr lang="en-US" sz="1000" b="0" i="0" u="none" strike="noStrike">
+                        <a:solidFill>
+                          <a:srgbClr val="000000"/>
+                        </a:solidFill>
+                        <a:effectLst/>
+                        <a:latin typeface="Arial" panose="020B0604020202020204" pitchFamily="34" charset="0"/>
+                        <a:cs typeface="Arial" panose="020B0604020202020204" pitchFamily="34" charset="0"/>
+                      </a:endParaRPr>
+                    </a:p>
+                  </a:txBody>
+                  <a:tcPr marL="18296" marR="18296" marT="18296" marB="0" anchor="ctr">
+                    <a:lnR w="12700" cap="flat" cmpd="sng" algn="ctr">
+                      <a:solidFill>
+                        <a:schemeClr val="tx1"/>
+                      </a:solidFill>
+                      <a:prstDash val="solid"/>
+                      <a:round/>
+                      <a:headEnd type="none" w="med" len="med"/>
+                      <a:tailEnd type="none" w="med" len="med"/>
+                    </a:lnR>
+                  </a:tcPr>
+                </a:tc>
+              </a:tr>
+              <a:tr h="274320">
+                <a:tc>
+                  <a:txBody>
+                    <a:bodyPr/>
+                    <a:lstStyle/>
+                    <a:p>
+                      <a:pPr algn="ctr" fontAlgn="b"/>
+                      <a:r>
+                        <a:rPr lang="en-US" sz="1000" u="none" strike="noStrike" dirty="0">
+                          <a:effectLst/>
+                          <a:latin typeface="Arial" panose="020B0604020202020204" pitchFamily="34" charset="0"/>
+                          <a:cs typeface="Arial" panose="020B0604020202020204" pitchFamily="34" charset="0"/>
+                        </a:rPr>
+                        <a:t>∆fdhA1</a:t>
+                      </a:r>
+                      <a:endParaRPr lang="en-US" sz="1000" b="0" i="0" u="none" strike="noStrike" dirty="0">
+                        <a:solidFill>
+                          <a:srgbClr val="000000"/>
+                        </a:solidFill>
+                        <a:effectLst/>
+                        <a:latin typeface="Arial" panose="020B0604020202020204" pitchFamily="34" charset="0"/>
+                        <a:cs typeface="Arial" panose="020B0604020202020204" pitchFamily="34" charset="0"/>
+                      </a:endParaRPr>
+                    </a:p>
+                  </a:txBody>
+                  <a:tcPr marL="18296" marR="18296" marT="18296" marB="0" anchor="ctr">
+                    <a:lnL w="12700" cap="flat" cmpd="sng" algn="ctr">
+                      <a:solidFill>
+                        <a:schemeClr val="tx1"/>
+                      </a:solidFill>
+                      <a:prstDash val="solid"/>
+                      <a:round/>
+                      <a:headEnd type="none" w="med" len="med"/>
+                      <a:tailEnd type="none" w="med" len="med"/>
+                    </a:lnL>
+                    <a:lnR w="12700" cap="flat" cmpd="sng" algn="ctr">
+                      <a:solidFill>
+                        <a:schemeClr val="tx1"/>
+                      </a:solidFill>
+                      <a:prstDash val="solid"/>
+                      <a:round/>
+                      <a:headEnd type="none" w="med" len="med"/>
+                      <a:tailEnd type="none" w="med" len="med"/>
+                    </a:lnR>
+                  </a:tcPr>
+                </a:tc>
+                <a:tc>
+                  <a:txBody>
+                    <a:bodyPr/>
+                    <a:lstStyle/>
+                    <a:p>
+                      <a:pPr algn="ctr" fontAlgn="b"/>
+                      <a:r>
+                        <a:rPr lang="en-US" sz="1000" u="none" strike="noStrike" dirty="0">
+                          <a:effectLst/>
+                          <a:latin typeface="Arial" panose="020B0604020202020204" pitchFamily="34" charset="0"/>
+                          <a:cs typeface="Arial" panose="020B0604020202020204" pitchFamily="34" charset="0"/>
+                        </a:rPr>
+                        <a:t>N</a:t>
+                      </a:r>
+                      <a:endParaRPr lang="en-US" sz="1000" b="0" i="0" u="none" strike="noStrike" dirty="0">
+                        <a:solidFill>
+                          <a:srgbClr val="000000"/>
+                        </a:solidFill>
+                        <a:effectLst/>
+                        <a:latin typeface="Arial" panose="020B0604020202020204" pitchFamily="34" charset="0"/>
+                        <a:cs typeface="Arial" panose="020B0604020202020204" pitchFamily="34" charset="0"/>
+                      </a:endParaRPr>
+                    </a:p>
+                  </a:txBody>
+                  <a:tcPr marL="18296" marR="18296" marT="18296" marB="0" anchor="ctr">
+                    <a:lnL w="12700" cap="flat" cmpd="sng" algn="ctr">
+                      <a:solidFill>
+                        <a:schemeClr val="tx1"/>
+                      </a:solidFill>
+                      <a:prstDash val="solid"/>
+                      <a:round/>
+                      <a:headEnd type="none" w="med" len="med"/>
+                      <a:tailEnd type="none" w="med" len="med"/>
+                    </a:lnL>
+                  </a:tcPr>
+                </a:tc>
+                <a:tc>
+                  <a:txBody>
+                    <a:bodyPr/>
+                    <a:lstStyle/>
+                    <a:p>
+                      <a:pPr algn="ctr" fontAlgn="b"/>
+                      <a:r>
+                        <a:rPr lang="en-US" sz="1000" u="none" strike="noStrike" dirty="0">
+                          <a:effectLst/>
+                          <a:latin typeface="Arial" panose="020B0604020202020204" pitchFamily="34" charset="0"/>
+                          <a:cs typeface="Arial" panose="020B0604020202020204" pitchFamily="34" charset="0"/>
+                        </a:rPr>
+                        <a:t>N</a:t>
+                      </a:r>
+                      <a:endParaRPr lang="en-US" sz="1000" b="0" i="0" u="none" strike="noStrike" dirty="0">
+                        <a:solidFill>
+                          <a:srgbClr val="000000"/>
+                        </a:solidFill>
+                        <a:effectLst/>
+                        <a:latin typeface="Arial" panose="020B0604020202020204" pitchFamily="34" charset="0"/>
+                        <a:cs typeface="Arial" panose="020B0604020202020204" pitchFamily="34" charset="0"/>
+                      </a:endParaRPr>
+                    </a:p>
+                  </a:txBody>
+                  <a:tcPr marL="18296" marR="18296" marT="18296" marB="0" anchor="ctr">
+                    <a:solidFill>
+                      <a:srgbClr val="92D050"/>
+                    </a:solidFill>
+                  </a:tcPr>
+                </a:tc>
+                <a:tc>
+                  <a:txBody>
+                    <a:bodyPr/>
+                    <a:lstStyle/>
+                    <a:p>
+                      <a:pPr algn="ctr" fontAlgn="b"/>
+                      <a:r>
+                        <a:rPr lang="en-US" sz="1000" u="none" strike="noStrike" dirty="0">
+                          <a:effectLst/>
+                          <a:latin typeface="Arial" panose="020B0604020202020204" pitchFamily="34" charset="0"/>
+                          <a:cs typeface="Arial" panose="020B0604020202020204" pitchFamily="34" charset="0"/>
+                        </a:rPr>
+                        <a:t>N</a:t>
+                      </a:r>
+                      <a:endParaRPr lang="en-US" sz="1000" b="0" i="0" u="none" strike="noStrike" dirty="0">
+                        <a:solidFill>
+                          <a:srgbClr val="000000"/>
+                        </a:solidFill>
+                        <a:effectLst/>
+                        <a:latin typeface="Arial" panose="020B0604020202020204" pitchFamily="34" charset="0"/>
+                        <a:cs typeface="Arial" panose="020B0604020202020204" pitchFamily="34" charset="0"/>
+                      </a:endParaRPr>
+                    </a:p>
+                  </a:txBody>
+                  <a:tcPr marL="18296" marR="18296" marT="18296" marB="0" anchor="ctr"/>
+                </a:tc>
+                <a:tc>
+                  <a:txBody>
+                    <a:bodyPr/>
+                    <a:lstStyle/>
+                    <a:p>
+                      <a:pPr algn="ctr" fontAlgn="b"/>
+                      <a:r>
+                        <a:rPr lang="en-US" sz="1000" u="none" strike="noStrike">
+                          <a:effectLst/>
+                          <a:latin typeface="Arial" panose="020B0604020202020204" pitchFamily="34" charset="0"/>
+                          <a:cs typeface="Arial" panose="020B0604020202020204" pitchFamily="34" charset="0"/>
+                        </a:rPr>
+                        <a:t>N</a:t>
+                      </a:r>
+                      <a:endParaRPr lang="en-US" sz="1000" b="0" i="0" u="none" strike="noStrike">
+                        <a:solidFill>
+                          <a:srgbClr val="000000"/>
+                        </a:solidFill>
+                        <a:effectLst/>
+                        <a:latin typeface="Arial" panose="020B0604020202020204" pitchFamily="34" charset="0"/>
+                        <a:cs typeface="Arial" panose="020B0604020202020204" pitchFamily="34" charset="0"/>
+                      </a:endParaRPr>
+                    </a:p>
+                  </a:txBody>
+                  <a:tcPr marL="18296" marR="18296" marT="18296" marB="0" anchor="ctr">
+                    <a:lnR w="12700" cap="flat" cmpd="sng" algn="ctr">
+                      <a:solidFill>
+                        <a:schemeClr val="tx1"/>
+                      </a:solidFill>
+                      <a:prstDash val="solid"/>
+                      <a:round/>
+                      <a:headEnd type="none" w="med" len="med"/>
+                      <a:tailEnd type="none" w="med" len="med"/>
+                    </a:lnR>
+                  </a:tcPr>
+                </a:tc>
+              </a:tr>
+              <a:tr h="274320">
+                <a:tc>
+                  <a:txBody>
+                    <a:bodyPr/>
+                    <a:lstStyle/>
+                    <a:p>
+                      <a:pPr algn="ctr" fontAlgn="b"/>
+                      <a:r>
+                        <a:rPr lang="en-US" sz="1000" u="none" strike="noStrike" dirty="0">
+                          <a:effectLst/>
+                          <a:latin typeface="Arial" panose="020B0604020202020204" pitchFamily="34" charset="0"/>
+                          <a:cs typeface="Arial" panose="020B0604020202020204" pitchFamily="34" charset="0"/>
+                        </a:rPr>
+                        <a:t>∆fdhA2</a:t>
+                      </a:r>
+                      <a:endParaRPr lang="en-US" sz="1000" b="0" i="0" u="none" strike="noStrike" dirty="0">
+                        <a:solidFill>
+                          <a:srgbClr val="000000"/>
+                        </a:solidFill>
+                        <a:effectLst/>
+                        <a:latin typeface="Arial" panose="020B0604020202020204" pitchFamily="34" charset="0"/>
+                        <a:cs typeface="Arial" panose="020B0604020202020204" pitchFamily="34" charset="0"/>
+                      </a:endParaRPr>
+                    </a:p>
+                  </a:txBody>
+                  <a:tcPr marL="18296" marR="18296" marT="18296" marB="0" anchor="ctr">
+                    <a:lnL w="12700" cap="flat" cmpd="sng" algn="ctr">
+                      <a:solidFill>
+                        <a:schemeClr val="tx1"/>
+                      </a:solidFill>
+                      <a:prstDash val="solid"/>
+                      <a:round/>
+                      <a:headEnd type="none" w="med" len="med"/>
+                      <a:tailEnd type="none" w="med" len="med"/>
+                    </a:lnL>
+                    <a:lnR w="12700" cap="flat" cmpd="sng" algn="ctr">
+                      <a:solidFill>
+                        <a:schemeClr val="tx1"/>
+                      </a:solidFill>
+                      <a:prstDash val="solid"/>
+                      <a:round/>
+                      <a:headEnd type="none" w="med" len="med"/>
+                      <a:tailEnd type="none" w="med" len="med"/>
+                    </a:lnR>
+                  </a:tcPr>
+                </a:tc>
+                <a:tc>
+                  <a:txBody>
+                    <a:bodyPr/>
+                    <a:lstStyle/>
+                    <a:p>
+                      <a:pPr algn="ctr" fontAlgn="b"/>
+                      <a:r>
+                        <a:rPr lang="en-US" sz="1000" u="none" strike="noStrike" dirty="0">
+                          <a:effectLst/>
+                          <a:latin typeface="Arial" panose="020B0604020202020204" pitchFamily="34" charset="0"/>
+                          <a:cs typeface="Arial" panose="020B0604020202020204" pitchFamily="34" charset="0"/>
+                        </a:rPr>
+                        <a:t>N</a:t>
+                      </a:r>
+                      <a:endParaRPr lang="en-US" sz="1000" b="0" i="0" u="none" strike="noStrike" dirty="0">
+                        <a:solidFill>
+                          <a:srgbClr val="000000"/>
+                        </a:solidFill>
+                        <a:effectLst/>
+                        <a:latin typeface="Arial" panose="020B0604020202020204" pitchFamily="34" charset="0"/>
+                        <a:cs typeface="Arial" panose="020B0604020202020204" pitchFamily="34" charset="0"/>
+                      </a:endParaRPr>
+                    </a:p>
+                  </a:txBody>
+                  <a:tcPr marL="18296" marR="18296" marT="18296" marB="0" anchor="ctr">
+                    <a:lnL w="12700" cap="flat" cmpd="sng" algn="ctr">
+                      <a:solidFill>
+                        <a:schemeClr val="tx1"/>
+                      </a:solidFill>
+                      <a:prstDash val="solid"/>
+                      <a:round/>
+                      <a:headEnd type="none" w="med" len="med"/>
+                      <a:tailEnd type="none" w="med" len="med"/>
+                    </a:lnL>
+                  </a:tcPr>
+                </a:tc>
+                <a:tc>
+                  <a:txBody>
+                    <a:bodyPr/>
+                    <a:lstStyle/>
+                    <a:p>
+                      <a:pPr algn="ctr" fontAlgn="b"/>
+                      <a:r>
+                        <a:rPr lang="en-US" sz="1000" u="none" strike="noStrike" dirty="0">
+                          <a:effectLst/>
+                          <a:latin typeface="Arial" panose="020B0604020202020204" pitchFamily="34" charset="0"/>
+                          <a:cs typeface="Arial" panose="020B0604020202020204" pitchFamily="34" charset="0"/>
+                        </a:rPr>
+                        <a:t>N</a:t>
+                      </a:r>
+                      <a:endParaRPr lang="en-US" sz="1000" b="0" i="0" u="none" strike="noStrike" dirty="0">
+                        <a:solidFill>
+                          <a:srgbClr val="000000"/>
+                        </a:solidFill>
+                        <a:effectLst/>
+                        <a:latin typeface="Arial" panose="020B0604020202020204" pitchFamily="34" charset="0"/>
+                        <a:cs typeface="Arial" panose="020B0604020202020204" pitchFamily="34" charset="0"/>
+                      </a:endParaRPr>
+                    </a:p>
+                  </a:txBody>
+                  <a:tcPr marL="18296" marR="18296" marT="18296" marB="0" anchor="ctr">
+                    <a:solidFill>
+                      <a:srgbClr val="92D050"/>
+                    </a:solidFill>
+                  </a:tcPr>
+                </a:tc>
+                <a:tc>
+                  <a:txBody>
+                    <a:bodyPr/>
+                    <a:lstStyle/>
+                    <a:p>
+                      <a:pPr algn="ctr" fontAlgn="b"/>
+                      <a:r>
+                        <a:rPr lang="en-US" sz="1000" u="none" strike="noStrike" dirty="0">
+                          <a:effectLst/>
+                          <a:latin typeface="Arial" panose="020B0604020202020204" pitchFamily="34" charset="0"/>
+                          <a:cs typeface="Arial" panose="020B0604020202020204" pitchFamily="34" charset="0"/>
+                        </a:rPr>
+                        <a:t>N</a:t>
+                      </a:r>
+                      <a:endParaRPr lang="en-US" sz="1000" b="0" i="0" u="none" strike="noStrike" dirty="0">
+                        <a:solidFill>
+                          <a:srgbClr val="000000"/>
+                        </a:solidFill>
+                        <a:effectLst/>
+                        <a:latin typeface="Arial" panose="020B0604020202020204" pitchFamily="34" charset="0"/>
+                        <a:cs typeface="Arial" panose="020B0604020202020204" pitchFamily="34" charset="0"/>
+                      </a:endParaRPr>
+                    </a:p>
+                  </a:txBody>
+                  <a:tcPr marL="18296" marR="18296" marT="18296" marB="0" anchor="ctr"/>
+                </a:tc>
+                <a:tc>
+                  <a:txBody>
+                    <a:bodyPr/>
+                    <a:lstStyle/>
+                    <a:p>
+                      <a:pPr algn="ctr" fontAlgn="b"/>
+                      <a:r>
+                        <a:rPr lang="en-US" sz="1000" u="none" strike="noStrike">
+                          <a:effectLst/>
+                          <a:latin typeface="Arial" panose="020B0604020202020204" pitchFamily="34" charset="0"/>
+                          <a:cs typeface="Arial" panose="020B0604020202020204" pitchFamily="34" charset="0"/>
+                        </a:rPr>
+                        <a:t>N</a:t>
+                      </a:r>
+                      <a:endParaRPr lang="en-US" sz="1000" b="0" i="0" u="none" strike="noStrike">
+                        <a:solidFill>
+                          <a:srgbClr val="000000"/>
+                        </a:solidFill>
+                        <a:effectLst/>
+                        <a:latin typeface="Arial" panose="020B0604020202020204" pitchFamily="34" charset="0"/>
+                        <a:cs typeface="Arial" panose="020B0604020202020204" pitchFamily="34" charset="0"/>
+                      </a:endParaRPr>
+                    </a:p>
+                  </a:txBody>
+                  <a:tcPr marL="18296" marR="18296" marT="18296" marB="0" anchor="ctr">
+                    <a:lnR w="12700" cap="flat" cmpd="sng" algn="ctr">
+                      <a:solidFill>
+                        <a:schemeClr val="tx1"/>
+                      </a:solidFill>
+                      <a:prstDash val="solid"/>
+                      <a:round/>
+                      <a:headEnd type="none" w="med" len="med"/>
+                      <a:tailEnd type="none" w="med" len="med"/>
+                    </a:lnR>
+                  </a:tcPr>
+                </a:tc>
+              </a:tr>
+              <a:tr h="274320">
+                <a:tc>
+                  <a:txBody>
+                    <a:bodyPr/>
+                    <a:lstStyle/>
+                    <a:p>
+                      <a:pPr algn="ctr" fontAlgn="b"/>
+                      <a:r>
+                        <a:rPr lang="en-US" sz="1000" u="none" strike="noStrike" dirty="0">
+                          <a:effectLst/>
+                          <a:latin typeface="Arial" panose="020B0604020202020204" pitchFamily="34" charset="0"/>
+                          <a:cs typeface="Arial" panose="020B0604020202020204" pitchFamily="34" charset="0"/>
+                        </a:rPr>
+                        <a:t>∆fdhA1∆fdhA2</a:t>
+                      </a:r>
+                      <a:endParaRPr lang="en-US" sz="1000" b="0" i="0" u="none" strike="noStrike" dirty="0">
+                        <a:solidFill>
+                          <a:srgbClr val="000000"/>
+                        </a:solidFill>
+                        <a:effectLst/>
+                        <a:latin typeface="Arial" panose="020B0604020202020204" pitchFamily="34" charset="0"/>
+                        <a:cs typeface="Arial" panose="020B0604020202020204" pitchFamily="34" charset="0"/>
+                      </a:endParaRPr>
+                    </a:p>
+                  </a:txBody>
+                  <a:tcPr marL="18296" marR="18296" marT="18296" marB="0" anchor="ctr">
+                    <a:lnL w="12700" cap="flat" cmpd="sng" algn="ctr">
+                      <a:solidFill>
+                        <a:schemeClr val="tx1"/>
+                      </a:solidFill>
+                      <a:prstDash val="solid"/>
+                      <a:round/>
+                      <a:headEnd type="none" w="med" len="med"/>
+                      <a:tailEnd type="none" w="med" len="med"/>
+                    </a:lnL>
+                    <a:lnR w="12700" cap="flat" cmpd="sng" algn="ctr">
+                      <a:solidFill>
+                        <a:schemeClr val="tx1"/>
+                      </a:solidFill>
+                      <a:prstDash val="solid"/>
+                      <a:round/>
+                      <a:headEnd type="none" w="med" len="med"/>
+                      <a:tailEnd type="none" w="med" len="med"/>
+                    </a:lnR>
+                  </a:tcPr>
+                </a:tc>
+                <a:tc>
+                  <a:txBody>
+                    <a:bodyPr/>
+                    <a:lstStyle/>
+                    <a:p>
+                      <a:pPr algn="ctr" fontAlgn="b"/>
+                      <a:r>
+                        <a:rPr lang="en-US" sz="1000" u="none" strike="noStrike" dirty="0">
+                          <a:effectLst/>
+                          <a:latin typeface="Arial" panose="020B0604020202020204" pitchFamily="34" charset="0"/>
+                          <a:cs typeface="Arial" panose="020B0604020202020204" pitchFamily="34" charset="0"/>
+                        </a:rPr>
+                        <a:t>N</a:t>
+                      </a:r>
+                      <a:endParaRPr lang="en-US" sz="1000" b="0" i="0" u="none" strike="noStrike" dirty="0">
+                        <a:solidFill>
+                          <a:srgbClr val="000000"/>
+                        </a:solidFill>
+                        <a:effectLst/>
+                        <a:latin typeface="Arial" panose="020B0604020202020204" pitchFamily="34" charset="0"/>
+                        <a:cs typeface="Arial" panose="020B0604020202020204" pitchFamily="34" charset="0"/>
+                      </a:endParaRPr>
+                    </a:p>
+                  </a:txBody>
+                  <a:tcPr marL="18296" marR="18296" marT="18296" marB="0" anchor="ctr">
+                    <a:lnL w="12700" cap="flat" cmpd="sng" algn="ctr">
+                      <a:solidFill>
+                        <a:schemeClr val="tx1"/>
+                      </a:solidFill>
+                      <a:prstDash val="solid"/>
+                      <a:round/>
+                      <a:headEnd type="none" w="med" len="med"/>
+                      <a:tailEnd type="none" w="med" len="med"/>
+                    </a:lnL>
+                  </a:tcPr>
+                </a:tc>
+                <a:tc>
+                  <a:txBody>
+                    <a:bodyPr/>
+                    <a:lstStyle/>
+                    <a:p>
+                      <a:pPr algn="ctr" fontAlgn="b"/>
+                      <a:r>
+                        <a:rPr lang="en-US" sz="1000" u="none" strike="noStrike" dirty="0">
+                          <a:effectLst/>
+                          <a:latin typeface="Arial" panose="020B0604020202020204" pitchFamily="34" charset="0"/>
+                          <a:cs typeface="Arial" panose="020B0604020202020204" pitchFamily="34" charset="0"/>
+                        </a:rPr>
+                        <a:t>L</a:t>
+                      </a:r>
+                      <a:endParaRPr lang="en-US" sz="1000" b="0" i="0" u="none" strike="noStrike" dirty="0">
+                        <a:solidFill>
+                          <a:srgbClr val="000000"/>
+                        </a:solidFill>
+                        <a:effectLst/>
+                        <a:latin typeface="Arial" panose="020B0604020202020204" pitchFamily="34" charset="0"/>
+                        <a:cs typeface="Arial" panose="020B0604020202020204" pitchFamily="34" charset="0"/>
+                      </a:endParaRPr>
+                    </a:p>
+                  </a:txBody>
+                  <a:tcPr marL="18296" marR="18296" marT="18296" marB="0" anchor="ctr">
+                    <a:solidFill>
+                      <a:srgbClr val="92D050"/>
+                    </a:solidFill>
+                  </a:tcPr>
+                </a:tc>
+                <a:tc>
+                  <a:txBody>
+                    <a:bodyPr/>
+                    <a:lstStyle/>
+                    <a:p>
+                      <a:pPr algn="ctr" fontAlgn="b"/>
+                      <a:r>
+                        <a:rPr lang="en-US" sz="1000" u="none" strike="noStrike" dirty="0">
+                          <a:effectLst/>
+                          <a:latin typeface="Arial" panose="020B0604020202020204" pitchFamily="34" charset="0"/>
+                          <a:cs typeface="Arial" panose="020B0604020202020204" pitchFamily="34" charset="0"/>
+                        </a:rPr>
+                        <a:t>N</a:t>
+                      </a:r>
+                      <a:endParaRPr lang="en-US" sz="1000" b="0" i="0" u="none" strike="noStrike" dirty="0">
+                        <a:solidFill>
+                          <a:srgbClr val="000000"/>
+                        </a:solidFill>
+                        <a:effectLst/>
+                        <a:latin typeface="Arial" panose="020B0604020202020204" pitchFamily="34" charset="0"/>
+                        <a:cs typeface="Arial" panose="020B0604020202020204" pitchFamily="34" charset="0"/>
+                      </a:endParaRPr>
+                    </a:p>
+                  </a:txBody>
+                  <a:tcPr marL="18296" marR="18296" marT="18296" marB="0" anchor="ctr"/>
+                </a:tc>
+                <a:tc>
+                  <a:txBody>
+                    <a:bodyPr/>
+                    <a:lstStyle/>
+                    <a:p>
+                      <a:pPr algn="ctr" fontAlgn="b"/>
+                      <a:r>
+                        <a:rPr lang="en-US" sz="1000" u="none" strike="noStrike" dirty="0">
+                          <a:effectLst/>
+                          <a:latin typeface="Arial" panose="020B0604020202020204" pitchFamily="34" charset="0"/>
+                          <a:cs typeface="Arial" panose="020B0604020202020204" pitchFamily="34" charset="0"/>
+                        </a:rPr>
+                        <a:t>L</a:t>
+                      </a:r>
+                      <a:endParaRPr lang="en-US" sz="1000" b="0" i="0" u="none" strike="noStrike" dirty="0">
+                        <a:solidFill>
+                          <a:srgbClr val="000000"/>
+                        </a:solidFill>
+                        <a:effectLst/>
+                        <a:latin typeface="Arial" panose="020B0604020202020204" pitchFamily="34" charset="0"/>
+                        <a:cs typeface="Arial" panose="020B0604020202020204" pitchFamily="34" charset="0"/>
+                      </a:endParaRPr>
+                    </a:p>
+                  </a:txBody>
+                  <a:tcPr marL="18296" marR="18296" marT="18296" marB="0" anchor="ctr">
+                    <a:lnR w="12700" cap="flat" cmpd="sng" algn="ctr">
+                      <a:solidFill>
+                        <a:schemeClr val="tx1"/>
+                      </a:solidFill>
+                      <a:prstDash val="solid"/>
+                      <a:round/>
+                      <a:headEnd type="none" w="med" len="med"/>
+                      <a:tailEnd type="none" w="med" len="med"/>
+                    </a:lnR>
+                  </a:tcPr>
+                </a:tc>
+              </a:tr>
+              <a:tr h="274320">
+                <a:tc>
+                  <a:txBody>
+                    <a:bodyPr/>
+                    <a:lstStyle/>
+                    <a:p>
+                      <a:pPr algn="ctr" fontAlgn="b"/>
+                      <a:r>
+                        <a:rPr lang="en-US" sz="1000" u="none" strike="noStrike" dirty="0">
+                          <a:effectLst/>
+                          <a:latin typeface="Arial" panose="020B0604020202020204" pitchFamily="34" charset="0"/>
+                          <a:cs typeface="Arial" panose="020B0604020202020204" pitchFamily="34" charset="0"/>
+                        </a:rPr>
+                        <a:t>∆fdhA2∆fdhB2</a:t>
+                      </a:r>
+                      <a:endParaRPr lang="en-US" sz="1000" b="0" i="0" u="none" strike="noStrike" dirty="0">
+                        <a:solidFill>
+                          <a:srgbClr val="000000"/>
+                        </a:solidFill>
+                        <a:effectLst/>
+                        <a:latin typeface="Arial" panose="020B0604020202020204" pitchFamily="34" charset="0"/>
+                        <a:cs typeface="Arial" panose="020B0604020202020204" pitchFamily="34" charset="0"/>
+                      </a:endParaRPr>
+                    </a:p>
+                  </a:txBody>
+                  <a:tcPr marL="18296" marR="18296" marT="18296" marB="0" anchor="ctr">
+                    <a:lnL w="12700" cap="flat" cmpd="sng" algn="ctr">
+                      <a:solidFill>
+                        <a:schemeClr val="tx1"/>
+                      </a:solidFill>
+                      <a:prstDash val="solid"/>
+                      <a:round/>
+                      <a:headEnd type="none" w="med" len="med"/>
+                      <a:tailEnd type="none" w="med" len="med"/>
+                    </a:lnL>
+                    <a:lnR w="12700" cap="flat" cmpd="sng" algn="ctr">
+                      <a:solidFill>
+                        <a:schemeClr val="tx1"/>
+                      </a:solidFill>
+                      <a:prstDash val="solid"/>
+                      <a:round/>
+                      <a:headEnd type="none" w="med" len="med"/>
+                      <a:tailEnd type="none" w="med" len="med"/>
+                    </a:lnR>
+                  </a:tcPr>
+                </a:tc>
+                <a:tc>
+                  <a:txBody>
+                    <a:bodyPr/>
+                    <a:lstStyle/>
+                    <a:p>
+                      <a:pPr algn="ctr" fontAlgn="b"/>
+                      <a:r>
+                        <a:rPr lang="en-US" sz="1000" u="none" strike="noStrike" dirty="0">
+                          <a:effectLst/>
+                          <a:latin typeface="Arial" panose="020B0604020202020204" pitchFamily="34" charset="0"/>
+                          <a:cs typeface="Arial" panose="020B0604020202020204" pitchFamily="34" charset="0"/>
+                        </a:rPr>
+                        <a:t>N</a:t>
+                      </a:r>
+                      <a:endParaRPr lang="en-US" sz="1000" b="0" i="0" u="none" strike="noStrike" dirty="0">
+                        <a:solidFill>
+                          <a:srgbClr val="000000"/>
+                        </a:solidFill>
+                        <a:effectLst/>
+                        <a:latin typeface="Arial" panose="020B0604020202020204" pitchFamily="34" charset="0"/>
+                        <a:cs typeface="Arial" panose="020B0604020202020204" pitchFamily="34" charset="0"/>
+                      </a:endParaRPr>
+                    </a:p>
+                  </a:txBody>
+                  <a:tcPr marL="18296" marR="18296" marT="18296" marB="0" anchor="ctr">
+                    <a:lnL w="12700" cap="flat" cmpd="sng" algn="ctr">
+                      <a:solidFill>
+                        <a:schemeClr val="tx1"/>
+                      </a:solidFill>
+                      <a:prstDash val="solid"/>
+                      <a:round/>
+                      <a:headEnd type="none" w="med" len="med"/>
+                      <a:tailEnd type="none" w="med" len="med"/>
+                    </a:lnL>
+                  </a:tcPr>
+                </a:tc>
+                <a:tc>
+                  <a:txBody>
+                    <a:bodyPr/>
+                    <a:lstStyle/>
+                    <a:p>
+                      <a:pPr algn="ctr" fontAlgn="b"/>
+                      <a:r>
+                        <a:rPr lang="en-US" sz="1000" u="none" strike="noStrike" dirty="0">
+                          <a:effectLst/>
+                          <a:latin typeface="Arial" panose="020B0604020202020204" pitchFamily="34" charset="0"/>
+                          <a:cs typeface="Arial" panose="020B0604020202020204" pitchFamily="34" charset="0"/>
+                        </a:rPr>
+                        <a:t>N</a:t>
+                      </a:r>
+                      <a:endParaRPr lang="en-US" sz="1000" b="0" i="0" u="none" strike="noStrike" dirty="0">
+                        <a:solidFill>
+                          <a:srgbClr val="000000"/>
+                        </a:solidFill>
+                        <a:effectLst/>
+                        <a:latin typeface="Arial" panose="020B0604020202020204" pitchFamily="34" charset="0"/>
+                        <a:cs typeface="Arial" panose="020B0604020202020204" pitchFamily="34" charset="0"/>
+                      </a:endParaRPr>
+                    </a:p>
+                  </a:txBody>
+                  <a:tcPr marL="18296" marR="18296" marT="18296" marB="0" anchor="ctr">
+                    <a:solidFill>
+                      <a:srgbClr val="92D050"/>
+                    </a:solidFill>
+                  </a:tcPr>
+                </a:tc>
+                <a:tc>
+                  <a:txBody>
+                    <a:bodyPr/>
+                    <a:lstStyle/>
+                    <a:p>
+                      <a:pPr algn="ctr" fontAlgn="b"/>
+                      <a:r>
+                        <a:rPr lang="en-US" sz="1000" u="none" strike="noStrike" dirty="0">
+                          <a:effectLst/>
+                          <a:latin typeface="Arial" panose="020B0604020202020204" pitchFamily="34" charset="0"/>
+                          <a:cs typeface="Arial" panose="020B0604020202020204" pitchFamily="34" charset="0"/>
+                        </a:rPr>
+                        <a:t>N</a:t>
+                      </a:r>
+                      <a:endParaRPr lang="en-US" sz="1000" b="0" i="0" u="none" strike="noStrike" dirty="0">
+                        <a:solidFill>
+                          <a:srgbClr val="000000"/>
+                        </a:solidFill>
+                        <a:effectLst/>
+                        <a:latin typeface="Arial" panose="020B0604020202020204" pitchFamily="34" charset="0"/>
+                        <a:cs typeface="Arial" panose="020B0604020202020204" pitchFamily="34" charset="0"/>
+                      </a:endParaRPr>
+                    </a:p>
+                  </a:txBody>
+                  <a:tcPr marL="18296" marR="18296" marT="18296" marB="0" anchor="ctr"/>
+                </a:tc>
+                <a:tc>
+                  <a:txBody>
+                    <a:bodyPr/>
+                    <a:lstStyle/>
+                    <a:p>
+                      <a:pPr algn="ctr" fontAlgn="b"/>
+                      <a:r>
+                        <a:rPr lang="en-US" sz="1000" u="none" strike="noStrike" dirty="0">
+                          <a:effectLst/>
+                          <a:latin typeface="Arial" panose="020B0604020202020204" pitchFamily="34" charset="0"/>
+                          <a:cs typeface="Arial" panose="020B0604020202020204" pitchFamily="34" charset="0"/>
+                        </a:rPr>
+                        <a:t>N</a:t>
+                      </a:r>
+                      <a:endParaRPr lang="en-US" sz="1000" b="0" i="0" u="none" strike="noStrike" dirty="0">
+                        <a:solidFill>
+                          <a:srgbClr val="000000"/>
+                        </a:solidFill>
+                        <a:effectLst/>
+                        <a:latin typeface="Arial" panose="020B0604020202020204" pitchFamily="34" charset="0"/>
+                        <a:cs typeface="Arial" panose="020B0604020202020204" pitchFamily="34" charset="0"/>
+                      </a:endParaRPr>
+                    </a:p>
+                  </a:txBody>
+                  <a:tcPr marL="18296" marR="18296" marT="18296" marB="0" anchor="ctr">
+                    <a:lnR w="12700" cap="flat" cmpd="sng" algn="ctr">
+                      <a:solidFill>
+                        <a:schemeClr val="tx1"/>
+                      </a:solidFill>
+                      <a:prstDash val="solid"/>
+                      <a:round/>
+                      <a:headEnd type="none" w="med" len="med"/>
+                      <a:tailEnd type="none" w="med" len="med"/>
+                    </a:lnR>
+                  </a:tcPr>
+                </a:tc>
+              </a:tr>
+              <a:tr h="274320">
+                <a:tc>
+                  <a:txBody>
+                    <a:bodyPr/>
+                    <a:lstStyle/>
+                    <a:p>
+                      <a:pPr algn="ctr" fontAlgn="b"/>
+                      <a:r>
+                        <a:rPr lang="en-US" sz="1000" u="none" strike="noStrike" dirty="0">
+                          <a:effectLst/>
+                          <a:latin typeface="Arial" panose="020B0604020202020204" pitchFamily="34" charset="0"/>
+                          <a:cs typeface="Arial" panose="020B0604020202020204" pitchFamily="34" charset="0"/>
+                        </a:rPr>
+                        <a:t>∆</a:t>
+                      </a:r>
+                      <a:r>
+                        <a:rPr lang="en-US" sz="1000" u="none" strike="noStrike" dirty="0" err="1">
+                          <a:effectLst/>
+                          <a:latin typeface="Arial" panose="020B0604020202020204" pitchFamily="34" charset="0"/>
+                          <a:cs typeface="Arial" panose="020B0604020202020204" pitchFamily="34" charset="0"/>
+                        </a:rPr>
+                        <a:t>ehbF</a:t>
+                      </a:r>
+                      <a:endParaRPr lang="en-US" sz="1000" b="0" i="0" u="none" strike="noStrike" dirty="0">
+                        <a:solidFill>
+                          <a:srgbClr val="000000"/>
+                        </a:solidFill>
+                        <a:effectLst/>
+                        <a:latin typeface="Arial" panose="020B0604020202020204" pitchFamily="34" charset="0"/>
+                        <a:cs typeface="Arial" panose="020B0604020202020204" pitchFamily="34" charset="0"/>
+                      </a:endParaRPr>
+                    </a:p>
+                  </a:txBody>
+                  <a:tcPr marL="18296" marR="18296" marT="18296" marB="0" anchor="ctr">
+                    <a:lnL w="12700" cap="flat" cmpd="sng" algn="ctr">
+                      <a:solidFill>
+                        <a:schemeClr val="tx1"/>
+                      </a:solidFill>
+                      <a:prstDash val="solid"/>
+                      <a:round/>
+                      <a:headEnd type="none" w="med" len="med"/>
+                      <a:tailEnd type="none" w="med" len="med"/>
+                    </a:lnL>
+                    <a:lnR w="12700" cap="flat" cmpd="sng" algn="ctr">
+                      <a:solidFill>
+                        <a:schemeClr val="tx1"/>
+                      </a:solidFill>
+                      <a:prstDash val="solid"/>
+                      <a:round/>
+                      <a:headEnd type="none" w="med" len="med"/>
+                      <a:tailEnd type="none" w="med" len="med"/>
+                    </a:lnR>
+                  </a:tcPr>
+                </a:tc>
+                <a:tc>
+                  <a:txBody>
+                    <a:bodyPr/>
+                    <a:lstStyle/>
+                    <a:p>
+                      <a:pPr algn="ctr" fontAlgn="b"/>
+                      <a:r>
+                        <a:rPr lang="en-US" sz="1000" u="none" strike="noStrike" dirty="0">
+                          <a:effectLst/>
+                          <a:latin typeface="Arial" panose="020B0604020202020204" pitchFamily="34" charset="0"/>
+                          <a:cs typeface="Arial" panose="020B0604020202020204" pitchFamily="34" charset="0"/>
+                        </a:rPr>
+                        <a:t>N</a:t>
+                      </a:r>
+                      <a:endParaRPr lang="en-US" sz="1000" b="0" i="0" u="none" strike="noStrike" dirty="0">
+                        <a:solidFill>
+                          <a:srgbClr val="000000"/>
+                        </a:solidFill>
+                        <a:effectLst/>
+                        <a:latin typeface="Arial" panose="020B0604020202020204" pitchFamily="34" charset="0"/>
+                        <a:cs typeface="Arial" panose="020B0604020202020204" pitchFamily="34" charset="0"/>
+                      </a:endParaRPr>
+                    </a:p>
+                  </a:txBody>
+                  <a:tcPr marL="18296" marR="18296" marT="18296" marB="0" anchor="ctr">
+                    <a:lnL w="12700" cap="flat" cmpd="sng" algn="ctr">
+                      <a:solidFill>
+                        <a:schemeClr val="tx1"/>
+                      </a:solidFill>
+                      <a:prstDash val="solid"/>
+                      <a:round/>
+                      <a:headEnd type="none" w="med" len="med"/>
+                      <a:tailEnd type="none" w="med" len="med"/>
+                    </a:lnL>
+                    <a:solidFill>
+                      <a:srgbClr val="92D050"/>
+                    </a:solidFill>
+                  </a:tcPr>
+                </a:tc>
+                <a:tc>
+                  <a:txBody>
+                    <a:bodyPr/>
+                    <a:lstStyle/>
+                    <a:p>
+                      <a:pPr algn="ctr" fontAlgn="b"/>
+                      <a:r>
+                        <a:rPr lang="en-US" sz="1000" u="none" strike="noStrike" dirty="0">
+                          <a:effectLst/>
+                          <a:latin typeface="Arial" panose="020B0604020202020204" pitchFamily="34" charset="0"/>
+                          <a:cs typeface="Arial" panose="020B0604020202020204" pitchFamily="34" charset="0"/>
+                        </a:rPr>
+                        <a:t>N</a:t>
+                      </a:r>
+                      <a:endParaRPr lang="en-US" sz="1000" b="0" i="0" u="none" strike="noStrike" dirty="0">
+                        <a:solidFill>
+                          <a:srgbClr val="000000"/>
+                        </a:solidFill>
+                        <a:effectLst/>
+                        <a:latin typeface="Arial" panose="020B0604020202020204" pitchFamily="34" charset="0"/>
+                        <a:cs typeface="Arial" panose="020B0604020202020204" pitchFamily="34" charset="0"/>
+                      </a:endParaRPr>
+                    </a:p>
+                  </a:txBody>
+                  <a:tcPr marL="18296" marR="18296" marT="18296" marB="0" anchor="ctr"/>
+                </a:tc>
+                <a:tc>
+                  <a:txBody>
+                    <a:bodyPr/>
+                    <a:lstStyle/>
+                    <a:p>
+                      <a:pPr algn="ctr" fontAlgn="b"/>
+                      <a:r>
+                        <a:rPr lang="en-US" sz="1000" u="none" strike="noStrike" dirty="0">
+                          <a:effectLst/>
+                          <a:latin typeface="Arial" panose="020B0604020202020204" pitchFamily="34" charset="0"/>
+                          <a:cs typeface="Arial" panose="020B0604020202020204" pitchFamily="34" charset="0"/>
+                        </a:rPr>
+                        <a:t>N</a:t>
+                      </a:r>
+                      <a:endParaRPr lang="en-US" sz="1000" b="0" i="0" u="none" strike="noStrike" dirty="0">
+                        <a:solidFill>
+                          <a:srgbClr val="000000"/>
+                        </a:solidFill>
+                        <a:effectLst/>
+                        <a:latin typeface="Arial" panose="020B0604020202020204" pitchFamily="34" charset="0"/>
+                        <a:cs typeface="Arial" panose="020B0604020202020204" pitchFamily="34" charset="0"/>
+                      </a:endParaRPr>
+                    </a:p>
+                  </a:txBody>
+                  <a:tcPr marL="18296" marR="18296" marT="18296" marB="0" anchor="ctr"/>
+                </a:tc>
+                <a:tc>
+                  <a:txBody>
+                    <a:bodyPr/>
+                    <a:lstStyle/>
+                    <a:p>
+                      <a:pPr algn="ctr" fontAlgn="b"/>
+                      <a:r>
+                        <a:rPr lang="en-US" sz="1000" u="none" strike="noStrike" dirty="0">
+                          <a:effectLst/>
+                          <a:latin typeface="Arial" panose="020B0604020202020204" pitchFamily="34" charset="0"/>
+                          <a:cs typeface="Arial" panose="020B0604020202020204" pitchFamily="34" charset="0"/>
+                        </a:rPr>
+                        <a:t>N</a:t>
+                      </a:r>
+                      <a:endParaRPr lang="en-US" sz="1000" b="0" i="0" u="none" strike="noStrike" dirty="0">
+                        <a:solidFill>
+                          <a:srgbClr val="000000"/>
+                        </a:solidFill>
+                        <a:effectLst/>
+                        <a:latin typeface="Arial" panose="020B0604020202020204" pitchFamily="34" charset="0"/>
+                        <a:cs typeface="Arial" panose="020B0604020202020204" pitchFamily="34" charset="0"/>
+                      </a:endParaRPr>
+                    </a:p>
+                  </a:txBody>
+                  <a:tcPr marL="18296" marR="18296" marT="18296" marB="0" anchor="ctr">
+                    <a:lnR w="12700" cap="flat" cmpd="sng" algn="ctr">
+                      <a:solidFill>
+                        <a:schemeClr val="tx1"/>
+                      </a:solidFill>
+                      <a:prstDash val="solid"/>
+                      <a:round/>
+                      <a:headEnd type="none" w="med" len="med"/>
+                      <a:tailEnd type="none" w="med" len="med"/>
+                    </a:lnR>
+                  </a:tcPr>
+                </a:tc>
+              </a:tr>
+              <a:tr h="274320">
+                <a:tc>
+                  <a:txBody>
+                    <a:bodyPr/>
+                    <a:lstStyle/>
+                    <a:p>
+                      <a:pPr algn="ctr" fontAlgn="b"/>
+                      <a:r>
+                        <a:rPr lang="en-US" sz="1000" u="none" strike="noStrike" dirty="0">
+                          <a:effectLst/>
+                          <a:latin typeface="Arial" panose="020B0604020202020204" pitchFamily="34" charset="0"/>
+                          <a:cs typeface="Arial" panose="020B0604020202020204" pitchFamily="34" charset="0"/>
+                        </a:rPr>
+                        <a:t>∆</a:t>
+                      </a:r>
+                      <a:r>
+                        <a:rPr lang="en-US" sz="1000" u="none" strike="noStrike" dirty="0" smtClean="0">
+                          <a:effectLst/>
+                          <a:latin typeface="Arial" panose="020B0604020202020204" pitchFamily="34" charset="0"/>
+                          <a:cs typeface="Arial" panose="020B0604020202020204" pitchFamily="34" charset="0"/>
+                        </a:rPr>
+                        <a:t>3H</a:t>
+                      </a:r>
+                      <a:r>
+                        <a:rPr lang="en-US" sz="1000" u="none" strike="noStrike" baseline="-25000" dirty="0" smtClean="0">
+                          <a:effectLst/>
+                          <a:latin typeface="Arial" panose="020B0604020202020204" pitchFamily="34" charset="0"/>
+                          <a:cs typeface="Arial" panose="020B0604020202020204" pitchFamily="34" charset="0"/>
+                        </a:rPr>
+                        <a:t>2</a:t>
+                      </a:r>
+                      <a:r>
+                        <a:rPr lang="en-US" sz="1000" u="none" strike="noStrike" dirty="0" smtClean="0">
+                          <a:effectLst/>
+                          <a:latin typeface="Arial" panose="020B0604020202020204" pitchFamily="34" charset="0"/>
+                          <a:cs typeface="Arial" panose="020B0604020202020204" pitchFamily="34" charset="0"/>
+                        </a:rPr>
+                        <a:t>ase</a:t>
+                      </a:r>
+                      <a:endParaRPr lang="en-US" sz="1000" b="0" i="0" u="none" strike="noStrike" dirty="0">
+                        <a:solidFill>
+                          <a:srgbClr val="000000"/>
+                        </a:solidFill>
+                        <a:effectLst/>
+                        <a:latin typeface="Arial" panose="020B0604020202020204" pitchFamily="34" charset="0"/>
+                        <a:cs typeface="Arial" panose="020B0604020202020204" pitchFamily="34" charset="0"/>
+                      </a:endParaRPr>
+                    </a:p>
+                  </a:txBody>
+                  <a:tcPr marL="18296" marR="18296" marT="18296" marB="0" anchor="ctr">
+                    <a:lnL w="12700" cap="flat" cmpd="sng" algn="ctr">
+                      <a:solidFill>
+                        <a:schemeClr val="tx1"/>
+                      </a:solidFill>
+                      <a:prstDash val="solid"/>
+                      <a:round/>
+                      <a:headEnd type="none" w="med" len="med"/>
+                      <a:tailEnd type="none" w="med" len="med"/>
+                    </a:lnL>
+                    <a:lnR w="12700" cap="flat" cmpd="sng" algn="ctr">
+                      <a:solidFill>
+                        <a:schemeClr val="tx1"/>
+                      </a:solidFill>
+                      <a:prstDash val="solid"/>
+                      <a:round/>
+                      <a:headEnd type="none" w="med" len="med"/>
+                      <a:tailEnd type="none" w="med" len="med"/>
+                    </a:lnR>
+                  </a:tcPr>
+                </a:tc>
+                <a:tc>
+                  <a:txBody>
+                    <a:bodyPr/>
+                    <a:lstStyle/>
+                    <a:p>
+                      <a:pPr algn="ctr" fontAlgn="b"/>
+                      <a:r>
+                        <a:rPr lang="en-US" sz="1000" u="none" strike="noStrike" dirty="0">
+                          <a:effectLst/>
+                          <a:latin typeface="Arial" panose="020B0604020202020204" pitchFamily="34" charset="0"/>
+                          <a:cs typeface="Arial" panose="020B0604020202020204" pitchFamily="34" charset="0"/>
+                        </a:rPr>
+                        <a:t>N</a:t>
+                      </a:r>
+                      <a:endParaRPr lang="en-US" sz="1000" b="0" i="0" u="none" strike="noStrike" dirty="0">
+                        <a:solidFill>
+                          <a:srgbClr val="000000"/>
+                        </a:solidFill>
+                        <a:effectLst/>
+                        <a:latin typeface="Arial" panose="020B0604020202020204" pitchFamily="34" charset="0"/>
+                        <a:cs typeface="Arial" panose="020B0604020202020204" pitchFamily="34" charset="0"/>
+                      </a:endParaRPr>
+                    </a:p>
+                  </a:txBody>
+                  <a:tcPr marL="18296" marR="18296" marT="18296" marB="0" anchor="ctr">
+                    <a:lnL w="12700" cap="flat" cmpd="sng" algn="ctr">
+                      <a:solidFill>
+                        <a:schemeClr val="tx1"/>
+                      </a:solidFill>
+                      <a:prstDash val="solid"/>
+                      <a:round/>
+                      <a:headEnd type="none" w="med" len="med"/>
+                      <a:tailEnd type="none" w="med" len="med"/>
+                    </a:lnL>
+                    <a:solidFill>
+                      <a:srgbClr val="92D050"/>
+                    </a:solidFill>
+                  </a:tcPr>
+                </a:tc>
+                <a:tc>
+                  <a:txBody>
+                    <a:bodyPr/>
+                    <a:lstStyle/>
+                    <a:p>
+                      <a:pPr algn="ctr" fontAlgn="b"/>
+                      <a:r>
+                        <a:rPr lang="en-US" sz="1000" u="none" strike="noStrike" dirty="0">
+                          <a:effectLst/>
+                          <a:latin typeface="Arial" panose="020B0604020202020204" pitchFamily="34" charset="0"/>
+                          <a:cs typeface="Arial" panose="020B0604020202020204" pitchFamily="34" charset="0"/>
+                        </a:rPr>
+                        <a:t>N</a:t>
+                      </a:r>
+                      <a:endParaRPr lang="en-US" sz="1000" b="0" i="0" u="none" strike="noStrike" dirty="0">
+                        <a:solidFill>
+                          <a:srgbClr val="000000"/>
+                        </a:solidFill>
+                        <a:effectLst/>
+                        <a:latin typeface="Arial" panose="020B0604020202020204" pitchFamily="34" charset="0"/>
+                        <a:cs typeface="Arial" panose="020B0604020202020204" pitchFamily="34" charset="0"/>
+                      </a:endParaRPr>
+                    </a:p>
+                  </a:txBody>
+                  <a:tcPr marL="18296" marR="18296" marT="18296" marB="0" anchor="ctr">
+                    <a:solidFill>
+                      <a:srgbClr val="92D050"/>
+                    </a:solidFill>
+                  </a:tcPr>
+                </a:tc>
+                <a:tc>
+                  <a:txBody>
+                    <a:bodyPr/>
+                    <a:lstStyle/>
+                    <a:p>
+                      <a:pPr algn="ctr" fontAlgn="b"/>
+                      <a:r>
+                        <a:rPr lang="en-US" sz="1000" u="none" strike="noStrike" dirty="0">
+                          <a:effectLst/>
+                          <a:latin typeface="Arial" panose="020B0604020202020204" pitchFamily="34" charset="0"/>
+                          <a:cs typeface="Arial" panose="020B0604020202020204" pitchFamily="34" charset="0"/>
+                        </a:rPr>
+                        <a:t>N</a:t>
+                      </a:r>
+                      <a:endParaRPr lang="en-US" sz="1000" b="0" i="0" u="none" strike="noStrike" dirty="0">
+                        <a:solidFill>
+                          <a:srgbClr val="000000"/>
+                        </a:solidFill>
+                        <a:effectLst/>
+                        <a:latin typeface="Arial" panose="020B0604020202020204" pitchFamily="34" charset="0"/>
+                        <a:cs typeface="Arial" panose="020B0604020202020204" pitchFamily="34" charset="0"/>
+                      </a:endParaRPr>
+                    </a:p>
+                  </a:txBody>
+                  <a:tcPr marL="18296" marR="18296" marT="18296" marB="0" anchor="ctr"/>
+                </a:tc>
+                <a:tc>
+                  <a:txBody>
+                    <a:bodyPr/>
+                    <a:lstStyle/>
+                    <a:p>
+                      <a:pPr algn="ctr" fontAlgn="b"/>
+                      <a:r>
+                        <a:rPr lang="en-US" sz="1000" u="none" strike="noStrike" dirty="0">
+                          <a:effectLst/>
+                          <a:latin typeface="Arial" panose="020B0604020202020204" pitchFamily="34" charset="0"/>
+                          <a:cs typeface="Arial" panose="020B0604020202020204" pitchFamily="34" charset="0"/>
+                        </a:rPr>
+                        <a:t>N</a:t>
+                      </a:r>
+                      <a:endParaRPr lang="en-US" sz="1000" b="0" i="0" u="none" strike="noStrike" dirty="0">
+                        <a:solidFill>
+                          <a:srgbClr val="000000"/>
+                        </a:solidFill>
+                        <a:effectLst/>
+                        <a:latin typeface="Arial" panose="020B0604020202020204" pitchFamily="34" charset="0"/>
+                        <a:cs typeface="Arial" panose="020B0604020202020204" pitchFamily="34" charset="0"/>
+                      </a:endParaRPr>
+                    </a:p>
+                  </a:txBody>
+                  <a:tcPr marL="18296" marR="18296" marT="18296" marB="0" anchor="ctr">
+                    <a:lnR w="12700" cap="flat" cmpd="sng" algn="ctr">
+                      <a:solidFill>
+                        <a:schemeClr val="tx1"/>
+                      </a:solidFill>
+                      <a:prstDash val="solid"/>
+                      <a:round/>
+                      <a:headEnd type="none" w="med" len="med"/>
+                      <a:tailEnd type="none" w="med" len="med"/>
+                    </a:lnR>
+                  </a:tcPr>
+                </a:tc>
+              </a:tr>
+              <a:tr h="274320">
+                <a:tc>
+                  <a:txBody>
+                    <a:bodyPr/>
+                    <a:lstStyle/>
+                    <a:p>
+                      <a:pPr algn="ctr" fontAlgn="b"/>
+                      <a:r>
+                        <a:rPr lang="en-US" sz="1000" u="none" strike="noStrike" dirty="0">
+                          <a:effectLst/>
+                          <a:latin typeface="Arial" panose="020B0604020202020204" pitchFamily="34" charset="0"/>
+                          <a:cs typeface="Arial" panose="020B0604020202020204" pitchFamily="34" charset="0"/>
+                        </a:rPr>
+                        <a:t>∆</a:t>
+                      </a:r>
+                      <a:r>
+                        <a:rPr lang="en-US" sz="1000" u="none" strike="noStrike" dirty="0" smtClean="0">
+                          <a:effectLst/>
+                          <a:latin typeface="Arial" panose="020B0604020202020204" pitchFamily="34" charset="0"/>
+                          <a:cs typeface="Arial" panose="020B0604020202020204" pitchFamily="34" charset="0"/>
+                        </a:rPr>
+                        <a:t>5H</a:t>
+                      </a:r>
+                      <a:r>
+                        <a:rPr lang="en-US" sz="1000" u="none" strike="noStrike" baseline="-25000" dirty="0" smtClean="0">
+                          <a:effectLst/>
+                          <a:latin typeface="Arial" panose="020B0604020202020204" pitchFamily="34" charset="0"/>
+                          <a:cs typeface="Arial" panose="020B0604020202020204" pitchFamily="34" charset="0"/>
+                        </a:rPr>
+                        <a:t>2</a:t>
+                      </a:r>
+                      <a:r>
+                        <a:rPr lang="en-US" sz="1000" u="none" strike="noStrike" dirty="0" smtClean="0">
+                          <a:effectLst/>
+                          <a:latin typeface="Arial" panose="020B0604020202020204" pitchFamily="34" charset="0"/>
+                          <a:cs typeface="Arial" panose="020B0604020202020204" pitchFamily="34" charset="0"/>
+                        </a:rPr>
+                        <a:t>ase</a:t>
+                      </a:r>
+                      <a:endParaRPr lang="en-US" sz="1000" b="0" i="0" u="none" strike="noStrike" dirty="0">
+                        <a:solidFill>
+                          <a:srgbClr val="000000"/>
+                        </a:solidFill>
+                        <a:effectLst/>
+                        <a:latin typeface="Arial" panose="020B0604020202020204" pitchFamily="34" charset="0"/>
+                        <a:cs typeface="Arial" panose="020B0604020202020204" pitchFamily="34" charset="0"/>
+                      </a:endParaRPr>
+                    </a:p>
+                  </a:txBody>
+                  <a:tcPr marL="18296" marR="18296" marT="18296" marB="0" anchor="ctr">
+                    <a:lnL w="12700" cap="flat" cmpd="sng" algn="ctr">
+                      <a:solidFill>
+                        <a:schemeClr val="tx1"/>
+                      </a:solidFill>
+                      <a:prstDash val="solid"/>
+                      <a:round/>
+                      <a:headEnd type="none" w="med" len="med"/>
+                      <a:tailEnd type="none" w="med" len="med"/>
+                    </a:lnL>
+                    <a:lnR w="12700" cap="flat" cmpd="sng" algn="ctr">
+                      <a:solidFill>
+                        <a:schemeClr val="tx1"/>
+                      </a:solidFill>
+                      <a:prstDash val="solid"/>
+                      <a:round/>
+                      <a:headEnd type="none" w="med" len="med"/>
+                      <a:tailEnd type="none" w="med" len="med"/>
+                    </a:lnR>
+                  </a:tcPr>
+                </a:tc>
+                <a:tc>
+                  <a:txBody>
+                    <a:bodyPr/>
+                    <a:lstStyle/>
+                    <a:p>
+                      <a:pPr algn="ctr" fontAlgn="b"/>
+                      <a:r>
+                        <a:rPr lang="en-US" sz="1000" u="none" strike="noStrike" dirty="0">
+                          <a:effectLst/>
+                          <a:latin typeface="Arial" panose="020B0604020202020204" pitchFamily="34" charset="0"/>
+                          <a:cs typeface="Arial" panose="020B0604020202020204" pitchFamily="34" charset="0"/>
+                        </a:rPr>
+                        <a:t>L</a:t>
+                      </a:r>
+                      <a:endParaRPr lang="en-US" sz="1000" b="0" i="0" u="none" strike="noStrike" dirty="0">
+                        <a:solidFill>
+                          <a:srgbClr val="000000"/>
+                        </a:solidFill>
+                        <a:effectLst/>
+                        <a:latin typeface="Arial" panose="020B0604020202020204" pitchFamily="34" charset="0"/>
+                        <a:cs typeface="Arial" panose="020B0604020202020204" pitchFamily="34" charset="0"/>
+                      </a:endParaRPr>
+                    </a:p>
+                  </a:txBody>
+                  <a:tcPr marL="18296" marR="18296" marT="18296" marB="0" anchor="ctr">
+                    <a:lnL w="12700" cap="flat" cmpd="sng" algn="ctr">
+                      <a:solidFill>
+                        <a:schemeClr val="tx1"/>
+                      </a:solidFill>
+                      <a:prstDash val="solid"/>
+                      <a:round/>
+                      <a:headEnd type="none" w="med" len="med"/>
+                      <a:tailEnd type="none" w="med" len="med"/>
+                    </a:lnL>
+                    <a:solidFill>
+                      <a:srgbClr val="92D050"/>
+                    </a:solidFill>
+                  </a:tcPr>
+                </a:tc>
+                <a:tc>
+                  <a:txBody>
+                    <a:bodyPr/>
+                    <a:lstStyle/>
+                    <a:p>
+                      <a:pPr algn="ctr" fontAlgn="b"/>
+                      <a:r>
+                        <a:rPr lang="en-US" sz="1000" u="none" strike="noStrike" dirty="0">
+                          <a:effectLst/>
+                          <a:latin typeface="Arial" panose="020B0604020202020204" pitchFamily="34" charset="0"/>
+                          <a:cs typeface="Arial" panose="020B0604020202020204" pitchFamily="34" charset="0"/>
+                        </a:rPr>
+                        <a:t>N</a:t>
+                      </a:r>
+                      <a:endParaRPr lang="en-US" sz="1000" b="0" i="0" u="none" strike="noStrike" dirty="0">
+                        <a:solidFill>
+                          <a:srgbClr val="000000"/>
+                        </a:solidFill>
+                        <a:effectLst/>
+                        <a:latin typeface="Arial" panose="020B0604020202020204" pitchFamily="34" charset="0"/>
+                        <a:cs typeface="Arial" panose="020B0604020202020204" pitchFamily="34" charset="0"/>
+                      </a:endParaRPr>
+                    </a:p>
+                  </a:txBody>
+                  <a:tcPr marL="18296" marR="18296" marT="18296" marB="0" anchor="ctr">
+                    <a:solidFill>
+                      <a:srgbClr val="FF0000"/>
+                    </a:solidFill>
+                  </a:tcPr>
+                </a:tc>
+                <a:tc>
+                  <a:txBody>
+                    <a:bodyPr/>
+                    <a:lstStyle/>
+                    <a:p>
+                      <a:pPr algn="ctr" fontAlgn="b"/>
+                      <a:r>
+                        <a:rPr lang="en-US" sz="1000" u="none" strike="noStrike" dirty="0">
+                          <a:effectLst/>
+                          <a:latin typeface="Arial" panose="020B0604020202020204" pitchFamily="34" charset="0"/>
+                          <a:cs typeface="Arial" panose="020B0604020202020204" pitchFamily="34" charset="0"/>
+                        </a:rPr>
+                        <a:t>N</a:t>
+                      </a:r>
+                      <a:endParaRPr lang="en-US" sz="1000" b="0" i="0" u="none" strike="noStrike" dirty="0">
+                        <a:solidFill>
+                          <a:srgbClr val="000000"/>
+                        </a:solidFill>
+                        <a:effectLst/>
+                        <a:latin typeface="Arial" panose="020B0604020202020204" pitchFamily="34" charset="0"/>
+                        <a:cs typeface="Arial" panose="020B0604020202020204" pitchFamily="34" charset="0"/>
+                      </a:endParaRPr>
+                    </a:p>
+                  </a:txBody>
+                  <a:tcPr marL="18296" marR="18296" marT="18296" marB="0" anchor="ctr">
+                    <a:solidFill>
+                      <a:srgbClr val="92D050"/>
+                    </a:solidFill>
+                  </a:tcPr>
+                </a:tc>
+                <a:tc>
+                  <a:txBody>
+                    <a:bodyPr/>
+                    <a:lstStyle/>
+                    <a:p>
+                      <a:pPr algn="ctr" fontAlgn="b"/>
+                      <a:r>
+                        <a:rPr lang="en-US" sz="1000" u="none" strike="noStrike" dirty="0">
+                          <a:effectLst/>
+                          <a:latin typeface="Arial" panose="020B0604020202020204" pitchFamily="34" charset="0"/>
+                          <a:cs typeface="Arial" panose="020B0604020202020204" pitchFamily="34" charset="0"/>
+                        </a:rPr>
+                        <a:t>N</a:t>
+                      </a:r>
+                      <a:endParaRPr lang="en-US" sz="1000" b="0" i="0" u="none" strike="noStrike" dirty="0">
+                        <a:solidFill>
+                          <a:srgbClr val="000000"/>
+                        </a:solidFill>
+                        <a:effectLst/>
+                        <a:latin typeface="Arial" panose="020B0604020202020204" pitchFamily="34" charset="0"/>
+                        <a:cs typeface="Arial" panose="020B0604020202020204" pitchFamily="34" charset="0"/>
+                      </a:endParaRPr>
+                    </a:p>
+                  </a:txBody>
+                  <a:tcPr marL="18296" marR="18296" marT="18296" marB="0" anchor="ctr">
+                    <a:lnR w="12700" cap="flat" cmpd="sng" algn="ctr">
+                      <a:solidFill>
+                        <a:schemeClr val="tx1"/>
+                      </a:solidFill>
+                      <a:prstDash val="solid"/>
+                      <a:round/>
+                      <a:headEnd type="none" w="med" len="med"/>
+                      <a:tailEnd type="none" w="med" len="med"/>
+                    </a:lnR>
+                  </a:tcPr>
+                </a:tc>
+              </a:tr>
+              <a:tr h="274320">
+                <a:tc>
+                  <a:txBody>
+                    <a:bodyPr/>
+                    <a:lstStyle/>
+                    <a:p>
+                      <a:pPr algn="ctr" fontAlgn="b"/>
+                      <a:r>
+                        <a:rPr lang="en-US" sz="1000" u="none" strike="noStrike" dirty="0">
+                          <a:effectLst/>
+                          <a:latin typeface="Arial" panose="020B0604020202020204" pitchFamily="34" charset="0"/>
+                          <a:cs typeface="Arial" panose="020B0604020202020204" pitchFamily="34" charset="0"/>
+                        </a:rPr>
+                        <a:t>∆</a:t>
+                      </a:r>
+                      <a:r>
+                        <a:rPr lang="en-US" sz="1000" u="none" strike="noStrike" dirty="0" smtClean="0">
+                          <a:effectLst/>
+                          <a:latin typeface="Arial" panose="020B0604020202020204" pitchFamily="34" charset="0"/>
+                          <a:cs typeface="Arial" panose="020B0604020202020204" pitchFamily="34" charset="0"/>
+                        </a:rPr>
+                        <a:t>6H</a:t>
+                      </a:r>
+                      <a:r>
+                        <a:rPr lang="en-US" sz="1000" u="none" strike="noStrike" baseline="-25000" dirty="0" smtClean="0">
+                          <a:effectLst/>
+                          <a:latin typeface="Arial" panose="020B0604020202020204" pitchFamily="34" charset="0"/>
+                          <a:cs typeface="Arial" panose="020B0604020202020204" pitchFamily="34" charset="0"/>
+                        </a:rPr>
+                        <a:t>2</a:t>
+                      </a:r>
+                      <a:r>
+                        <a:rPr lang="en-US" sz="1000" u="none" strike="noStrike" dirty="0" smtClean="0">
+                          <a:effectLst/>
+                          <a:latin typeface="Arial" panose="020B0604020202020204" pitchFamily="34" charset="0"/>
+                          <a:cs typeface="Arial" panose="020B0604020202020204" pitchFamily="34" charset="0"/>
+                        </a:rPr>
+                        <a:t>ase</a:t>
+                      </a:r>
+                      <a:endParaRPr lang="en-US" sz="1000" b="0" i="0" u="none" strike="noStrike" dirty="0">
+                        <a:solidFill>
+                          <a:srgbClr val="000000"/>
+                        </a:solidFill>
+                        <a:effectLst/>
+                        <a:latin typeface="Arial" panose="020B0604020202020204" pitchFamily="34" charset="0"/>
+                        <a:cs typeface="Arial" panose="020B0604020202020204" pitchFamily="34" charset="0"/>
+                      </a:endParaRPr>
+                    </a:p>
+                  </a:txBody>
+                  <a:tcPr marL="18296" marR="18296" marT="18296" marB="0" anchor="ctr">
+                    <a:lnL w="12700" cap="flat" cmpd="sng" algn="ctr">
+                      <a:solidFill>
+                        <a:schemeClr val="tx1"/>
+                      </a:solidFill>
+                      <a:prstDash val="solid"/>
+                      <a:round/>
+                      <a:headEnd type="none" w="med" len="med"/>
+                      <a:tailEnd type="none" w="med" len="med"/>
+                    </a:lnL>
+                    <a:lnR w="12700" cap="flat" cmpd="sng" algn="ctr">
+                      <a:solidFill>
+                        <a:schemeClr val="tx1"/>
+                      </a:solidFill>
+                      <a:prstDash val="solid"/>
+                      <a:round/>
+                      <a:headEnd type="none" w="med" len="med"/>
+                      <a:tailEnd type="none" w="med" len="med"/>
+                    </a:lnR>
+                  </a:tcPr>
+                </a:tc>
+                <a:tc>
+                  <a:txBody>
+                    <a:bodyPr/>
+                    <a:lstStyle/>
+                    <a:p>
+                      <a:pPr algn="ctr" fontAlgn="b"/>
+                      <a:r>
+                        <a:rPr lang="en-US" sz="1000" u="none" strike="noStrike" dirty="0">
+                          <a:effectLst/>
+                          <a:latin typeface="Arial" panose="020B0604020202020204" pitchFamily="34" charset="0"/>
+                          <a:cs typeface="Arial" panose="020B0604020202020204" pitchFamily="34" charset="0"/>
+                        </a:rPr>
+                        <a:t>L</a:t>
+                      </a:r>
+                      <a:endParaRPr lang="en-US" sz="1000" b="0" i="0" u="none" strike="noStrike" dirty="0">
+                        <a:solidFill>
+                          <a:srgbClr val="000000"/>
+                        </a:solidFill>
+                        <a:effectLst/>
+                        <a:latin typeface="Arial" panose="020B0604020202020204" pitchFamily="34" charset="0"/>
+                        <a:cs typeface="Arial" panose="020B0604020202020204" pitchFamily="34" charset="0"/>
+                      </a:endParaRPr>
+                    </a:p>
+                  </a:txBody>
+                  <a:tcPr marL="18296" marR="18296" marT="18296" marB="0" anchor="ctr">
+                    <a:lnL w="12700" cap="flat" cmpd="sng" algn="ctr">
+                      <a:solidFill>
+                        <a:schemeClr val="tx1"/>
+                      </a:solidFill>
+                      <a:prstDash val="solid"/>
+                      <a:round/>
+                      <a:headEnd type="none" w="med" len="med"/>
+                      <a:tailEnd type="none" w="med" len="med"/>
+                    </a:lnL>
+                    <a:solidFill>
+                      <a:srgbClr val="92D050"/>
+                    </a:solidFill>
+                  </a:tcPr>
+                </a:tc>
+                <a:tc>
+                  <a:txBody>
+                    <a:bodyPr/>
+                    <a:lstStyle/>
+                    <a:p>
+                      <a:pPr algn="ctr" fontAlgn="b"/>
+                      <a:r>
+                        <a:rPr lang="en-US" sz="1000" u="none" strike="noStrike" dirty="0">
+                          <a:effectLst/>
+                          <a:latin typeface="Arial" panose="020B0604020202020204" pitchFamily="34" charset="0"/>
+                          <a:cs typeface="Arial" panose="020B0604020202020204" pitchFamily="34" charset="0"/>
+                        </a:rPr>
+                        <a:t>N</a:t>
+                      </a:r>
+                      <a:endParaRPr lang="en-US" sz="1000" b="0" i="0" u="none" strike="noStrike" dirty="0">
+                        <a:solidFill>
+                          <a:srgbClr val="000000"/>
+                        </a:solidFill>
+                        <a:effectLst/>
+                        <a:latin typeface="Arial" panose="020B0604020202020204" pitchFamily="34" charset="0"/>
+                        <a:cs typeface="Arial" panose="020B0604020202020204" pitchFamily="34" charset="0"/>
+                      </a:endParaRPr>
+                    </a:p>
+                  </a:txBody>
+                  <a:tcPr marL="18296" marR="18296" marT="18296" marB="0" anchor="ctr">
+                    <a:solidFill>
+                      <a:srgbClr val="FF0000"/>
+                    </a:solidFill>
+                  </a:tcPr>
+                </a:tc>
+                <a:tc>
+                  <a:txBody>
+                    <a:bodyPr/>
+                    <a:lstStyle/>
+                    <a:p>
+                      <a:pPr algn="ctr" fontAlgn="b"/>
+                      <a:r>
+                        <a:rPr lang="en-US" sz="1000" u="none" strike="noStrike" dirty="0">
+                          <a:effectLst/>
+                          <a:latin typeface="Arial" panose="020B0604020202020204" pitchFamily="34" charset="0"/>
+                          <a:cs typeface="Arial" panose="020B0604020202020204" pitchFamily="34" charset="0"/>
+                        </a:rPr>
+                        <a:t>N</a:t>
+                      </a:r>
+                      <a:endParaRPr lang="en-US" sz="1000" b="0" i="0" u="none" strike="noStrike" dirty="0">
+                        <a:solidFill>
+                          <a:srgbClr val="000000"/>
+                        </a:solidFill>
+                        <a:effectLst/>
+                        <a:latin typeface="Arial" panose="020B0604020202020204" pitchFamily="34" charset="0"/>
+                        <a:cs typeface="Arial" panose="020B0604020202020204" pitchFamily="34" charset="0"/>
+                      </a:endParaRPr>
+                    </a:p>
+                  </a:txBody>
+                  <a:tcPr marL="18296" marR="18296" marT="18296" marB="0" anchor="ctr">
+                    <a:solidFill>
+                      <a:srgbClr val="92D050"/>
+                    </a:solidFill>
+                  </a:tcPr>
+                </a:tc>
+                <a:tc>
+                  <a:txBody>
+                    <a:bodyPr/>
+                    <a:lstStyle/>
+                    <a:p>
+                      <a:pPr algn="ctr" fontAlgn="b"/>
+                      <a:r>
+                        <a:rPr lang="en-US" sz="1000" u="none" strike="noStrike" dirty="0">
+                          <a:effectLst/>
+                          <a:latin typeface="Arial" panose="020B0604020202020204" pitchFamily="34" charset="0"/>
+                          <a:cs typeface="Arial" panose="020B0604020202020204" pitchFamily="34" charset="0"/>
+                        </a:rPr>
+                        <a:t>N</a:t>
+                      </a:r>
+                      <a:endParaRPr lang="en-US" sz="1000" b="0" i="0" u="none" strike="noStrike" dirty="0">
+                        <a:solidFill>
+                          <a:srgbClr val="000000"/>
+                        </a:solidFill>
+                        <a:effectLst/>
+                        <a:latin typeface="Arial" panose="020B0604020202020204" pitchFamily="34" charset="0"/>
+                        <a:cs typeface="Arial" panose="020B0604020202020204" pitchFamily="34" charset="0"/>
+                      </a:endParaRPr>
+                    </a:p>
+                  </a:txBody>
+                  <a:tcPr marL="18296" marR="18296" marT="18296" marB="0" anchor="ctr">
+                    <a:lnR w="12700" cap="flat" cmpd="sng" algn="ctr">
+                      <a:solidFill>
+                        <a:schemeClr val="tx1"/>
+                      </a:solidFill>
+                      <a:prstDash val="solid"/>
+                      <a:round/>
+                      <a:headEnd type="none" w="med" len="med"/>
+                      <a:tailEnd type="none" w="med" len="med"/>
+                    </a:lnR>
+                    <a:solidFill>
+                      <a:srgbClr val="92D050"/>
+                    </a:solidFill>
+                  </a:tcPr>
+                </a:tc>
+              </a:tr>
+              <a:tr h="274320">
+                <a:tc>
+                  <a:txBody>
+                    <a:bodyPr/>
+                    <a:lstStyle/>
+                    <a:p>
+                      <a:pPr algn="ctr" fontAlgn="b"/>
+                      <a:r>
+                        <a:rPr lang="en-US" sz="1000" u="none" strike="noStrike" dirty="0">
+                          <a:effectLst/>
+                          <a:latin typeface="Arial" panose="020B0604020202020204" pitchFamily="34" charset="0"/>
+                          <a:cs typeface="Arial" panose="020B0604020202020204" pitchFamily="34" charset="0"/>
+                        </a:rPr>
+                        <a:t>∆</a:t>
+                      </a:r>
+                      <a:r>
+                        <a:rPr lang="en-US" sz="1000" u="none" strike="noStrike" dirty="0" smtClean="0">
+                          <a:effectLst/>
+                          <a:latin typeface="Arial" panose="020B0604020202020204" pitchFamily="34" charset="0"/>
+                          <a:cs typeface="Arial" panose="020B0604020202020204" pitchFamily="34" charset="0"/>
+                        </a:rPr>
+                        <a:t>6H</a:t>
+                      </a:r>
+                      <a:r>
+                        <a:rPr lang="en-US" sz="1000" u="none" strike="noStrike" baseline="-25000" dirty="0" smtClean="0">
+                          <a:effectLst/>
+                          <a:latin typeface="Arial" panose="020B0604020202020204" pitchFamily="34" charset="0"/>
+                          <a:cs typeface="Arial" panose="020B0604020202020204" pitchFamily="34" charset="0"/>
+                        </a:rPr>
+                        <a:t>2</a:t>
+                      </a:r>
+                      <a:r>
+                        <a:rPr lang="en-US" sz="1000" u="none" strike="noStrike" dirty="0" smtClean="0">
+                          <a:effectLst/>
+                          <a:latin typeface="Arial" panose="020B0604020202020204" pitchFamily="34" charset="0"/>
+                          <a:cs typeface="Arial" panose="020B0604020202020204" pitchFamily="34" charset="0"/>
+                        </a:rPr>
+                        <a:t>ase</a:t>
+                      </a:r>
+                      <a:r>
+                        <a:rPr lang="en-US" sz="1000" u="none" strike="noStrike" dirty="0">
+                          <a:effectLst/>
+                          <a:latin typeface="Arial" panose="020B0604020202020204" pitchFamily="34" charset="0"/>
+                          <a:cs typeface="Arial" panose="020B0604020202020204" pitchFamily="34" charset="0"/>
+                        </a:rPr>
+                        <a:t>∆cdh</a:t>
+                      </a:r>
+                      <a:endParaRPr lang="en-US" sz="1000" b="0" i="0" u="none" strike="noStrike" dirty="0">
+                        <a:solidFill>
+                          <a:srgbClr val="000000"/>
+                        </a:solidFill>
+                        <a:effectLst/>
+                        <a:latin typeface="Arial" panose="020B0604020202020204" pitchFamily="34" charset="0"/>
+                        <a:cs typeface="Arial" panose="020B0604020202020204" pitchFamily="34" charset="0"/>
+                      </a:endParaRPr>
+                    </a:p>
+                  </a:txBody>
+                  <a:tcPr marL="18296" marR="18296" marT="18296" marB="0" anchor="ctr">
+                    <a:lnL w="12700" cap="flat" cmpd="sng" algn="ctr">
+                      <a:solidFill>
+                        <a:schemeClr val="tx1"/>
+                      </a:solidFill>
+                      <a:prstDash val="solid"/>
+                      <a:round/>
+                      <a:headEnd type="none" w="med" len="med"/>
+                      <a:tailEnd type="none" w="med" len="med"/>
+                    </a:lnL>
+                    <a:lnR w="12700" cap="flat" cmpd="sng" algn="ctr">
+                      <a:solidFill>
+                        <a:schemeClr val="tx1"/>
+                      </a:solidFill>
+                      <a:prstDash val="solid"/>
+                      <a:round/>
+                      <a:headEnd type="none" w="med" len="med"/>
+                      <a:tailEnd type="none" w="med" len="med"/>
+                    </a:lnR>
+                  </a:tcPr>
+                </a:tc>
+                <a:tc>
+                  <a:txBody>
+                    <a:bodyPr/>
+                    <a:lstStyle/>
+                    <a:p>
+                      <a:pPr algn="ctr" fontAlgn="b"/>
+                      <a:r>
+                        <a:rPr lang="en-US" sz="1000" u="none" strike="noStrike" dirty="0">
+                          <a:effectLst/>
+                          <a:latin typeface="Arial" panose="020B0604020202020204" pitchFamily="34" charset="0"/>
+                          <a:cs typeface="Arial" panose="020B0604020202020204" pitchFamily="34" charset="0"/>
+                        </a:rPr>
+                        <a:t>L</a:t>
+                      </a:r>
+                      <a:endParaRPr lang="en-US" sz="1000" b="0" i="0" u="none" strike="noStrike" dirty="0">
+                        <a:solidFill>
+                          <a:srgbClr val="000000"/>
+                        </a:solidFill>
+                        <a:effectLst/>
+                        <a:latin typeface="Arial" panose="020B0604020202020204" pitchFamily="34" charset="0"/>
+                        <a:cs typeface="Arial" panose="020B0604020202020204" pitchFamily="34" charset="0"/>
+                      </a:endParaRPr>
+                    </a:p>
+                  </a:txBody>
+                  <a:tcPr marL="18296" marR="18296" marT="18296" marB="0" anchor="ctr">
+                    <a:lnL w="12700" cap="flat" cmpd="sng" algn="ctr">
+                      <a:solidFill>
+                        <a:schemeClr val="tx1"/>
+                      </a:solidFill>
+                      <a:prstDash val="solid"/>
+                      <a:round/>
+                      <a:headEnd type="none" w="med" len="med"/>
+                      <a:tailEnd type="none" w="med" len="med"/>
+                    </a:lnL>
+                  </a:tcPr>
+                </a:tc>
+                <a:tc>
+                  <a:txBody>
+                    <a:bodyPr/>
+                    <a:lstStyle/>
+                    <a:p>
+                      <a:pPr algn="ctr" fontAlgn="b"/>
+                      <a:r>
+                        <a:rPr lang="en-US" sz="1000" u="none" strike="noStrike">
+                          <a:effectLst/>
+                          <a:latin typeface="Arial" panose="020B0604020202020204" pitchFamily="34" charset="0"/>
+                          <a:cs typeface="Arial" panose="020B0604020202020204" pitchFamily="34" charset="0"/>
+                        </a:rPr>
+                        <a:t>N</a:t>
+                      </a:r>
+                      <a:endParaRPr lang="en-US" sz="1000" b="0" i="0" u="none" strike="noStrike">
+                        <a:solidFill>
+                          <a:srgbClr val="000000"/>
+                        </a:solidFill>
+                        <a:effectLst/>
+                        <a:latin typeface="Arial" panose="020B0604020202020204" pitchFamily="34" charset="0"/>
+                        <a:cs typeface="Arial" panose="020B0604020202020204" pitchFamily="34" charset="0"/>
+                      </a:endParaRPr>
+                    </a:p>
+                  </a:txBody>
+                  <a:tcPr marL="18296" marR="18296" marT="18296" marB="0" anchor="ctr"/>
+                </a:tc>
+                <a:tc>
+                  <a:txBody>
+                    <a:bodyPr/>
+                    <a:lstStyle/>
+                    <a:p>
+                      <a:pPr algn="ctr" fontAlgn="b"/>
+                      <a:r>
+                        <a:rPr lang="en-US" sz="1000" u="none" strike="noStrike" dirty="0">
+                          <a:effectLst/>
+                          <a:latin typeface="Arial" panose="020B0604020202020204" pitchFamily="34" charset="0"/>
+                          <a:cs typeface="Arial" panose="020B0604020202020204" pitchFamily="34" charset="0"/>
+                        </a:rPr>
+                        <a:t>N</a:t>
+                      </a:r>
+                      <a:endParaRPr lang="en-US" sz="1000" b="0" i="0" u="none" strike="noStrike" dirty="0">
+                        <a:solidFill>
+                          <a:srgbClr val="000000"/>
+                        </a:solidFill>
+                        <a:effectLst/>
+                        <a:latin typeface="Arial" panose="020B0604020202020204" pitchFamily="34" charset="0"/>
+                        <a:cs typeface="Arial" panose="020B0604020202020204" pitchFamily="34" charset="0"/>
+                      </a:endParaRPr>
+                    </a:p>
+                  </a:txBody>
+                  <a:tcPr marL="18296" marR="18296" marT="18296" marB="0" anchor="ctr"/>
+                </a:tc>
+                <a:tc>
+                  <a:txBody>
+                    <a:bodyPr/>
+                    <a:lstStyle/>
+                    <a:p>
+                      <a:pPr algn="ctr" fontAlgn="b"/>
+                      <a:r>
+                        <a:rPr lang="en-US" sz="1000" u="none" strike="noStrike" dirty="0">
+                          <a:effectLst/>
+                          <a:latin typeface="Arial" panose="020B0604020202020204" pitchFamily="34" charset="0"/>
+                          <a:cs typeface="Arial" panose="020B0604020202020204" pitchFamily="34" charset="0"/>
+                        </a:rPr>
+                        <a:t>N</a:t>
+                      </a:r>
+                      <a:endParaRPr lang="en-US" sz="1000" b="0" i="0" u="none" strike="noStrike" dirty="0">
+                        <a:solidFill>
+                          <a:srgbClr val="000000"/>
+                        </a:solidFill>
+                        <a:effectLst/>
+                        <a:latin typeface="Arial" panose="020B0604020202020204" pitchFamily="34" charset="0"/>
+                        <a:cs typeface="Arial" panose="020B0604020202020204" pitchFamily="34" charset="0"/>
+                      </a:endParaRPr>
+                    </a:p>
+                  </a:txBody>
+                  <a:tcPr marL="18296" marR="18296" marT="18296" marB="0" anchor="ctr">
+                    <a:lnR w="12700" cap="flat" cmpd="sng" algn="ctr">
+                      <a:solidFill>
+                        <a:schemeClr val="tx1"/>
+                      </a:solidFill>
+                      <a:prstDash val="solid"/>
+                      <a:round/>
+                      <a:headEnd type="none" w="med" len="med"/>
+                      <a:tailEnd type="none" w="med" len="med"/>
+                    </a:lnR>
+                    <a:solidFill>
+                      <a:srgbClr val="FF0000"/>
+                    </a:solidFill>
+                  </a:tcPr>
+                </a:tc>
+              </a:tr>
+              <a:tr h="274320">
+                <a:tc>
+                  <a:txBody>
+                    <a:bodyPr/>
+                    <a:lstStyle/>
+                    <a:p>
+                      <a:pPr algn="ctr" fontAlgn="b"/>
+                      <a:r>
+                        <a:rPr lang="en-US" sz="1000" u="none" strike="noStrike" dirty="0">
+                          <a:effectLst/>
+                          <a:latin typeface="Arial" panose="020B0604020202020204" pitchFamily="34" charset="0"/>
+                          <a:cs typeface="Arial" panose="020B0604020202020204" pitchFamily="34" charset="0"/>
+                        </a:rPr>
+                        <a:t>∆</a:t>
+                      </a:r>
+                      <a:r>
+                        <a:rPr lang="en-US" sz="1000" u="none" strike="noStrike" dirty="0" smtClean="0">
+                          <a:effectLst/>
+                          <a:latin typeface="Arial" panose="020B0604020202020204" pitchFamily="34" charset="0"/>
+                          <a:cs typeface="Arial" panose="020B0604020202020204" pitchFamily="34" charset="0"/>
+                        </a:rPr>
+                        <a:t>6H</a:t>
+                      </a:r>
+                      <a:r>
+                        <a:rPr lang="en-US" sz="1000" u="none" strike="noStrike" baseline="-25000" dirty="0" smtClean="0">
+                          <a:effectLst/>
+                          <a:latin typeface="Arial" panose="020B0604020202020204" pitchFamily="34" charset="0"/>
+                          <a:cs typeface="Arial" panose="020B0604020202020204" pitchFamily="34" charset="0"/>
+                        </a:rPr>
+                        <a:t>2</a:t>
+                      </a:r>
+                      <a:r>
+                        <a:rPr lang="en-US" sz="1000" u="none" strike="noStrike" dirty="0" smtClean="0">
+                          <a:effectLst/>
+                          <a:latin typeface="Arial" panose="020B0604020202020204" pitchFamily="34" charset="0"/>
+                          <a:cs typeface="Arial" panose="020B0604020202020204" pitchFamily="34" charset="0"/>
+                        </a:rPr>
+                        <a:t>ase</a:t>
+                      </a:r>
+                      <a:r>
+                        <a:rPr lang="en-US" sz="1000" u="none" strike="noStrike" baseline="-25000" dirty="0" smtClean="0">
+                          <a:effectLst/>
+                          <a:latin typeface="Arial" panose="020B0604020202020204" pitchFamily="34" charset="0"/>
+                          <a:cs typeface="Arial" panose="020B0604020202020204" pitchFamily="34" charset="0"/>
+                        </a:rPr>
+                        <a:t>supp</a:t>
+                      </a:r>
+                      <a:endParaRPr lang="en-US" sz="1000" b="0" i="0" u="none" strike="noStrike" dirty="0">
+                        <a:solidFill>
+                          <a:srgbClr val="000000"/>
+                        </a:solidFill>
+                        <a:effectLst/>
+                        <a:latin typeface="Arial" panose="020B0604020202020204" pitchFamily="34" charset="0"/>
+                        <a:cs typeface="Arial" panose="020B0604020202020204" pitchFamily="34" charset="0"/>
+                      </a:endParaRPr>
+                    </a:p>
+                  </a:txBody>
+                  <a:tcPr marL="18296" marR="18296" marT="18296" marB="0" anchor="ctr">
+                    <a:lnL w="12700" cap="flat" cmpd="sng" algn="ctr">
+                      <a:solidFill>
+                        <a:schemeClr val="tx1"/>
+                      </a:solidFill>
+                      <a:prstDash val="solid"/>
+                      <a:round/>
+                      <a:headEnd type="none" w="med" len="med"/>
+                      <a:tailEnd type="none" w="med" len="med"/>
+                    </a:lnL>
+                    <a:lnR w="12700" cap="flat" cmpd="sng" algn="ctr">
+                      <a:solidFill>
+                        <a:schemeClr val="tx1"/>
+                      </a:solidFill>
+                      <a:prstDash val="solid"/>
+                      <a:round/>
+                      <a:headEnd type="none" w="med" len="med"/>
+                      <a:tailEnd type="none" w="med" len="med"/>
+                    </a:lnR>
+                  </a:tcPr>
+                </a:tc>
+                <a:tc>
+                  <a:txBody>
+                    <a:bodyPr/>
+                    <a:lstStyle/>
+                    <a:p>
+                      <a:pPr algn="ctr" fontAlgn="b"/>
+                      <a:r>
+                        <a:rPr lang="en-US" sz="1000" u="none" strike="noStrike" dirty="0">
+                          <a:effectLst/>
+                          <a:latin typeface="Arial" panose="020B0604020202020204" pitchFamily="34" charset="0"/>
+                          <a:cs typeface="Arial" panose="020B0604020202020204" pitchFamily="34" charset="0"/>
+                        </a:rPr>
+                        <a:t>L</a:t>
+                      </a:r>
+                      <a:endParaRPr lang="en-US" sz="1000" b="0" i="0" u="none" strike="noStrike" dirty="0">
+                        <a:solidFill>
+                          <a:srgbClr val="000000"/>
+                        </a:solidFill>
+                        <a:effectLst/>
+                        <a:latin typeface="Arial" panose="020B0604020202020204" pitchFamily="34" charset="0"/>
+                        <a:cs typeface="Arial" panose="020B0604020202020204" pitchFamily="34" charset="0"/>
+                      </a:endParaRPr>
+                    </a:p>
+                  </a:txBody>
+                  <a:tcPr marL="18296" marR="18296" marT="18296" marB="0" anchor="ctr">
+                    <a:lnL w="12700" cap="flat" cmpd="sng" algn="ctr">
+                      <a:solidFill>
+                        <a:schemeClr val="tx1"/>
+                      </a:solidFill>
+                      <a:prstDash val="solid"/>
+                      <a:round/>
+                      <a:headEnd type="none" w="med" len="med"/>
+                      <a:tailEnd type="none" w="med" len="med"/>
+                    </a:lnL>
+                  </a:tcPr>
+                </a:tc>
+                <a:tc>
+                  <a:txBody>
+                    <a:bodyPr/>
+                    <a:lstStyle/>
+                    <a:p>
+                      <a:pPr algn="ctr" fontAlgn="b"/>
+                      <a:r>
+                        <a:rPr lang="en-US" sz="1000" u="none" strike="noStrike" dirty="0">
+                          <a:effectLst/>
+                          <a:latin typeface="Arial" panose="020B0604020202020204" pitchFamily="34" charset="0"/>
+                          <a:cs typeface="Arial" panose="020B0604020202020204" pitchFamily="34" charset="0"/>
+                        </a:rPr>
+                        <a:t>N</a:t>
+                      </a:r>
+                      <a:endParaRPr lang="en-US" sz="1000" b="0" i="0" u="none" strike="noStrike" dirty="0">
+                        <a:solidFill>
+                          <a:srgbClr val="000000"/>
+                        </a:solidFill>
+                        <a:effectLst/>
+                        <a:latin typeface="Arial" panose="020B0604020202020204" pitchFamily="34" charset="0"/>
+                        <a:cs typeface="Arial" panose="020B0604020202020204" pitchFamily="34" charset="0"/>
+                      </a:endParaRPr>
+                    </a:p>
+                  </a:txBody>
+                  <a:tcPr marL="18296" marR="18296" marT="18296" marB="0" anchor="ctr">
+                    <a:solidFill>
+                      <a:srgbClr val="92D050"/>
+                    </a:solidFill>
+                  </a:tcPr>
+                </a:tc>
+                <a:tc>
+                  <a:txBody>
+                    <a:bodyPr/>
+                    <a:lstStyle/>
+                    <a:p>
+                      <a:pPr algn="ctr" fontAlgn="b"/>
+                      <a:r>
+                        <a:rPr lang="en-US" sz="1000" u="none" strike="noStrike" dirty="0">
+                          <a:effectLst/>
+                          <a:latin typeface="Arial" panose="020B0604020202020204" pitchFamily="34" charset="0"/>
+                          <a:cs typeface="Arial" panose="020B0604020202020204" pitchFamily="34" charset="0"/>
+                        </a:rPr>
+                        <a:t>N</a:t>
+                      </a:r>
+                      <a:endParaRPr lang="en-US" sz="1000" b="0" i="0" u="none" strike="noStrike" dirty="0">
+                        <a:solidFill>
+                          <a:srgbClr val="000000"/>
+                        </a:solidFill>
+                        <a:effectLst/>
+                        <a:latin typeface="Arial" panose="020B0604020202020204" pitchFamily="34" charset="0"/>
+                        <a:cs typeface="Arial" panose="020B0604020202020204" pitchFamily="34" charset="0"/>
+                      </a:endParaRPr>
+                    </a:p>
+                  </a:txBody>
+                  <a:tcPr marL="18296" marR="18296" marT="18296" marB="0" anchor="ctr"/>
+                </a:tc>
+                <a:tc>
+                  <a:txBody>
+                    <a:bodyPr/>
+                    <a:lstStyle/>
+                    <a:p>
+                      <a:pPr algn="ctr" fontAlgn="b"/>
+                      <a:r>
+                        <a:rPr lang="en-US" sz="1000" u="none" strike="noStrike" dirty="0">
+                          <a:effectLst/>
+                          <a:latin typeface="Arial" panose="020B0604020202020204" pitchFamily="34" charset="0"/>
+                          <a:cs typeface="Arial" panose="020B0604020202020204" pitchFamily="34" charset="0"/>
+                        </a:rPr>
+                        <a:t>N</a:t>
+                      </a:r>
+                      <a:endParaRPr lang="en-US" sz="1000" b="0" i="0" u="none" strike="noStrike" dirty="0">
+                        <a:solidFill>
+                          <a:srgbClr val="000000"/>
+                        </a:solidFill>
+                        <a:effectLst/>
+                        <a:latin typeface="Arial" panose="020B0604020202020204" pitchFamily="34" charset="0"/>
+                        <a:cs typeface="Arial" panose="020B0604020202020204" pitchFamily="34" charset="0"/>
+                      </a:endParaRPr>
+                    </a:p>
+                  </a:txBody>
+                  <a:tcPr marL="18296" marR="18296" marT="18296" marB="0" anchor="ctr">
+                    <a:lnR w="12700" cap="flat" cmpd="sng" algn="ctr">
+                      <a:solidFill>
+                        <a:schemeClr val="tx1"/>
+                      </a:solidFill>
+                      <a:prstDash val="solid"/>
+                      <a:round/>
+                      <a:headEnd type="none" w="med" len="med"/>
+                      <a:tailEnd type="none" w="med" len="med"/>
+                    </a:lnR>
+                  </a:tcPr>
+                </a:tc>
+              </a:tr>
+              <a:tr h="274320">
+                <a:tc>
+                  <a:txBody>
+                    <a:bodyPr/>
+                    <a:lstStyle/>
+                    <a:p>
+                      <a:pPr marL="0" marR="0" indent="0" algn="ctr" defTabSz="4388690" rtl="0" eaLnBrk="1" fontAlgn="b" latinLnBrk="0" hangingPunct="1">
+                        <a:lnSpc>
+                          <a:spcPct val="100000"/>
+                        </a:lnSpc>
+                        <a:spcBef>
+                          <a:spcPts val="0"/>
+                        </a:spcBef>
+                        <a:spcAft>
+                          <a:spcPts val="0"/>
+                        </a:spcAft>
+                        <a:buClrTx/>
+                        <a:buSzTx/>
+                        <a:buFontTx/>
+                        <a:buNone/>
+                        <a:tabLst/>
+                        <a:defRPr/>
+                      </a:pPr>
+                      <a:r>
+                        <a:rPr lang="en-US" sz="1000" u="none" strike="noStrike" dirty="0">
+                          <a:effectLst/>
+                          <a:latin typeface="Arial" panose="020B0604020202020204" pitchFamily="34" charset="0"/>
+                          <a:cs typeface="Arial" panose="020B0604020202020204" pitchFamily="34" charset="0"/>
+                        </a:rPr>
+                        <a:t>∆</a:t>
+                      </a:r>
+                      <a:r>
+                        <a:rPr lang="en-US" sz="1000" u="none" strike="noStrike" dirty="0" smtClean="0">
+                          <a:effectLst/>
+                          <a:latin typeface="Arial" panose="020B0604020202020204" pitchFamily="34" charset="0"/>
+                          <a:cs typeface="Arial" panose="020B0604020202020204" pitchFamily="34" charset="0"/>
+                        </a:rPr>
+                        <a:t>7H</a:t>
+                      </a:r>
+                      <a:r>
+                        <a:rPr lang="en-US" sz="1000" u="none" strike="noStrike" baseline="-25000" dirty="0" smtClean="0">
+                          <a:effectLst/>
+                          <a:latin typeface="Arial" panose="020B0604020202020204" pitchFamily="34" charset="0"/>
+                          <a:cs typeface="Arial" panose="020B0604020202020204" pitchFamily="34" charset="0"/>
+                        </a:rPr>
+                        <a:t>2</a:t>
+                      </a:r>
+                      <a:r>
+                        <a:rPr lang="en-US" sz="1000" u="none" strike="noStrike" dirty="0" smtClean="0">
+                          <a:effectLst/>
+                          <a:latin typeface="Arial" panose="020B0604020202020204" pitchFamily="34" charset="0"/>
+                          <a:cs typeface="Arial" panose="020B0604020202020204" pitchFamily="34" charset="0"/>
+                        </a:rPr>
+                        <a:t>ase</a:t>
+                      </a:r>
+                      <a:r>
+                        <a:rPr lang="en-US" sz="1000" u="none" strike="noStrike" baseline="-25000" dirty="0" smtClean="0">
+                          <a:effectLst/>
+                          <a:latin typeface="Arial" panose="020B0604020202020204" pitchFamily="34" charset="0"/>
+                          <a:cs typeface="Arial" panose="020B0604020202020204" pitchFamily="34" charset="0"/>
+                        </a:rPr>
+                        <a:t>supp</a:t>
+                      </a:r>
+                      <a:endParaRPr lang="en-US" sz="1000" b="0" i="0" u="none" strike="noStrike" dirty="0">
+                        <a:solidFill>
+                          <a:srgbClr val="000000"/>
+                        </a:solidFill>
+                        <a:effectLst/>
+                        <a:latin typeface="Arial" panose="020B0604020202020204" pitchFamily="34" charset="0"/>
+                        <a:cs typeface="Arial" panose="020B0604020202020204" pitchFamily="34" charset="0"/>
+                      </a:endParaRPr>
+                    </a:p>
+                  </a:txBody>
+                  <a:tcPr marL="18296" marR="18296" marT="18296" marB="0" anchor="ctr">
+                    <a:lnL w="12700" cap="flat" cmpd="sng" algn="ctr">
+                      <a:solidFill>
+                        <a:schemeClr val="tx1"/>
+                      </a:solidFill>
+                      <a:prstDash val="solid"/>
+                      <a:round/>
+                      <a:headEnd type="none" w="med" len="med"/>
+                      <a:tailEnd type="none" w="med" len="med"/>
+                    </a:lnL>
+                    <a:lnR w="12700" cap="flat" cmpd="sng" algn="ctr">
+                      <a:solidFill>
+                        <a:schemeClr val="tx1"/>
+                      </a:solidFill>
+                      <a:prstDash val="solid"/>
+                      <a:round/>
+                      <a:headEnd type="none" w="med" len="med"/>
+                      <a:tailEnd type="none" w="med" len="med"/>
+                    </a:lnR>
+                    <a:lnB w="12700" cap="flat" cmpd="sng" algn="ctr">
+                      <a:solidFill>
+                        <a:schemeClr val="tx1"/>
+                      </a:solidFill>
+                      <a:prstDash val="solid"/>
+                      <a:round/>
+                      <a:headEnd type="none" w="med" len="med"/>
+                      <a:tailEnd type="none" w="med" len="med"/>
+                    </a:lnB>
+                  </a:tcPr>
+                </a:tc>
+                <a:tc>
+                  <a:txBody>
+                    <a:bodyPr/>
+                    <a:lstStyle/>
+                    <a:p>
+                      <a:pPr algn="ctr" fontAlgn="b"/>
+                      <a:r>
+                        <a:rPr lang="en-US" sz="1000" u="none" strike="noStrike" dirty="0">
+                          <a:effectLst/>
+                          <a:latin typeface="Arial" panose="020B0604020202020204" pitchFamily="34" charset="0"/>
+                          <a:cs typeface="Arial" panose="020B0604020202020204" pitchFamily="34" charset="0"/>
+                        </a:rPr>
+                        <a:t>L</a:t>
+                      </a:r>
+                      <a:endParaRPr lang="en-US" sz="1000" b="0" i="0" u="none" strike="noStrike" dirty="0">
+                        <a:solidFill>
+                          <a:srgbClr val="000000"/>
+                        </a:solidFill>
+                        <a:effectLst/>
+                        <a:latin typeface="Arial" panose="020B0604020202020204" pitchFamily="34" charset="0"/>
+                        <a:cs typeface="Arial" panose="020B0604020202020204" pitchFamily="34" charset="0"/>
+                      </a:endParaRPr>
+                    </a:p>
+                  </a:txBody>
+                  <a:tcPr marL="18296" marR="18296" marT="18296" marB="0" anchor="ctr">
+                    <a:lnL w="12700" cap="flat" cmpd="sng" algn="ctr">
+                      <a:solidFill>
+                        <a:schemeClr val="tx1"/>
+                      </a:solidFill>
+                      <a:prstDash val="solid"/>
+                      <a:round/>
+                      <a:headEnd type="none" w="med" len="med"/>
+                      <a:tailEnd type="none" w="med" len="med"/>
+                    </a:lnL>
+                    <a:lnB w="12700" cap="flat" cmpd="sng" algn="ctr">
+                      <a:solidFill>
+                        <a:schemeClr val="tx1"/>
+                      </a:solidFill>
+                      <a:prstDash val="solid"/>
+                      <a:round/>
+                      <a:headEnd type="none" w="med" len="med"/>
+                      <a:tailEnd type="none" w="med" len="med"/>
+                    </a:lnB>
+                  </a:tcPr>
+                </a:tc>
+                <a:tc>
+                  <a:txBody>
+                    <a:bodyPr/>
+                    <a:lstStyle/>
+                    <a:p>
+                      <a:pPr algn="ctr" fontAlgn="b"/>
+                      <a:r>
+                        <a:rPr lang="en-US" sz="1000" u="none" strike="noStrike" dirty="0">
+                          <a:effectLst/>
+                          <a:latin typeface="Arial" panose="020B0604020202020204" pitchFamily="34" charset="0"/>
+                          <a:cs typeface="Arial" panose="020B0604020202020204" pitchFamily="34" charset="0"/>
+                        </a:rPr>
+                        <a:t>N</a:t>
+                      </a:r>
+                      <a:endParaRPr lang="en-US" sz="1000" b="0" i="0" u="none" strike="noStrike" dirty="0">
+                        <a:solidFill>
+                          <a:srgbClr val="000000"/>
+                        </a:solidFill>
+                        <a:effectLst/>
+                        <a:latin typeface="Arial" panose="020B0604020202020204" pitchFamily="34" charset="0"/>
+                        <a:cs typeface="Arial" panose="020B0604020202020204" pitchFamily="34" charset="0"/>
+                      </a:endParaRPr>
+                    </a:p>
+                  </a:txBody>
+                  <a:tcPr marL="18296" marR="18296" marT="18296" marB="0" anchor="ctr">
+                    <a:lnB w="12700" cap="flat" cmpd="sng" algn="ctr">
+                      <a:solidFill>
+                        <a:schemeClr val="tx1"/>
+                      </a:solidFill>
+                      <a:prstDash val="solid"/>
+                      <a:round/>
+                      <a:headEnd type="none" w="med" len="med"/>
+                      <a:tailEnd type="none" w="med" len="med"/>
+                    </a:lnB>
+                    <a:solidFill>
+                      <a:srgbClr val="92D050"/>
+                    </a:solidFill>
+                  </a:tcPr>
+                </a:tc>
+                <a:tc>
+                  <a:txBody>
+                    <a:bodyPr/>
+                    <a:lstStyle/>
+                    <a:p>
+                      <a:pPr algn="ctr" fontAlgn="b"/>
+                      <a:r>
+                        <a:rPr lang="en-US" sz="1000" u="none" strike="noStrike" dirty="0">
+                          <a:effectLst/>
+                          <a:latin typeface="Arial" panose="020B0604020202020204" pitchFamily="34" charset="0"/>
+                          <a:cs typeface="Arial" panose="020B0604020202020204" pitchFamily="34" charset="0"/>
+                        </a:rPr>
+                        <a:t>N</a:t>
+                      </a:r>
+                      <a:endParaRPr lang="en-US" sz="1000" b="0" i="0" u="none" strike="noStrike" dirty="0">
+                        <a:solidFill>
+                          <a:srgbClr val="000000"/>
+                        </a:solidFill>
+                        <a:effectLst/>
+                        <a:latin typeface="Arial" panose="020B0604020202020204" pitchFamily="34" charset="0"/>
+                        <a:cs typeface="Arial" panose="020B0604020202020204" pitchFamily="34" charset="0"/>
+                      </a:endParaRPr>
+                    </a:p>
+                  </a:txBody>
+                  <a:tcPr marL="18296" marR="18296" marT="18296" marB="0" anchor="ctr">
+                    <a:lnB w="12700" cap="flat" cmpd="sng" algn="ctr">
+                      <a:solidFill>
+                        <a:schemeClr val="tx1"/>
+                      </a:solidFill>
+                      <a:prstDash val="solid"/>
+                      <a:round/>
+                      <a:headEnd type="none" w="med" len="med"/>
+                      <a:tailEnd type="none" w="med" len="med"/>
+                    </a:lnB>
+                  </a:tcPr>
+                </a:tc>
+                <a:tc>
+                  <a:txBody>
+                    <a:bodyPr/>
+                    <a:lstStyle/>
+                    <a:p>
+                      <a:pPr algn="ctr" fontAlgn="b"/>
+                      <a:r>
+                        <a:rPr lang="en-US" sz="1000" u="none" strike="noStrike" dirty="0">
+                          <a:effectLst/>
+                          <a:latin typeface="Arial" panose="020B0604020202020204" pitchFamily="34" charset="0"/>
+                          <a:cs typeface="Arial" panose="020B0604020202020204" pitchFamily="34" charset="0"/>
+                        </a:rPr>
+                        <a:t>N</a:t>
+                      </a:r>
+                      <a:endParaRPr lang="en-US" sz="1000" b="0" i="0" u="none" strike="noStrike" dirty="0">
+                        <a:solidFill>
+                          <a:srgbClr val="000000"/>
+                        </a:solidFill>
+                        <a:effectLst/>
+                        <a:latin typeface="Arial" panose="020B0604020202020204" pitchFamily="34" charset="0"/>
+                        <a:cs typeface="Arial" panose="020B0604020202020204" pitchFamily="34" charset="0"/>
+                      </a:endParaRPr>
+                    </a:p>
+                  </a:txBody>
+                  <a:tcPr marL="18296" marR="18296" marT="18296" marB="0" anchor="ctr">
+                    <a:lnR w="12700" cap="flat" cmpd="sng" algn="ctr">
+                      <a:solidFill>
+                        <a:schemeClr val="tx1"/>
+                      </a:solidFill>
+                      <a:prstDash val="solid"/>
+                      <a:round/>
+                      <a:headEnd type="none" w="med" len="med"/>
+                      <a:tailEnd type="none" w="med" len="med"/>
+                    </a:lnR>
+                    <a:lnB w="12700" cap="flat" cmpd="sng" algn="ctr">
+                      <a:solidFill>
+                        <a:schemeClr val="tx1"/>
+                      </a:solidFill>
+                      <a:prstDash val="solid"/>
+                      <a:round/>
+                      <a:headEnd type="none" w="med" len="med"/>
+                      <a:tailEnd type="none" w="med" len="med"/>
+                    </a:lnB>
+                  </a:tcPr>
+                </a:tc>
+              </a:tr>
+              <a:tr h="274320">
+                <a:tc>
+                  <a:txBody>
+                    <a:bodyPr/>
+                    <a:lstStyle/>
+                    <a:p>
+                      <a:pPr algn="ctr" fontAlgn="b"/>
+                      <a:r>
+                        <a:rPr lang="en-US" sz="1000" b="1" u="none" strike="noStrike" dirty="0">
+                          <a:effectLst/>
+                          <a:latin typeface="Arial" panose="020B0604020202020204" pitchFamily="34" charset="0"/>
+                          <a:cs typeface="Arial" panose="020B0604020202020204" pitchFamily="34" charset="0"/>
+                        </a:rPr>
+                        <a:t>Total Correct: </a:t>
+                      </a:r>
+                      <a:endParaRPr lang="en-US" sz="1000" b="1" i="0" u="none" strike="noStrike" dirty="0">
+                        <a:solidFill>
+                          <a:srgbClr val="000000"/>
+                        </a:solidFill>
+                        <a:effectLst/>
+                        <a:latin typeface="Arial" panose="020B0604020202020204" pitchFamily="34" charset="0"/>
+                        <a:cs typeface="Arial" panose="020B0604020202020204" pitchFamily="34" charset="0"/>
+                      </a:endParaRPr>
+                    </a:p>
+                  </a:txBody>
+                  <a:tcPr marL="18296" marR="18296" marT="18296" marB="0" anchor="ctr">
+                    <a:lnL w="12700" cap="flat" cmpd="sng" algn="ctr">
+                      <a:solidFill>
+                        <a:schemeClr val="tx1"/>
+                      </a:solidFill>
+                      <a:prstDash val="solid"/>
+                      <a:round/>
+                      <a:headEnd type="none" w="med" len="med"/>
+                      <a:tailEnd type="none" w="med" len="med"/>
+                    </a:lnL>
+                    <a:lnR w="12700" cap="flat" cmpd="sng" algn="ctr">
+                      <a:solidFill>
+                        <a:schemeClr val="tx1"/>
+                      </a:solidFill>
+                      <a:prstDash val="solid"/>
+                      <a:round/>
+                      <a:headEnd type="none" w="med" len="med"/>
+                      <a:tailEnd type="none" w="med" len="med"/>
+                    </a:lnR>
+                    <a:lnT w="12700" cap="flat" cmpd="sng" algn="ctr">
+                      <a:solidFill>
+                        <a:schemeClr val="tx1"/>
+                      </a:solidFill>
+                      <a:prstDash val="solid"/>
+                      <a:round/>
+                      <a:headEnd type="none" w="med" len="med"/>
+                      <a:tailEnd type="none" w="med" len="med"/>
+                    </a:lnT>
+                    <a:lnB w="12700" cap="flat" cmpd="sng" algn="ctr">
+                      <a:solidFill>
+                        <a:schemeClr val="tx1"/>
+                      </a:solidFill>
+                      <a:prstDash val="solid"/>
+                      <a:round/>
+                      <a:headEnd type="none" w="med" len="med"/>
+                      <a:tailEnd type="none" w="med" len="med"/>
+                    </a:lnB>
+                  </a:tcPr>
+                </a:tc>
+                <a:tc>
+                  <a:txBody>
+                    <a:bodyPr/>
+                    <a:lstStyle/>
+                    <a:p>
+                      <a:pPr algn="ctr" fontAlgn="b"/>
+                      <a:r>
+                        <a:rPr lang="en-US" sz="1000" b="1" u="none" strike="noStrike" dirty="0">
+                          <a:effectLst/>
+                          <a:latin typeface="Arial" panose="020B0604020202020204" pitchFamily="34" charset="0"/>
+                          <a:cs typeface="Arial" panose="020B0604020202020204" pitchFamily="34" charset="0"/>
+                        </a:rPr>
+                        <a:t>10 </a:t>
+                      </a:r>
+                      <a:r>
+                        <a:rPr lang="en-US" sz="1000" b="1" u="none" strike="noStrike" dirty="0" smtClean="0">
+                          <a:effectLst/>
+                          <a:latin typeface="Arial" panose="020B0604020202020204" pitchFamily="34" charset="0"/>
+                          <a:cs typeface="Arial" panose="020B0604020202020204" pitchFamily="34" charset="0"/>
+                        </a:rPr>
+                        <a:t>/10</a:t>
+                      </a:r>
+                      <a:endParaRPr lang="en-US" sz="1000" b="1" i="0" u="none" strike="noStrike" dirty="0">
+                        <a:solidFill>
+                          <a:srgbClr val="000000"/>
+                        </a:solidFill>
+                        <a:effectLst/>
+                        <a:latin typeface="Arial" panose="020B0604020202020204" pitchFamily="34" charset="0"/>
+                        <a:cs typeface="Arial" panose="020B0604020202020204" pitchFamily="34" charset="0"/>
+                      </a:endParaRPr>
+                    </a:p>
+                  </a:txBody>
+                  <a:tcPr marL="18296" marR="18296" marT="18296" marB="0" anchor="ctr">
+                    <a:lnL w="12700" cap="flat" cmpd="sng" algn="ctr">
+                      <a:solidFill>
+                        <a:schemeClr val="tx1"/>
+                      </a:solidFill>
+                      <a:prstDash val="solid"/>
+                      <a:round/>
+                      <a:headEnd type="none" w="med" len="med"/>
+                      <a:tailEnd type="none" w="med" len="med"/>
+                    </a:lnL>
+                    <a:lnT w="12700" cap="flat" cmpd="sng" algn="ctr">
+                      <a:solidFill>
+                        <a:schemeClr val="tx1"/>
+                      </a:solidFill>
+                      <a:prstDash val="solid"/>
+                      <a:round/>
+                      <a:headEnd type="none" w="med" len="med"/>
+                      <a:tailEnd type="none" w="med" len="med"/>
+                    </a:lnT>
+                    <a:lnB w="12700" cap="flat" cmpd="sng" algn="ctr">
+                      <a:solidFill>
+                        <a:schemeClr val="tx1"/>
+                      </a:solidFill>
+                      <a:prstDash val="solid"/>
+                      <a:round/>
+                      <a:headEnd type="none" w="med" len="med"/>
+                      <a:tailEnd type="none" w="med" len="med"/>
+                    </a:lnB>
+                  </a:tcPr>
+                </a:tc>
+                <a:tc>
+                  <a:txBody>
+                    <a:bodyPr/>
+                    <a:lstStyle/>
+                    <a:p>
+                      <a:pPr algn="ctr" fontAlgn="b"/>
+                      <a:r>
+                        <a:rPr lang="en-US" sz="1000" b="1" u="none" strike="noStrike" dirty="0" smtClean="0">
+                          <a:effectLst/>
+                          <a:latin typeface="Arial" panose="020B0604020202020204" pitchFamily="34" charset="0"/>
+                          <a:cs typeface="Arial" panose="020B0604020202020204" pitchFamily="34" charset="0"/>
+                        </a:rPr>
+                        <a:t>14/16</a:t>
+                      </a:r>
+                      <a:endParaRPr lang="en-US" sz="1000" b="1" i="0" u="none" strike="noStrike" dirty="0">
+                        <a:solidFill>
+                          <a:srgbClr val="000000"/>
+                        </a:solidFill>
+                        <a:effectLst/>
+                        <a:latin typeface="Arial" panose="020B0604020202020204" pitchFamily="34" charset="0"/>
+                        <a:cs typeface="Arial" panose="020B0604020202020204" pitchFamily="34" charset="0"/>
+                      </a:endParaRPr>
+                    </a:p>
+                  </a:txBody>
+                  <a:tcPr marL="18296" marR="18296" marT="18296" marB="0" anchor="ctr">
+                    <a:lnT w="12700" cap="flat" cmpd="sng" algn="ctr">
+                      <a:solidFill>
+                        <a:schemeClr val="tx1"/>
+                      </a:solidFill>
+                      <a:prstDash val="solid"/>
+                      <a:round/>
+                      <a:headEnd type="none" w="med" len="med"/>
+                      <a:tailEnd type="none" w="med" len="med"/>
+                    </a:lnT>
+                    <a:lnB w="12700" cap="flat" cmpd="sng" algn="ctr">
+                      <a:solidFill>
+                        <a:schemeClr val="tx1"/>
+                      </a:solidFill>
+                      <a:prstDash val="solid"/>
+                      <a:round/>
+                      <a:headEnd type="none" w="med" len="med"/>
+                      <a:tailEnd type="none" w="med" len="med"/>
+                    </a:lnB>
+                  </a:tcPr>
+                </a:tc>
+                <a:tc>
+                  <a:txBody>
+                    <a:bodyPr/>
+                    <a:lstStyle/>
+                    <a:p>
+                      <a:pPr algn="ctr" fontAlgn="b"/>
+                      <a:r>
+                        <a:rPr lang="en-US" sz="1000" b="1" u="none" strike="noStrike" dirty="0" smtClean="0">
+                          <a:effectLst/>
+                          <a:latin typeface="Arial" panose="020B0604020202020204" pitchFamily="34" charset="0"/>
+                          <a:cs typeface="Arial" panose="020B0604020202020204" pitchFamily="34" charset="0"/>
+                        </a:rPr>
+                        <a:t>2/2</a:t>
+                      </a:r>
+                      <a:endParaRPr lang="en-US" sz="1000" b="1" i="0" u="none" strike="noStrike" dirty="0">
+                        <a:solidFill>
+                          <a:srgbClr val="000000"/>
+                        </a:solidFill>
+                        <a:effectLst/>
+                        <a:latin typeface="Arial" panose="020B0604020202020204" pitchFamily="34" charset="0"/>
+                        <a:cs typeface="Arial" panose="020B0604020202020204" pitchFamily="34" charset="0"/>
+                      </a:endParaRPr>
+                    </a:p>
+                  </a:txBody>
+                  <a:tcPr marL="18296" marR="18296" marT="18296" marB="0" anchor="ctr">
+                    <a:lnT w="12700" cap="flat" cmpd="sng" algn="ctr">
+                      <a:solidFill>
+                        <a:schemeClr val="tx1"/>
+                      </a:solidFill>
+                      <a:prstDash val="solid"/>
+                      <a:round/>
+                      <a:headEnd type="none" w="med" len="med"/>
+                      <a:tailEnd type="none" w="med" len="med"/>
+                    </a:lnT>
+                    <a:lnB w="12700" cap="flat" cmpd="sng" algn="ctr">
+                      <a:solidFill>
+                        <a:schemeClr val="tx1"/>
+                      </a:solidFill>
+                      <a:prstDash val="solid"/>
+                      <a:round/>
+                      <a:headEnd type="none" w="med" len="med"/>
+                      <a:tailEnd type="none" w="med" len="med"/>
+                    </a:lnB>
+                  </a:tcPr>
+                </a:tc>
+                <a:tc>
+                  <a:txBody>
+                    <a:bodyPr/>
+                    <a:lstStyle/>
+                    <a:p>
+                      <a:pPr algn="ctr" fontAlgn="b"/>
+                      <a:r>
+                        <a:rPr lang="en-US" sz="1000" b="1" u="none" strike="noStrike" dirty="0" smtClean="0">
+                          <a:effectLst/>
+                          <a:latin typeface="Arial" panose="020B0604020202020204" pitchFamily="34" charset="0"/>
+                          <a:cs typeface="Arial" panose="020B0604020202020204" pitchFamily="34" charset="0"/>
+                        </a:rPr>
+                        <a:t>1/2</a:t>
+                      </a:r>
+                      <a:endParaRPr lang="en-US" sz="1000" b="1" i="0" u="none" strike="noStrike" dirty="0">
+                        <a:solidFill>
+                          <a:srgbClr val="000000"/>
+                        </a:solidFill>
+                        <a:effectLst/>
+                        <a:latin typeface="Arial" panose="020B0604020202020204" pitchFamily="34" charset="0"/>
+                        <a:cs typeface="Arial" panose="020B0604020202020204" pitchFamily="34" charset="0"/>
+                      </a:endParaRPr>
+                    </a:p>
+                  </a:txBody>
+                  <a:tcPr marL="18296" marR="18296" marT="18296" marB="0" anchor="ctr">
+                    <a:lnR w="12700" cap="flat" cmpd="sng" algn="ctr">
+                      <a:solidFill>
+                        <a:schemeClr val="tx1"/>
+                      </a:solidFill>
+                      <a:prstDash val="solid"/>
+                      <a:round/>
+                      <a:headEnd type="none" w="med" len="med"/>
+                      <a:tailEnd type="none" w="med" len="med"/>
+                    </a:lnR>
+                    <a:lnT w="12700" cap="flat" cmpd="sng" algn="ctr">
+                      <a:solidFill>
+                        <a:schemeClr val="tx1"/>
+                      </a:solidFill>
+                      <a:prstDash val="solid"/>
+                      <a:round/>
+                      <a:headEnd type="none" w="med" len="med"/>
+                      <a:tailEnd type="none" w="med" len="med"/>
+                    </a:lnT>
+                    <a:lnB w="12700" cap="flat" cmpd="sng" algn="ctr">
+                      <a:solidFill>
+                        <a:schemeClr val="tx1"/>
+                      </a:solidFill>
+                      <a:prstDash val="solid"/>
+                      <a:round/>
+                      <a:headEnd type="none" w="med" len="med"/>
+                      <a:tailEnd type="none" w="med" len="med"/>
+                    </a:lnB>
+                  </a:tcPr>
+                </a:tc>
+              </a:tr>
+            </a:tbl>
+          </a:graphicData>
+        </a:graphic>
+      </p:graphicFrame>
+    </p:spTree>
+    <p:extLst>
+      <p:ext uri="{BB962C8B-B14F-4D97-AF65-F5344CB8AC3E}">
+        <p14:creationId xmlns:p14="http://schemas.microsoft.com/office/powerpoint/2010/main" val="3092677402"/>
+      </p:ext>
+    </p:extLst>
+  </p:cSld>
+  <p:clrMapOvr>
+    <a:masterClrMapping/>
+  </p:clrMapOvr>
+</p:sld>
+</file>
+
+<file path=ppt/slides/slide6.xml><?xml version="1.0" encoding="utf-8"?>
 <p:sld xmlns:a="http://schemas.openxmlformats.org/drawingml/2006/main" xmlns:r="http://schemas.openxmlformats.org/officeDocument/2006/relationships" xmlns:p="http://schemas.openxmlformats.org/presentationml/2006/main">
   <p:cSld>
     <p:spTree>
@@ -12093,7 +19159,7 @@
     </p:spTree>
     <p:extLst>
       <p:ext uri="{BB962C8B-B14F-4D97-AF65-F5344CB8AC3E}">
-        <p14:creationId xmlns:p14="http://schemas.microsoft.com/office/powerpoint/2010/main" val="361509129"/>
+        <p14:creationId xmlns:p14="http://schemas.microsoft.com/office/powerpoint/2010/main" val="3074432917"/>
       </p:ext>
     </p:extLst>
   </p:cSld>
@@ -12107,6 +19173,541 @@
       </p:par>
     </p:tnLst>
   </p:timing>
+</p:sld>
+</file>
+
+<file path=ppt/slides/slide7.xml><?xml version="1.0" encoding="utf-8"?>
+<p:sld xmlns:a="http://schemas.openxmlformats.org/drawingml/2006/main" xmlns:r="http://schemas.openxmlformats.org/officeDocument/2006/relationships" xmlns:p="http://schemas.openxmlformats.org/presentationml/2006/main">
+  <p:cSld>
+    <p:spTree>
+      <p:nvGrpSpPr>
+        <p:cNvPr id="1" name=""/>
+        <p:cNvGrpSpPr/>
+        <p:nvPr/>
+      </p:nvGrpSpPr>
+      <p:grpSpPr>
+        <a:xfrm>
+          <a:off x="0" y="0"/>
+          <a:ext cx="0" cy="0"/>
+          <a:chOff x="0" y="0"/>
+          <a:chExt cx="0" cy="0"/>
+        </a:xfrm>
+      </p:grpSpPr>
+      <p:sp>
+        <p:nvSpPr>
+          <p:cNvPr id="2" name="Title 1"/>
+          <p:cNvSpPr>
+            <a:spLocks noGrp="1"/>
+          </p:cNvSpPr>
+          <p:nvPr>
+            <p:ph type="title"/>
+          </p:nvPr>
+        </p:nvSpPr>
+        <p:spPr/>
+        <p:txBody>
+          <a:bodyPr/>
+          <a:lstStyle/>
+          <a:p>
+            <a:r>
+              <a:rPr lang="en-US" dirty="0" smtClean="0"/>
+              <a:t>Milestones Update</a:t>
+            </a:r>
+            <a:endParaRPr lang="en-US" dirty="0"/>
+          </a:p>
+        </p:txBody>
+      </p:sp>
+      <p:graphicFrame>
+        <p:nvGraphicFramePr>
+          <p:cNvPr id="4" name="Content Placeholder 3"/>
+          <p:cNvGraphicFramePr>
+            <a:graphicFrameLocks noGrp="1"/>
+          </p:cNvGraphicFramePr>
+          <p:nvPr>
+            <p:ph idx="1"/>
+            <p:extLst>
+              <p:ext uri="{D42A27DB-BD31-4B8C-83A1-F6EECF244321}">
+                <p14:modId xmlns:p14="http://schemas.microsoft.com/office/powerpoint/2010/main" val="2762325006"/>
+              </p:ext>
+            </p:extLst>
+          </p:nvPr>
+        </p:nvGraphicFramePr>
+        <p:xfrm>
+          <a:off x="152400" y="1311999"/>
+          <a:ext cx="8839200" cy="5027841"/>
+        </p:xfrm>
+        <a:graphic>
+          <a:graphicData uri="http://schemas.openxmlformats.org/drawingml/2006/table">
+            <a:tbl>
+              <a:tblPr firstRow="1" bandRow="1">
+                <a:tableStyleId>{5C22544A-7EE6-4342-B048-85BDC9FD1C3A}</a:tableStyleId>
+              </a:tblPr>
+              <a:tblGrid>
+                <a:gridCol w="1327072"/>
+                <a:gridCol w="4362633"/>
+                <a:gridCol w="1381655"/>
+                <a:gridCol w="1767840"/>
+              </a:tblGrid>
+              <a:tr h="821601">
+                <a:tc>
+                  <a:txBody>
+                    <a:bodyPr/>
+                    <a:lstStyle/>
+                    <a:p>
+                      <a:r>
+                        <a:rPr lang="en-US" dirty="0" smtClean="0"/>
+                        <a:t>Milestone</a:t>
+                      </a:r>
+                      <a:endParaRPr lang="en-US" dirty="0"/>
+                    </a:p>
+                  </a:txBody>
+                  <a:tcPr anchor="ctr"/>
+                </a:tc>
+                <a:tc>
+                  <a:txBody>
+                    <a:bodyPr/>
+                    <a:lstStyle/>
+                    <a:p>
+                      <a:r>
+                        <a:rPr lang="en-US" dirty="0" smtClean="0"/>
+                        <a:t>Description</a:t>
+                      </a:r>
+                      <a:endParaRPr lang="en-US" dirty="0"/>
+                    </a:p>
+                  </a:txBody>
+                  <a:tcPr anchor="ctr"/>
+                </a:tc>
+                <a:tc>
+                  <a:txBody>
+                    <a:bodyPr/>
+                    <a:lstStyle/>
+                    <a:p>
+                      <a:r>
+                        <a:rPr lang="en-US" dirty="0" smtClean="0"/>
+                        <a:t>Targeted </a:t>
+                      </a:r>
+                      <a:r>
+                        <a:rPr lang="en-US" baseline="0" dirty="0" smtClean="0"/>
+                        <a:t>Finish Date</a:t>
+                      </a:r>
+                      <a:endParaRPr lang="en-US" dirty="0"/>
+                    </a:p>
+                  </a:txBody>
+                  <a:tcPr anchor="ctr"/>
+                </a:tc>
+                <a:tc>
+                  <a:txBody>
+                    <a:bodyPr/>
+                    <a:lstStyle/>
+                    <a:p>
+                      <a:r>
+                        <a:rPr lang="en-US" dirty="0" smtClean="0"/>
+                        <a:t>Status</a:t>
+                      </a:r>
+                      <a:endParaRPr lang="en-US" dirty="0"/>
+                    </a:p>
+                  </a:txBody>
+                  <a:tcPr anchor="ctr"/>
+                </a:tc>
+              </a:tr>
+              <a:tr h="901443">
+                <a:tc>
+                  <a:txBody>
+                    <a:bodyPr/>
+                    <a:lstStyle/>
+                    <a:p>
+                      <a:r>
+                        <a:rPr lang="en-US" dirty="0" smtClean="0"/>
+                        <a:t>M2.1</a:t>
+                      </a:r>
+                      <a:endParaRPr lang="en-US" dirty="0"/>
+                    </a:p>
+                  </a:txBody>
+                  <a:tcPr anchor="ctr"/>
+                </a:tc>
+                <a:tc>
+                  <a:txBody>
+                    <a:bodyPr/>
+                    <a:lstStyle/>
+                    <a:p>
+                      <a:r>
+                        <a:rPr lang="en-US" sz="1800" kern="1200" dirty="0" smtClean="0">
+                          <a:solidFill>
+                            <a:schemeClr val="dk1"/>
+                          </a:solidFill>
+                          <a:effectLst/>
+                          <a:latin typeface="+mn-lt"/>
+                          <a:ea typeface="+mn-ea"/>
+                          <a:cs typeface="+mn-cs"/>
+                        </a:rPr>
+                        <a:t>Deliver first genome-scale metabolic model capable of simulating growth and byproduct section with  &gt;75% accuracy</a:t>
+                      </a:r>
+                      <a:endParaRPr lang="en-US" dirty="0"/>
+                    </a:p>
+                  </a:txBody>
+                  <a:tcPr anchor="ctr"/>
+                </a:tc>
+                <a:tc>
+                  <a:txBody>
+                    <a:bodyPr/>
+                    <a:lstStyle/>
+                    <a:p>
+                      <a:r>
+                        <a:rPr lang="en-US" dirty="0" smtClean="0"/>
+                        <a:t>10/1/14</a:t>
+                      </a:r>
+                      <a:endParaRPr lang="en-US" dirty="0"/>
+                    </a:p>
+                  </a:txBody>
+                  <a:tcPr anchor="ctr"/>
+                </a:tc>
+                <a:tc>
+                  <a:txBody>
+                    <a:bodyPr/>
+                    <a:lstStyle/>
+                    <a:p>
+                      <a:r>
+                        <a:rPr lang="en-US" dirty="0" smtClean="0"/>
+                        <a:t>Completed</a:t>
+                      </a:r>
+                      <a:endParaRPr lang="en-US" dirty="0"/>
+                    </a:p>
+                  </a:txBody>
+                  <a:tcPr anchor="ctr"/>
+                </a:tc>
+              </a:tr>
+              <a:tr h="1442309">
+                <a:tc>
+                  <a:txBody>
+                    <a:bodyPr/>
+                    <a:lstStyle/>
+                    <a:p>
+                      <a:r>
+                        <a:rPr lang="en-US" dirty="0" smtClean="0"/>
+                        <a:t>M2.2</a:t>
+                      </a:r>
+                      <a:endParaRPr lang="en-US" dirty="0"/>
+                    </a:p>
+                  </a:txBody>
+                  <a:tcPr anchor="ctr"/>
+                </a:tc>
+                <a:tc>
+                  <a:txBody>
+                    <a:bodyPr/>
+                    <a:lstStyle/>
+                    <a:p>
+                      <a:r>
+                        <a:rPr lang="en-US" sz="1800" kern="1200" dirty="0" smtClean="0">
+                          <a:solidFill>
+                            <a:schemeClr val="dk1"/>
+                          </a:solidFill>
+                          <a:effectLst/>
+                          <a:latin typeface="+mn-lt"/>
+                          <a:ea typeface="+mn-ea"/>
+                          <a:cs typeface="+mn-cs"/>
+                        </a:rPr>
+                        <a:t>Deliver improved model that enables predictions with &gt;85% predictive accuracy for knockout lethality, and &lt;20% error for </a:t>
+                      </a:r>
+                      <a:r>
+                        <a:rPr lang="en-US" sz="1800" kern="1200" dirty="0" err="1" smtClean="0">
+                          <a:solidFill>
+                            <a:schemeClr val="dk1"/>
+                          </a:solidFill>
+                          <a:effectLst/>
+                          <a:latin typeface="+mn-lt"/>
+                          <a:ea typeface="+mn-ea"/>
+                          <a:cs typeface="+mn-cs"/>
+                        </a:rPr>
+                        <a:t>wildtype</a:t>
+                      </a:r>
+                      <a:r>
+                        <a:rPr lang="en-US" sz="1800" kern="1200" dirty="0" smtClean="0">
+                          <a:solidFill>
+                            <a:schemeClr val="dk1"/>
+                          </a:solidFill>
+                          <a:effectLst/>
+                          <a:latin typeface="+mn-lt"/>
+                          <a:ea typeface="+mn-ea"/>
+                          <a:cs typeface="+mn-cs"/>
+                        </a:rPr>
+                        <a:t> growth and byproduct yield predictions</a:t>
+                      </a:r>
+                      <a:endParaRPr lang="en-US" dirty="0"/>
+                    </a:p>
+                  </a:txBody>
+                  <a:tcPr anchor="ctr"/>
+                </a:tc>
+                <a:tc>
+                  <a:txBody>
+                    <a:bodyPr/>
+                    <a:lstStyle/>
+                    <a:p>
+                      <a:r>
+                        <a:rPr lang="en-US" dirty="0" smtClean="0"/>
+                        <a:t>6/1/15</a:t>
+                      </a:r>
+                      <a:endParaRPr lang="en-US" dirty="0"/>
+                    </a:p>
+                  </a:txBody>
+                  <a:tcPr anchor="ctr"/>
+                </a:tc>
+                <a:tc>
+                  <a:txBody>
+                    <a:bodyPr/>
+                    <a:lstStyle/>
+                    <a:p>
+                      <a:r>
+                        <a:rPr lang="en-US" dirty="0" smtClean="0"/>
+                        <a:t>Nearing Completion</a:t>
+                      </a:r>
+                      <a:endParaRPr lang="en-US" dirty="0"/>
+                    </a:p>
+                  </a:txBody>
+                  <a:tcPr anchor="ctr"/>
+                </a:tc>
+              </a:tr>
+              <a:tr h="901443">
+                <a:tc>
+                  <a:txBody>
+                    <a:bodyPr/>
+                    <a:lstStyle/>
+                    <a:p>
+                      <a:r>
+                        <a:rPr lang="en-US" dirty="0" smtClean="0"/>
+                        <a:t>M2.3</a:t>
+                      </a:r>
+                      <a:endParaRPr lang="en-US" dirty="0"/>
+                    </a:p>
+                  </a:txBody>
+                  <a:tcPr anchor="ctr"/>
+                </a:tc>
+                <a:tc>
+                  <a:txBody>
+                    <a:bodyPr/>
+                    <a:lstStyle/>
+                    <a:p>
+                      <a:r>
+                        <a:rPr lang="en-US" sz="1800" kern="1200" dirty="0" smtClean="0">
+                          <a:solidFill>
+                            <a:schemeClr val="dk1"/>
+                          </a:solidFill>
+                          <a:effectLst/>
+                          <a:latin typeface="+mn-lt"/>
+                          <a:ea typeface="+mn-ea"/>
+                          <a:cs typeface="+mn-cs"/>
+                        </a:rPr>
+                        <a:t>Deliver top 5-10 strain design predictions based on methanol yield to team for implementation</a:t>
+                      </a:r>
+                      <a:endParaRPr lang="en-US" dirty="0"/>
+                    </a:p>
+                  </a:txBody>
+                  <a:tcPr anchor="ctr"/>
+                </a:tc>
+                <a:tc>
+                  <a:txBody>
+                    <a:bodyPr/>
+                    <a:lstStyle/>
+                    <a:p>
+                      <a:r>
+                        <a:rPr lang="en-US" dirty="0" smtClean="0"/>
+                        <a:t>6/1/15</a:t>
+                      </a:r>
+                      <a:endParaRPr lang="en-US" dirty="0"/>
+                    </a:p>
+                  </a:txBody>
+                  <a:tcPr anchor="ctr"/>
+                </a:tc>
+                <a:tc>
+                  <a:txBody>
+                    <a:bodyPr/>
+                    <a:lstStyle/>
+                    <a:p>
+                      <a:r>
+                        <a:rPr lang="en-US" dirty="0" smtClean="0"/>
+                        <a:t>In Progress</a:t>
+                      </a:r>
+                      <a:endParaRPr lang="en-US" dirty="0"/>
+                    </a:p>
+                  </a:txBody>
+                  <a:tcPr anchor="ctr"/>
+                </a:tc>
+              </a:tr>
+              <a:tr h="901443">
+                <a:tc>
+                  <a:txBody>
+                    <a:bodyPr/>
+                    <a:lstStyle/>
+                    <a:p>
+                      <a:r>
+                        <a:rPr lang="en-US" dirty="0" smtClean="0"/>
+                        <a:t>M2.4</a:t>
+                      </a:r>
+                      <a:endParaRPr lang="en-US" dirty="0"/>
+                    </a:p>
+                  </a:txBody>
+                  <a:tcPr anchor="ctr"/>
+                </a:tc>
+                <a:tc>
+                  <a:txBody>
+                    <a:bodyPr/>
+                    <a:lstStyle/>
+                    <a:p>
+                      <a:r>
+                        <a:rPr lang="en-US" dirty="0" smtClean="0"/>
+                        <a:t>Provide 3 best engineered strains  with highest methanol</a:t>
+                      </a:r>
+                      <a:r>
+                        <a:rPr lang="en-US" baseline="0" dirty="0" smtClean="0"/>
+                        <a:t> production based on metabolic modeling</a:t>
+                      </a:r>
+                      <a:endParaRPr lang="en-US" dirty="0"/>
+                    </a:p>
+                  </a:txBody>
+                  <a:tcPr anchor="ctr"/>
+                </a:tc>
+                <a:tc>
+                  <a:txBody>
+                    <a:bodyPr/>
+                    <a:lstStyle/>
+                    <a:p>
+                      <a:r>
+                        <a:rPr lang="en-US" dirty="0" smtClean="0"/>
+                        <a:t>10/31/16</a:t>
+                      </a:r>
+                      <a:endParaRPr lang="en-US" dirty="0"/>
+                    </a:p>
+                  </a:txBody>
+                  <a:tcPr anchor="ctr"/>
+                </a:tc>
+                <a:tc>
+                  <a:txBody>
+                    <a:bodyPr/>
+                    <a:lstStyle/>
+                    <a:p>
+                      <a:r>
+                        <a:rPr lang="en-US" dirty="0" smtClean="0"/>
+                        <a:t>In Progress</a:t>
+                      </a:r>
+                      <a:endParaRPr lang="en-US" dirty="0"/>
+                    </a:p>
+                  </a:txBody>
+                  <a:tcPr anchor="ctr"/>
+                </a:tc>
+              </a:tr>
+            </a:tbl>
+          </a:graphicData>
+        </a:graphic>
+      </p:graphicFrame>
+    </p:spTree>
+    <p:extLst>
+      <p:ext uri="{BB962C8B-B14F-4D97-AF65-F5344CB8AC3E}">
+        <p14:creationId xmlns:p14="http://schemas.microsoft.com/office/powerpoint/2010/main" val="2643817756"/>
+      </p:ext>
+    </p:extLst>
+  </p:cSld>
+  <p:clrMapOvr>
+    <a:masterClrMapping/>
+  </p:clrMapOvr>
+</p:sld>
+</file>
+
+<file path=ppt/slides/slide8.xml><?xml version="1.0" encoding="utf-8"?>
+<p:sld xmlns:a="http://schemas.openxmlformats.org/drawingml/2006/main" xmlns:r="http://schemas.openxmlformats.org/officeDocument/2006/relationships" xmlns:p="http://schemas.openxmlformats.org/presentationml/2006/main">
+  <p:cSld>
+    <p:spTree>
+      <p:nvGrpSpPr>
+        <p:cNvPr id="1" name=""/>
+        <p:cNvGrpSpPr/>
+        <p:nvPr/>
+      </p:nvGrpSpPr>
+      <p:grpSpPr>
+        <a:xfrm>
+          <a:off x="0" y="0"/>
+          <a:ext cx="0" cy="0"/>
+          <a:chOff x="0" y="0"/>
+          <a:chExt cx="0" cy="0"/>
+        </a:xfrm>
+      </p:grpSpPr>
+      <p:sp>
+        <p:nvSpPr>
+          <p:cNvPr id="2" name="Title 1"/>
+          <p:cNvSpPr>
+            <a:spLocks noGrp="1"/>
+          </p:cNvSpPr>
+          <p:nvPr>
+            <p:ph type="title"/>
+          </p:nvPr>
+        </p:nvSpPr>
+        <p:spPr/>
+        <p:txBody>
+          <a:bodyPr/>
+          <a:lstStyle/>
+          <a:p>
+            <a:r>
+              <a:rPr lang="en-US" dirty="0" smtClean="0"/>
+              <a:t>Moving Forward</a:t>
+            </a:r>
+            <a:endParaRPr lang="en-US" dirty="0"/>
+          </a:p>
+        </p:txBody>
+      </p:sp>
+      <p:sp>
+        <p:nvSpPr>
+          <p:cNvPr id="3" name="Content Placeholder 2"/>
+          <p:cNvSpPr>
+            <a:spLocks noGrp="1"/>
+          </p:cNvSpPr>
+          <p:nvPr>
+            <p:ph idx="1"/>
+          </p:nvPr>
+        </p:nvSpPr>
+        <p:spPr/>
+        <p:txBody>
+          <a:bodyPr/>
+          <a:lstStyle/>
+          <a:p>
+            <a:r>
+              <a:rPr lang="en-US" dirty="0" smtClean="0"/>
+              <a:t>Awaiting results of targeted metabolomics (June 2015)</a:t>
+            </a:r>
+          </a:p>
+          <a:p>
+            <a:endParaRPr lang="en-US" dirty="0" smtClean="0"/>
+          </a:p>
+          <a:p>
+            <a:r>
+              <a:rPr lang="en-US" dirty="0" smtClean="0"/>
+              <a:t>Submitted samples to Bob White for methanogen-specific metabolomics</a:t>
+            </a:r>
+          </a:p>
+          <a:p>
+            <a:endParaRPr lang="en-US" dirty="0"/>
+          </a:p>
+          <a:p>
+            <a:r>
+              <a:rPr lang="en-US" dirty="0" smtClean="0"/>
+              <a:t>Predicting metabolic engineering strategies with </a:t>
+            </a:r>
+            <a:r>
+              <a:rPr lang="en-US" dirty="0" err="1" smtClean="0"/>
+              <a:t>SimOptStrain</a:t>
+            </a:r>
+            <a:endParaRPr lang="en-US" dirty="0" smtClean="0"/>
+          </a:p>
+          <a:p>
+            <a:endParaRPr lang="en-US" dirty="0"/>
+          </a:p>
+        </p:txBody>
+      </p:sp>
+    </p:spTree>
+    <p:extLst>
+      <p:ext uri="{BB962C8B-B14F-4D97-AF65-F5344CB8AC3E}">
+        <p14:creationId xmlns:p14="http://schemas.microsoft.com/office/powerpoint/2010/main" val="567337952"/>
+      </p:ext>
+    </p:extLst>
+  </p:cSld>
+  <p:clrMapOvr>
+    <a:masterClrMapping/>
+  </p:clrMapOvr>
 </p:sld>
 </file>
 
